--- a/shopFinal.pptx
+++ b/shopFinal.pptx
@@ -14,10 +14,11 @@
     <p:sldId id="259" r:id="rId8"/>
     <p:sldId id="260" r:id="rId9"/>
     <p:sldId id="263" r:id="rId10"/>
-    <p:sldId id="266" r:id="rId11"/>
-    <p:sldId id="267" r:id="rId12"/>
-    <p:sldId id="268" r:id="rId13"/>
-    <p:sldId id="269" r:id="rId14"/>
+    <p:sldId id="270" r:id="rId11"/>
+    <p:sldId id="266" r:id="rId12"/>
+    <p:sldId id="267" r:id="rId13"/>
+    <p:sldId id="268" r:id="rId14"/>
+    <p:sldId id="269" r:id="rId15"/>
   </p:sldIdLst>
   <p:sldSz cx="12192000" cy="6858000"/>
   <p:notesSz cx="6858000" cy="9144000"/>
@@ -5979,6 +5980,113 @@
 </file>
 
 <file path=ppt/slides/slide10.xml><?xml version="1.0" encoding="utf-8"?>
+<p:sld xmlns:a="http://schemas.openxmlformats.org/drawingml/2006/main" xmlns:r="http://schemas.openxmlformats.org/officeDocument/2006/relationships" xmlns:p="http://schemas.openxmlformats.org/presentationml/2006/main" showMasterSp="0">
+  <p:cSld>
+    <p:spTree>
+      <p:nvGrpSpPr>
+        <p:cNvPr id="1" name=""/>
+        <p:cNvGrpSpPr/>
+        <p:nvPr/>
+      </p:nvGrpSpPr>
+      <p:grpSpPr>
+        <a:xfrm>
+          <a:off x="0" y="0"/>
+          <a:ext cx="0" cy="0"/>
+          <a:chOff x="0" y="0"/>
+          <a:chExt cx="0" cy="0"/>
+        </a:xfrm>
+      </p:grpSpPr>
+      <p:sp>
+        <p:nvSpPr>
+          <p:cNvPr id="4" name="TextBox 3">
+            <a:extLst>
+              <a:ext uri="{FF2B5EF4-FFF2-40B4-BE49-F238E27FC236}">
+                <a16:creationId xmlns:a16="http://schemas.microsoft.com/office/drawing/2014/main" id="{44C69411-323C-4881-9727-9DB958142331}"/>
+              </a:ext>
+            </a:extLst>
+          </p:cNvPr>
+          <p:cNvSpPr txBox="1"/>
+          <p:nvPr/>
+        </p:nvSpPr>
+        <p:spPr>
+          <a:xfrm>
+            <a:off x="0" y="0"/>
+            <a:ext cx="9368852" cy="923330"/>
+          </a:xfrm>
+          <a:prstGeom prst="rect">
+            <a:avLst/>
+          </a:prstGeom>
+          <a:noFill/>
+        </p:spPr>
+        <p:txBody>
+          <a:bodyPr wrap="square" rtlCol="0">
+            <a:spAutoFit/>
+          </a:bodyPr>
+          <a:lstStyle/>
+          <a:p>
+            <a:r>
+              <a:rPr lang="en-IN" sz="5400" dirty="0">
+                <a:solidFill>
+                  <a:schemeClr val="accent1"/>
+                </a:solidFill>
+                <a:latin typeface="Aharoni" panose="02010803020104030203" pitchFamily="2" charset="-79"/>
+                <a:cs typeface="Aharoni" panose="02010803020104030203" pitchFamily="2" charset="-79"/>
+              </a:rPr>
+              <a:t>FULL STACK ARCHITECTURE</a:t>
+            </a:r>
+          </a:p>
+        </p:txBody>
+      </p:sp>
+      <p:pic>
+        <p:nvPicPr>
+          <p:cNvPr id="6" name="Picture 5">
+            <a:extLst>
+              <a:ext uri="{FF2B5EF4-FFF2-40B4-BE49-F238E27FC236}">
+                <a16:creationId xmlns:a16="http://schemas.microsoft.com/office/drawing/2014/main" id="{8AC4FBF2-0242-441F-918D-B2FC12B476CF}"/>
+              </a:ext>
+            </a:extLst>
+          </p:cNvPr>
+          <p:cNvPicPr>
+            <a:picLocks noChangeAspect="1"/>
+          </p:cNvPicPr>
+          <p:nvPr/>
+        </p:nvPicPr>
+        <p:blipFill>
+          <a:blip r:embed="rId2">
+            <a:extLst>
+              <a:ext uri="{28A0092B-C50C-407E-A947-70E740481C1C}">
+                <a14:useLocalDpi xmlns:a14="http://schemas.microsoft.com/office/drawing/2010/main" val="0"/>
+              </a:ext>
+            </a:extLst>
+          </a:blip>
+          <a:stretch>
+            <a:fillRect/>
+          </a:stretch>
+        </p:blipFill>
+        <p:spPr>
+          <a:xfrm>
+            <a:off x="809469" y="1163327"/>
+            <a:ext cx="10483794" cy="4772778"/>
+          </a:xfrm>
+          <a:prstGeom prst="rect">
+            <a:avLst/>
+          </a:prstGeom>
+        </p:spPr>
+      </p:pic>
+    </p:spTree>
+    <p:extLst>
+      <p:ext uri="{BB962C8B-B14F-4D97-AF65-F5344CB8AC3E}">
+        <p14:creationId xmlns:p14="http://schemas.microsoft.com/office/powerpoint/2010/main" val="3861427587"/>
+      </p:ext>
+    </p:extLst>
+  </p:cSld>
+  <p:clrMapOvr>
+    <a:masterClrMapping/>
+  </p:clrMapOvr>
+</p:sld>
+</file>
+
+<file path=ppt/slides/slide11.xml><?xml version="1.0" encoding="utf-8"?>
 <p:sld xmlns:a="http://schemas.openxmlformats.org/drawingml/2006/main" xmlns:r="http://schemas.openxmlformats.org/officeDocument/2006/relationships" xmlns:p="http://schemas.openxmlformats.org/presentationml/2006/main">
   <p:cSld>
     <p:spTree>
@@ -6126,7 +6234,7 @@
 </p:sld>
 </file>
 
-<file path=ppt/slides/slide11.xml><?xml version="1.0" encoding="utf-8"?>
+<file path=ppt/slides/slide12.xml><?xml version="1.0" encoding="utf-8"?>
 <p:sld xmlns:a="http://schemas.openxmlformats.org/drawingml/2006/main" xmlns:r="http://schemas.openxmlformats.org/officeDocument/2006/relationships" xmlns:p="http://schemas.openxmlformats.org/presentationml/2006/main" showMasterSp="0">
   <p:cSld>
     <p:spTree>
@@ -6233,7 +6341,7 @@
 </p:sld>
 </file>
 
-<file path=ppt/slides/slide12.xml><?xml version="1.0" encoding="utf-8"?>
+<file path=ppt/slides/slide13.xml><?xml version="1.0" encoding="utf-8"?>
 <p:sld xmlns:a="http://schemas.openxmlformats.org/drawingml/2006/main" xmlns:r="http://schemas.openxmlformats.org/officeDocument/2006/relationships" xmlns:p="http://schemas.openxmlformats.org/presentationml/2006/main" showMasterSp="0">
   <p:cSld>
     <p:spTree>
@@ -6299,7 +6407,7 @@
 </p:sld>
 </file>
 
-<file path=ppt/slides/slide13.xml><?xml version="1.0" encoding="utf-8"?>
+<file path=ppt/slides/slide14.xml><?xml version="1.0" encoding="utf-8"?>
 <p:sld xmlns:a="http://schemas.openxmlformats.org/drawingml/2006/main" xmlns:r="http://schemas.openxmlformats.org/officeDocument/2006/relationships" xmlns:p="http://schemas.openxmlformats.org/presentationml/2006/main">
   <p:cSld>
     <p:spTree>

--- a/shopFinal.pptx
+++ b/shopFinal.pptx
@@ -10,15 +10,17 @@
     <p:sldId id="264" r:id="rId4"/>
     <p:sldId id="265" r:id="rId5"/>
     <p:sldId id="258" r:id="rId6"/>
-    <p:sldId id="262" r:id="rId7"/>
+    <p:sldId id="271" r:id="rId7"/>
     <p:sldId id="259" r:id="rId8"/>
     <p:sldId id="260" r:id="rId9"/>
     <p:sldId id="263" r:id="rId10"/>
     <p:sldId id="270" r:id="rId11"/>
-    <p:sldId id="266" r:id="rId12"/>
-    <p:sldId id="267" r:id="rId13"/>
-    <p:sldId id="268" r:id="rId14"/>
-    <p:sldId id="269" r:id="rId15"/>
+    <p:sldId id="267" r:id="rId12"/>
+    <p:sldId id="268" r:id="rId13"/>
+    <p:sldId id="272" r:id="rId14"/>
+    <p:sldId id="273" r:id="rId15"/>
+    <p:sldId id="266" r:id="rId16"/>
+    <p:sldId id="269" r:id="rId17"/>
   </p:sldIdLst>
   <p:sldSz cx="12192000" cy="6858000"/>
   <p:notesSz cx="6858000" cy="9144000"/>
@@ -123,6 +125,2866 @@
     </p:ext>
   </p:extLst>
 </p:presentation>
+</file>
+
+<file path=ppt/diagrams/colors1.xml><?xml version="1.0" encoding="utf-8"?>
+<dgm:colorsDef xmlns:dgm="http://schemas.openxmlformats.org/drawingml/2006/diagram" xmlns:a="http://schemas.openxmlformats.org/drawingml/2006/main" uniqueId="urn:microsoft.com/office/officeart/2005/8/colors/accent1_2">
+  <dgm:title val=""/>
+  <dgm:desc val=""/>
+  <dgm:catLst>
+    <dgm:cat type="accent1" pri="11200"/>
+  </dgm:catLst>
+  <dgm:styleLbl name="node0">
+    <dgm:fillClrLst meth="repeat">
+      <a:schemeClr val="accent1"/>
+    </dgm:fillClrLst>
+    <dgm:linClrLst meth="repeat">
+      <a:schemeClr val="lt1"/>
+    </dgm:linClrLst>
+    <dgm:effectClrLst/>
+    <dgm:txLinClrLst/>
+    <dgm:txFillClrLst/>
+    <dgm:txEffectClrLst/>
+  </dgm:styleLbl>
+  <dgm:styleLbl name="alignNode1">
+    <dgm:fillClrLst meth="repeat">
+      <a:schemeClr val="accent1"/>
+    </dgm:fillClrLst>
+    <dgm:linClrLst meth="repeat">
+      <a:schemeClr val="accent1"/>
+    </dgm:linClrLst>
+    <dgm:effectClrLst/>
+    <dgm:txLinClrLst/>
+    <dgm:txFillClrLst/>
+    <dgm:txEffectClrLst/>
+  </dgm:styleLbl>
+  <dgm:styleLbl name="node1">
+    <dgm:fillClrLst meth="repeat">
+      <a:schemeClr val="accent1"/>
+    </dgm:fillClrLst>
+    <dgm:linClrLst meth="repeat">
+      <a:schemeClr val="lt1"/>
+    </dgm:linClrLst>
+    <dgm:effectClrLst/>
+    <dgm:txLinClrLst/>
+    <dgm:txFillClrLst/>
+    <dgm:txEffectClrLst/>
+  </dgm:styleLbl>
+  <dgm:styleLbl name="lnNode1">
+    <dgm:fillClrLst meth="repeat">
+      <a:schemeClr val="accent1"/>
+    </dgm:fillClrLst>
+    <dgm:linClrLst meth="repeat">
+      <a:schemeClr val="lt1"/>
+    </dgm:linClrLst>
+    <dgm:effectClrLst/>
+    <dgm:txLinClrLst/>
+    <dgm:txFillClrLst/>
+    <dgm:txEffectClrLst/>
+  </dgm:styleLbl>
+  <dgm:styleLbl name="vennNode1">
+    <dgm:fillClrLst meth="repeat">
+      <a:schemeClr val="accent1">
+        <a:alpha val="50000"/>
+      </a:schemeClr>
+    </dgm:fillClrLst>
+    <dgm:linClrLst meth="repeat">
+      <a:schemeClr val="lt1"/>
+    </dgm:linClrLst>
+    <dgm:effectClrLst/>
+    <dgm:txLinClrLst/>
+    <dgm:txFillClrLst/>
+    <dgm:txEffectClrLst/>
+  </dgm:styleLbl>
+  <dgm:styleLbl name="node2">
+    <dgm:fillClrLst meth="repeat">
+      <a:schemeClr val="accent1"/>
+    </dgm:fillClrLst>
+    <dgm:linClrLst meth="repeat">
+      <a:schemeClr val="lt1"/>
+    </dgm:linClrLst>
+    <dgm:effectClrLst/>
+    <dgm:txLinClrLst/>
+    <dgm:txFillClrLst/>
+    <dgm:txEffectClrLst/>
+  </dgm:styleLbl>
+  <dgm:styleLbl name="node3">
+    <dgm:fillClrLst meth="repeat">
+      <a:schemeClr val="accent1"/>
+    </dgm:fillClrLst>
+    <dgm:linClrLst meth="repeat">
+      <a:schemeClr val="lt1"/>
+    </dgm:linClrLst>
+    <dgm:effectClrLst/>
+    <dgm:txLinClrLst/>
+    <dgm:txFillClrLst/>
+    <dgm:txEffectClrLst/>
+  </dgm:styleLbl>
+  <dgm:styleLbl name="node4">
+    <dgm:fillClrLst meth="repeat">
+      <a:schemeClr val="accent1"/>
+    </dgm:fillClrLst>
+    <dgm:linClrLst meth="repeat">
+      <a:schemeClr val="lt1"/>
+    </dgm:linClrLst>
+    <dgm:effectClrLst/>
+    <dgm:txLinClrLst/>
+    <dgm:txFillClrLst/>
+    <dgm:txEffectClrLst/>
+  </dgm:styleLbl>
+  <dgm:styleLbl name="fgImgPlace1">
+    <dgm:fillClrLst meth="repeat">
+      <a:schemeClr val="accent1">
+        <a:tint val="50000"/>
+      </a:schemeClr>
+    </dgm:fillClrLst>
+    <dgm:linClrLst meth="repeat">
+      <a:schemeClr val="lt1"/>
+    </dgm:linClrLst>
+    <dgm:effectClrLst/>
+    <dgm:txLinClrLst/>
+    <dgm:txFillClrLst meth="repeat">
+      <a:schemeClr val="lt1"/>
+    </dgm:txFillClrLst>
+    <dgm:txEffectClrLst/>
+  </dgm:styleLbl>
+  <dgm:styleLbl name="alignImgPlace1">
+    <dgm:fillClrLst meth="repeat">
+      <a:schemeClr val="accent1">
+        <a:tint val="50000"/>
+      </a:schemeClr>
+    </dgm:fillClrLst>
+    <dgm:linClrLst meth="repeat">
+      <a:schemeClr val="lt1"/>
+    </dgm:linClrLst>
+    <dgm:effectClrLst/>
+    <dgm:txLinClrLst/>
+    <dgm:txFillClrLst meth="repeat">
+      <a:schemeClr val="lt1"/>
+    </dgm:txFillClrLst>
+    <dgm:txEffectClrLst/>
+  </dgm:styleLbl>
+  <dgm:styleLbl name="bgImgPlace1">
+    <dgm:fillClrLst meth="repeat">
+      <a:schemeClr val="accent1">
+        <a:tint val="50000"/>
+      </a:schemeClr>
+    </dgm:fillClrLst>
+    <dgm:linClrLst meth="repeat">
+      <a:schemeClr val="lt1"/>
+    </dgm:linClrLst>
+    <dgm:effectClrLst/>
+    <dgm:txLinClrLst/>
+    <dgm:txFillClrLst meth="repeat">
+      <a:schemeClr val="lt1"/>
+    </dgm:txFillClrLst>
+    <dgm:txEffectClrLst/>
+  </dgm:styleLbl>
+  <dgm:styleLbl name="sibTrans2D1">
+    <dgm:fillClrLst meth="repeat">
+      <a:schemeClr val="accent1">
+        <a:tint val="60000"/>
+      </a:schemeClr>
+    </dgm:fillClrLst>
+    <dgm:linClrLst meth="repeat">
+      <a:schemeClr val="accent1">
+        <a:tint val="60000"/>
+      </a:schemeClr>
+    </dgm:linClrLst>
+    <dgm:effectClrLst/>
+    <dgm:txLinClrLst/>
+    <dgm:txFillClrLst/>
+    <dgm:txEffectClrLst/>
+  </dgm:styleLbl>
+  <dgm:styleLbl name="fgSibTrans2D1">
+    <dgm:fillClrLst meth="repeat">
+      <a:schemeClr val="accent1">
+        <a:tint val="60000"/>
+      </a:schemeClr>
+    </dgm:fillClrLst>
+    <dgm:linClrLst meth="repeat">
+      <a:schemeClr val="accent1">
+        <a:tint val="60000"/>
+      </a:schemeClr>
+    </dgm:linClrLst>
+    <dgm:effectClrLst/>
+    <dgm:txLinClrLst/>
+    <dgm:txFillClrLst/>
+    <dgm:txEffectClrLst/>
+  </dgm:styleLbl>
+  <dgm:styleLbl name="bgSibTrans2D1">
+    <dgm:fillClrLst meth="repeat">
+      <a:schemeClr val="accent1">
+        <a:tint val="60000"/>
+      </a:schemeClr>
+    </dgm:fillClrLst>
+    <dgm:linClrLst meth="repeat">
+      <a:schemeClr val="accent1">
+        <a:tint val="60000"/>
+      </a:schemeClr>
+    </dgm:linClrLst>
+    <dgm:effectClrLst/>
+    <dgm:txLinClrLst/>
+    <dgm:txFillClrLst/>
+    <dgm:txEffectClrLst/>
+  </dgm:styleLbl>
+  <dgm:styleLbl name="sibTrans1D1">
+    <dgm:fillClrLst meth="repeat">
+      <a:schemeClr val="accent1"/>
+    </dgm:fillClrLst>
+    <dgm:linClrLst meth="repeat">
+      <a:schemeClr val="accent1"/>
+    </dgm:linClrLst>
+    <dgm:effectClrLst/>
+    <dgm:txLinClrLst/>
+    <dgm:txFillClrLst meth="repeat">
+      <a:schemeClr val="tx1"/>
+    </dgm:txFillClrLst>
+    <dgm:txEffectClrLst/>
+  </dgm:styleLbl>
+  <dgm:styleLbl name="callout">
+    <dgm:fillClrLst meth="repeat">
+      <a:schemeClr val="accent1"/>
+    </dgm:fillClrLst>
+    <dgm:linClrLst meth="repeat">
+      <a:schemeClr val="accent1">
+        <a:tint val="50000"/>
+      </a:schemeClr>
+    </dgm:linClrLst>
+    <dgm:effectClrLst/>
+    <dgm:txLinClrLst/>
+    <dgm:txFillClrLst meth="repeat">
+      <a:schemeClr val="tx1"/>
+    </dgm:txFillClrLst>
+    <dgm:txEffectClrLst/>
+  </dgm:styleLbl>
+  <dgm:styleLbl name="asst0">
+    <dgm:fillClrLst meth="repeat">
+      <a:schemeClr val="accent1"/>
+    </dgm:fillClrLst>
+    <dgm:linClrLst meth="repeat">
+      <a:schemeClr val="lt1"/>
+    </dgm:linClrLst>
+    <dgm:effectClrLst/>
+    <dgm:txLinClrLst/>
+    <dgm:txFillClrLst/>
+    <dgm:txEffectClrLst/>
+  </dgm:styleLbl>
+  <dgm:styleLbl name="asst1">
+    <dgm:fillClrLst meth="repeat">
+      <a:schemeClr val="accent1"/>
+    </dgm:fillClrLst>
+    <dgm:linClrLst meth="repeat">
+      <a:schemeClr val="lt1"/>
+    </dgm:linClrLst>
+    <dgm:effectClrLst/>
+    <dgm:txLinClrLst/>
+    <dgm:txFillClrLst/>
+    <dgm:txEffectClrLst/>
+  </dgm:styleLbl>
+  <dgm:styleLbl name="asst2">
+    <dgm:fillClrLst meth="repeat">
+      <a:schemeClr val="accent1"/>
+    </dgm:fillClrLst>
+    <dgm:linClrLst meth="repeat">
+      <a:schemeClr val="lt1"/>
+    </dgm:linClrLst>
+    <dgm:effectClrLst/>
+    <dgm:txLinClrLst/>
+    <dgm:txFillClrLst/>
+    <dgm:txEffectClrLst/>
+  </dgm:styleLbl>
+  <dgm:styleLbl name="asst3">
+    <dgm:fillClrLst meth="repeat">
+      <a:schemeClr val="accent1"/>
+    </dgm:fillClrLst>
+    <dgm:linClrLst meth="repeat">
+      <a:schemeClr val="lt1"/>
+    </dgm:linClrLst>
+    <dgm:effectClrLst/>
+    <dgm:txLinClrLst/>
+    <dgm:txFillClrLst/>
+    <dgm:txEffectClrLst/>
+  </dgm:styleLbl>
+  <dgm:styleLbl name="asst4">
+    <dgm:fillClrLst meth="repeat">
+      <a:schemeClr val="accent1"/>
+    </dgm:fillClrLst>
+    <dgm:linClrLst meth="repeat">
+      <a:schemeClr val="lt1"/>
+    </dgm:linClrLst>
+    <dgm:effectClrLst/>
+    <dgm:txLinClrLst/>
+    <dgm:txFillClrLst/>
+    <dgm:txEffectClrLst/>
+  </dgm:styleLbl>
+  <dgm:styleLbl name="parChTrans2D1">
+    <dgm:fillClrLst meth="repeat">
+      <a:schemeClr val="accent1">
+        <a:tint val="60000"/>
+      </a:schemeClr>
+    </dgm:fillClrLst>
+    <dgm:linClrLst meth="repeat">
+      <a:schemeClr val="accent1">
+        <a:tint val="60000"/>
+      </a:schemeClr>
+    </dgm:linClrLst>
+    <dgm:effectClrLst/>
+    <dgm:txLinClrLst/>
+    <dgm:txFillClrLst meth="repeat">
+      <a:schemeClr val="lt1"/>
+    </dgm:txFillClrLst>
+    <dgm:txEffectClrLst/>
+  </dgm:styleLbl>
+  <dgm:styleLbl name="parChTrans2D2">
+    <dgm:fillClrLst meth="repeat">
+      <a:schemeClr val="accent1"/>
+    </dgm:fillClrLst>
+    <dgm:linClrLst meth="repeat">
+      <a:schemeClr val="accent1"/>
+    </dgm:linClrLst>
+    <dgm:effectClrLst/>
+    <dgm:txLinClrLst/>
+    <dgm:txFillClrLst meth="repeat">
+      <a:schemeClr val="lt1"/>
+    </dgm:txFillClrLst>
+    <dgm:txEffectClrLst/>
+  </dgm:styleLbl>
+  <dgm:styleLbl name="parChTrans2D3">
+    <dgm:fillClrLst meth="repeat">
+      <a:schemeClr val="accent1"/>
+    </dgm:fillClrLst>
+    <dgm:linClrLst meth="repeat">
+      <a:schemeClr val="accent1"/>
+    </dgm:linClrLst>
+    <dgm:effectClrLst/>
+    <dgm:txLinClrLst/>
+    <dgm:txFillClrLst meth="repeat">
+      <a:schemeClr val="lt1"/>
+    </dgm:txFillClrLst>
+    <dgm:txEffectClrLst/>
+  </dgm:styleLbl>
+  <dgm:styleLbl name="parChTrans2D4">
+    <dgm:fillClrLst meth="repeat">
+      <a:schemeClr val="accent1"/>
+    </dgm:fillClrLst>
+    <dgm:linClrLst meth="repeat">
+      <a:schemeClr val="accent1"/>
+    </dgm:linClrLst>
+    <dgm:effectClrLst/>
+    <dgm:txLinClrLst/>
+    <dgm:txFillClrLst meth="repeat">
+      <a:schemeClr val="lt1"/>
+    </dgm:txFillClrLst>
+    <dgm:txEffectClrLst/>
+  </dgm:styleLbl>
+  <dgm:styleLbl name="parChTrans1D1">
+    <dgm:fillClrLst meth="repeat">
+      <a:schemeClr val="accent1"/>
+    </dgm:fillClrLst>
+    <dgm:linClrLst meth="repeat">
+      <a:schemeClr val="accent1">
+        <a:shade val="60000"/>
+      </a:schemeClr>
+    </dgm:linClrLst>
+    <dgm:effectClrLst/>
+    <dgm:txLinClrLst/>
+    <dgm:txFillClrLst meth="repeat">
+      <a:schemeClr val="tx1"/>
+    </dgm:txFillClrLst>
+    <dgm:txEffectClrLst/>
+  </dgm:styleLbl>
+  <dgm:styleLbl name="parChTrans1D2">
+    <dgm:fillClrLst meth="repeat">
+      <a:schemeClr val="accent1"/>
+    </dgm:fillClrLst>
+    <dgm:linClrLst meth="repeat">
+      <a:schemeClr val="accent1">
+        <a:shade val="60000"/>
+      </a:schemeClr>
+    </dgm:linClrLst>
+    <dgm:effectClrLst/>
+    <dgm:txLinClrLst/>
+    <dgm:txFillClrLst meth="repeat">
+      <a:schemeClr val="tx1"/>
+    </dgm:txFillClrLst>
+    <dgm:txEffectClrLst/>
+  </dgm:styleLbl>
+  <dgm:styleLbl name="parChTrans1D3">
+    <dgm:fillClrLst meth="repeat">
+      <a:schemeClr val="accent1"/>
+    </dgm:fillClrLst>
+    <dgm:linClrLst meth="repeat">
+      <a:schemeClr val="accent1">
+        <a:shade val="80000"/>
+      </a:schemeClr>
+    </dgm:linClrLst>
+    <dgm:effectClrLst/>
+    <dgm:txLinClrLst/>
+    <dgm:txFillClrLst meth="repeat">
+      <a:schemeClr val="tx1"/>
+    </dgm:txFillClrLst>
+    <dgm:txEffectClrLst/>
+  </dgm:styleLbl>
+  <dgm:styleLbl name="parChTrans1D4">
+    <dgm:fillClrLst meth="repeat">
+      <a:schemeClr val="accent1"/>
+    </dgm:fillClrLst>
+    <dgm:linClrLst meth="repeat">
+      <a:schemeClr val="accent1">
+        <a:shade val="80000"/>
+      </a:schemeClr>
+    </dgm:linClrLst>
+    <dgm:effectClrLst/>
+    <dgm:txLinClrLst/>
+    <dgm:txFillClrLst meth="repeat">
+      <a:schemeClr val="tx1"/>
+    </dgm:txFillClrLst>
+    <dgm:txEffectClrLst/>
+  </dgm:styleLbl>
+  <dgm:styleLbl name="fgAcc1">
+    <dgm:fillClrLst meth="repeat">
+      <a:schemeClr val="lt1">
+        <a:alpha val="90000"/>
+      </a:schemeClr>
+    </dgm:fillClrLst>
+    <dgm:linClrLst meth="repeat">
+      <a:schemeClr val="accent1"/>
+    </dgm:linClrLst>
+    <dgm:effectClrLst/>
+    <dgm:txLinClrLst/>
+    <dgm:txFillClrLst meth="repeat">
+      <a:schemeClr val="dk1"/>
+    </dgm:txFillClrLst>
+    <dgm:txEffectClrLst/>
+  </dgm:styleLbl>
+  <dgm:styleLbl name="conFgAcc1">
+    <dgm:fillClrLst meth="repeat">
+      <a:schemeClr val="lt1">
+        <a:alpha val="90000"/>
+      </a:schemeClr>
+    </dgm:fillClrLst>
+    <dgm:linClrLst meth="repeat">
+      <a:schemeClr val="accent1"/>
+    </dgm:linClrLst>
+    <dgm:effectClrLst/>
+    <dgm:txLinClrLst/>
+    <dgm:txFillClrLst meth="repeat">
+      <a:schemeClr val="dk1"/>
+    </dgm:txFillClrLst>
+    <dgm:txEffectClrLst/>
+  </dgm:styleLbl>
+  <dgm:styleLbl name="alignAcc1">
+    <dgm:fillClrLst meth="repeat">
+      <a:schemeClr val="lt1">
+        <a:alpha val="90000"/>
+      </a:schemeClr>
+    </dgm:fillClrLst>
+    <dgm:linClrLst meth="repeat">
+      <a:schemeClr val="accent1"/>
+    </dgm:linClrLst>
+    <dgm:effectClrLst/>
+    <dgm:txLinClrLst/>
+    <dgm:txFillClrLst meth="repeat">
+      <a:schemeClr val="dk1"/>
+    </dgm:txFillClrLst>
+    <dgm:txEffectClrLst/>
+  </dgm:styleLbl>
+  <dgm:styleLbl name="trAlignAcc1">
+    <dgm:fillClrLst meth="repeat">
+      <a:schemeClr val="lt1">
+        <a:alpha val="40000"/>
+      </a:schemeClr>
+    </dgm:fillClrLst>
+    <dgm:linClrLst meth="repeat">
+      <a:schemeClr val="accent1"/>
+    </dgm:linClrLst>
+    <dgm:effectClrLst/>
+    <dgm:txLinClrLst/>
+    <dgm:txFillClrLst meth="repeat">
+      <a:schemeClr val="dk1"/>
+    </dgm:txFillClrLst>
+    <dgm:txEffectClrLst/>
+  </dgm:styleLbl>
+  <dgm:styleLbl name="bgAcc1">
+    <dgm:fillClrLst meth="repeat">
+      <a:schemeClr val="lt1">
+        <a:alpha val="90000"/>
+      </a:schemeClr>
+    </dgm:fillClrLst>
+    <dgm:linClrLst meth="repeat">
+      <a:schemeClr val="accent1"/>
+    </dgm:linClrLst>
+    <dgm:effectClrLst/>
+    <dgm:txLinClrLst/>
+    <dgm:txFillClrLst meth="repeat">
+      <a:schemeClr val="dk1"/>
+    </dgm:txFillClrLst>
+    <dgm:txEffectClrLst/>
+  </dgm:styleLbl>
+  <dgm:styleLbl name="solidFgAcc1">
+    <dgm:fillClrLst meth="repeat">
+      <a:schemeClr val="lt1"/>
+    </dgm:fillClrLst>
+    <dgm:linClrLst meth="repeat">
+      <a:schemeClr val="accent1"/>
+    </dgm:linClrLst>
+    <dgm:effectClrLst/>
+    <dgm:txLinClrLst/>
+    <dgm:txFillClrLst meth="repeat">
+      <a:schemeClr val="dk1"/>
+    </dgm:txFillClrLst>
+    <dgm:txEffectClrLst/>
+  </dgm:styleLbl>
+  <dgm:styleLbl name="solidAlignAcc1">
+    <dgm:fillClrLst meth="repeat">
+      <a:schemeClr val="lt1"/>
+    </dgm:fillClrLst>
+    <dgm:linClrLst meth="repeat">
+      <a:schemeClr val="accent1"/>
+    </dgm:linClrLst>
+    <dgm:effectClrLst/>
+    <dgm:txLinClrLst/>
+    <dgm:txFillClrLst meth="repeat">
+      <a:schemeClr val="dk1"/>
+    </dgm:txFillClrLst>
+    <dgm:txEffectClrLst/>
+  </dgm:styleLbl>
+  <dgm:styleLbl name="solidBgAcc1">
+    <dgm:fillClrLst meth="repeat">
+      <a:schemeClr val="lt1"/>
+    </dgm:fillClrLst>
+    <dgm:linClrLst meth="repeat">
+      <a:schemeClr val="accent1"/>
+    </dgm:linClrLst>
+    <dgm:effectClrLst/>
+    <dgm:txLinClrLst/>
+    <dgm:txFillClrLst meth="repeat">
+      <a:schemeClr val="dk1"/>
+    </dgm:txFillClrLst>
+    <dgm:txEffectClrLst/>
+  </dgm:styleLbl>
+  <dgm:styleLbl name="fgAccFollowNode1">
+    <dgm:fillClrLst meth="repeat">
+      <a:schemeClr val="accent1">
+        <a:alpha val="90000"/>
+        <a:tint val="40000"/>
+      </a:schemeClr>
+    </dgm:fillClrLst>
+    <dgm:linClrLst meth="repeat">
+      <a:schemeClr val="accent1">
+        <a:alpha val="90000"/>
+        <a:tint val="40000"/>
+      </a:schemeClr>
+    </dgm:linClrLst>
+    <dgm:effectClrLst/>
+    <dgm:txLinClrLst/>
+    <dgm:txFillClrLst meth="repeat">
+      <a:schemeClr val="dk1"/>
+    </dgm:txFillClrLst>
+    <dgm:txEffectClrLst/>
+  </dgm:styleLbl>
+  <dgm:styleLbl name="alignAccFollowNode1">
+    <dgm:fillClrLst meth="repeat">
+      <a:schemeClr val="accent1">
+        <a:alpha val="90000"/>
+        <a:tint val="40000"/>
+      </a:schemeClr>
+    </dgm:fillClrLst>
+    <dgm:linClrLst meth="repeat">
+      <a:schemeClr val="accent1">
+        <a:alpha val="90000"/>
+        <a:tint val="40000"/>
+      </a:schemeClr>
+    </dgm:linClrLst>
+    <dgm:effectClrLst/>
+    <dgm:txLinClrLst/>
+    <dgm:txFillClrLst meth="repeat">
+      <a:schemeClr val="dk1"/>
+    </dgm:txFillClrLst>
+    <dgm:txEffectClrLst/>
+  </dgm:styleLbl>
+  <dgm:styleLbl name="bgAccFollowNode1">
+    <dgm:fillClrLst meth="repeat">
+      <a:schemeClr val="accent1">
+        <a:alpha val="90000"/>
+        <a:tint val="40000"/>
+      </a:schemeClr>
+    </dgm:fillClrLst>
+    <dgm:linClrLst meth="repeat">
+      <a:schemeClr val="accent1">
+        <a:alpha val="90000"/>
+        <a:tint val="40000"/>
+      </a:schemeClr>
+    </dgm:linClrLst>
+    <dgm:effectClrLst/>
+    <dgm:txLinClrLst/>
+    <dgm:txFillClrLst meth="repeat">
+      <a:schemeClr val="dk1"/>
+    </dgm:txFillClrLst>
+    <dgm:txEffectClrLst/>
+  </dgm:styleLbl>
+  <dgm:styleLbl name="fgAcc0">
+    <dgm:fillClrLst meth="repeat">
+      <a:schemeClr val="lt1">
+        <a:alpha val="90000"/>
+      </a:schemeClr>
+    </dgm:fillClrLst>
+    <dgm:linClrLst meth="repeat">
+      <a:schemeClr val="accent1"/>
+    </dgm:linClrLst>
+    <dgm:effectClrLst/>
+    <dgm:txLinClrLst/>
+    <dgm:txFillClrLst meth="repeat">
+      <a:schemeClr val="dk1"/>
+    </dgm:txFillClrLst>
+    <dgm:txEffectClrLst/>
+  </dgm:styleLbl>
+  <dgm:styleLbl name="fgAcc2">
+    <dgm:fillClrLst meth="repeat">
+      <a:schemeClr val="lt1">
+        <a:alpha val="90000"/>
+      </a:schemeClr>
+    </dgm:fillClrLst>
+    <dgm:linClrLst meth="repeat">
+      <a:schemeClr val="accent1"/>
+    </dgm:linClrLst>
+    <dgm:effectClrLst/>
+    <dgm:txLinClrLst/>
+    <dgm:txFillClrLst meth="repeat">
+      <a:schemeClr val="dk1"/>
+    </dgm:txFillClrLst>
+    <dgm:txEffectClrLst/>
+  </dgm:styleLbl>
+  <dgm:styleLbl name="fgAcc3">
+    <dgm:fillClrLst meth="repeat">
+      <a:schemeClr val="lt1">
+        <a:alpha val="90000"/>
+      </a:schemeClr>
+    </dgm:fillClrLst>
+    <dgm:linClrLst meth="repeat">
+      <a:schemeClr val="accent1"/>
+    </dgm:linClrLst>
+    <dgm:effectClrLst/>
+    <dgm:txLinClrLst/>
+    <dgm:txFillClrLst meth="repeat">
+      <a:schemeClr val="dk1"/>
+    </dgm:txFillClrLst>
+    <dgm:txEffectClrLst/>
+  </dgm:styleLbl>
+  <dgm:styleLbl name="fgAcc4">
+    <dgm:fillClrLst meth="repeat">
+      <a:schemeClr val="lt1">
+        <a:alpha val="90000"/>
+      </a:schemeClr>
+    </dgm:fillClrLst>
+    <dgm:linClrLst meth="repeat">
+      <a:schemeClr val="accent1"/>
+    </dgm:linClrLst>
+    <dgm:effectClrLst/>
+    <dgm:txLinClrLst/>
+    <dgm:txFillClrLst meth="repeat">
+      <a:schemeClr val="dk1"/>
+    </dgm:txFillClrLst>
+    <dgm:txEffectClrLst/>
+  </dgm:styleLbl>
+  <dgm:styleLbl name="bgShp">
+    <dgm:fillClrLst meth="repeat">
+      <a:schemeClr val="accent1">
+        <a:tint val="40000"/>
+      </a:schemeClr>
+    </dgm:fillClrLst>
+    <dgm:linClrLst meth="repeat">
+      <a:schemeClr val="accent1"/>
+    </dgm:linClrLst>
+    <dgm:effectClrLst/>
+    <dgm:txLinClrLst/>
+    <dgm:txFillClrLst meth="repeat">
+      <a:schemeClr val="dk1"/>
+    </dgm:txFillClrLst>
+    <dgm:txEffectClrLst/>
+  </dgm:styleLbl>
+  <dgm:styleLbl name="dkBgShp">
+    <dgm:fillClrLst meth="repeat">
+      <a:schemeClr val="accent1">
+        <a:shade val="80000"/>
+      </a:schemeClr>
+    </dgm:fillClrLst>
+    <dgm:linClrLst meth="repeat">
+      <a:schemeClr val="accent1"/>
+    </dgm:linClrLst>
+    <dgm:effectClrLst/>
+    <dgm:txLinClrLst/>
+    <dgm:txFillClrLst meth="repeat">
+      <a:schemeClr val="lt1"/>
+    </dgm:txFillClrLst>
+    <dgm:txEffectClrLst/>
+  </dgm:styleLbl>
+  <dgm:styleLbl name="trBgShp">
+    <dgm:fillClrLst meth="repeat">
+      <a:schemeClr val="accent1">
+        <a:tint val="50000"/>
+        <a:alpha val="40000"/>
+      </a:schemeClr>
+    </dgm:fillClrLst>
+    <dgm:linClrLst meth="repeat">
+      <a:schemeClr val="accent1"/>
+    </dgm:linClrLst>
+    <dgm:effectClrLst/>
+    <dgm:txLinClrLst/>
+    <dgm:txFillClrLst meth="repeat">
+      <a:schemeClr val="lt1"/>
+    </dgm:txFillClrLst>
+    <dgm:txEffectClrLst/>
+  </dgm:styleLbl>
+  <dgm:styleLbl name="fgShp">
+    <dgm:fillClrLst meth="repeat">
+      <a:schemeClr val="accent1">
+        <a:tint val="60000"/>
+      </a:schemeClr>
+    </dgm:fillClrLst>
+    <dgm:linClrLst meth="repeat">
+      <a:schemeClr val="lt1"/>
+    </dgm:linClrLst>
+    <dgm:effectClrLst/>
+    <dgm:txLinClrLst/>
+    <dgm:txFillClrLst meth="repeat">
+      <a:schemeClr val="dk1"/>
+    </dgm:txFillClrLst>
+    <dgm:txEffectClrLst/>
+  </dgm:styleLbl>
+  <dgm:styleLbl name="revTx">
+    <dgm:fillClrLst meth="repeat">
+      <a:schemeClr val="lt1">
+        <a:alpha val="0"/>
+      </a:schemeClr>
+    </dgm:fillClrLst>
+    <dgm:linClrLst meth="repeat">
+      <a:schemeClr val="dk1">
+        <a:alpha val="0"/>
+      </a:schemeClr>
+    </dgm:linClrLst>
+    <dgm:effectClrLst/>
+    <dgm:txLinClrLst/>
+    <dgm:txFillClrLst meth="repeat">
+      <a:schemeClr val="tx1"/>
+    </dgm:txFillClrLst>
+    <dgm:txEffectClrLst/>
+  </dgm:styleLbl>
+</dgm:colorsDef>
+</file>
+
+<file path=ppt/diagrams/data1.xml><?xml version="1.0" encoding="utf-8"?>
+<dgm:dataModel xmlns:dgm="http://schemas.openxmlformats.org/drawingml/2006/diagram" xmlns:a="http://schemas.openxmlformats.org/drawingml/2006/main">
+  <dgm:ptLst>
+    <dgm:pt modelId="{988BC07F-D267-4D0F-BCA2-F06677B88701}" type="doc">
+      <dgm:prSet loTypeId="urn:microsoft.com/office/officeart/2005/8/layout/chevron1" loCatId="process" qsTypeId="urn:microsoft.com/office/officeart/2005/8/quickstyle/simple1" qsCatId="simple" csTypeId="urn:microsoft.com/office/officeart/2005/8/colors/accent1_2" csCatId="accent1" phldr="1"/>
+      <dgm:spPr/>
+      <dgm:t>
+        <a:bodyPr/>
+        <a:lstStyle/>
+        <a:p>
+          <a:endParaRPr lang="en-US"/>
+        </a:p>
+      </dgm:t>
+    </dgm:pt>
+    <dgm:pt modelId="{E9016494-952B-418F-87CE-2A56D614EE66}">
+      <dgm:prSet phldrT="[Text]" phldr="1"/>
+      <dgm:spPr/>
+      <dgm:t>
+        <a:bodyPr/>
+        <a:lstStyle/>
+        <a:p>
+          <a:endParaRPr lang="en-US" dirty="0"/>
+        </a:p>
+      </dgm:t>
+    </dgm:pt>
+    <dgm:pt modelId="{5CBBE04E-1780-4DAB-9CCB-E3794B88E457}" type="parTrans" cxnId="{DC0E525E-1B73-4320-80D9-F78FF575706F}">
+      <dgm:prSet/>
+      <dgm:spPr/>
+      <dgm:t>
+        <a:bodyPr/>
+        <a:lstStyle/>
+        <a:p>
+          <a:endParaRPr lang="en-US"/>
+        </a:p>
+      </dgm:t>
+    </dgm:pt>
+    <dgm:pt modelId="{3198A376-8501-40C5-BD9B-FD7B707E6C97}" type="sibTrans" cxnId="{DC0E525E-1B73-4320-80D9-F78FF575706F}">
+      <dgm:prSet/>
+      <dgm:spPr/>
+      <dgm:t>
+        <a:bodyPr/>
+        <a:lstStyle/>
+        <a:p>
+          <a:endParaRPr lang="en-US"/>
+        </a:p>
+      </dgm:t>
+    </dgm:pt>
+    <dgm:pt modelId="{31E88277-455B-46F9-BBA2-0D011497FA69}">
+      <dgm:prSet phldrT="[Text]"/>
+      <dgm:spPr/>
+      <dgm:t>
+        <a:bodyPr/>
+        <a:lstStyle/>
+        <a:p>
+          <a:endParaRPr lang="en-US"/>
+        </a:p>
+      </dgm:t>
+    </dgm:pt>
+    <dgm:pt modelId="{AA09D2F9-F51B-4041-A335-192DB4D9251A}" type="sibTrans" cxnId="{8AFEBB42-82AD-47FD-AE8F-92A3D5D06341}">
+      <dgm:prSet/>
+      <dgm:spPr/>
+      <dgm:t>
+        <a:bodyPr/>
+        <a:lstStyle/>
+        <a:p>
+          <a:endParaRPr lang="en-US"/>
+        </a:p>
+      </dgm:t>
+    </dgm:pt>
+    <dgm:pt modelId="{F206D76A-E791-4346-92F3-3E0C58AD06FF}" type="parTrans" cxnId="{8AFEBB42-82AD-47FD-AE8F-92A3D5D06341}">
+      <dgm:prSet/>
+      <dgm:spPr/>
+      <dgm:t>
+        <a:bodyPr/>
+        <a:lstStyle/>
+        <a:p>
+          <a:endParaRPr lang="en-US"/>
+        </a:p>
+      </dgm:t>
+    </dgm:pt>
+    <dgm:pt modelId="{057264A6-B4B4-4B69-9F59-58385A0EE504}">
+      <dgm:prSet phldrT="[Text]"/>
+      <dgm:spPr/>
+      <dgm:t>
+        <a:bodyPr/>
+        <a:lstStyle/>
+        <a:p>
+          <a:endParaRPr lang="en-US"/>
+        </a:p>
+      </dgm:t>
+    </dgm:pt>
+    <dgm:pt modelId="{F38CC751-3D10-47C7-A51E-B16F95CB1472}" type="parTrans" cxnId="{B1674036-81E9-4970-987D-79A96D846EFE}">
+      <dgm:prSet/>
+      <dgm:spPr/>
+      <dgm:t>
+        <a:bodyPr/>
+        <a:lstStyle/>
+        <a:p>
+          <a:endParaRPr lang="en-US"/>
+        </a:p>
+      </dgm:t>
+    </dgm:pt>
+    <dgm:pt modelId="{D2F6FCF2-571B-4495-BC04-F886B20FB2A5}" type="sibTrans" cxnId="{B1674036-81E9-4970-987D-79A96D846EFE}">
+      <dgm:prSet/>
+      <dgm:spPr/>
+      <dgm:t>
+        <a:bodyPr/>
+        <a:lstStyle/>
+        <a:p>
+          <a:endParaRPr lang="en-US"/>
+        </a:p>
+      </dgm:t>
+    </dgm:pt>
+    <dgm:pt modelId="{427993D5-08F9-49E3-AD98-164CC4E38F02}">
+      <dgm:prSet phldrT="[Text]"/>
+      <dgm:spPr/>
+      <dgm:t>
+        <a:bodyPr/>
+        <a:lstStyle/>
+        <a:p>
+          <a:endParaRPr lang="en-US"/>
+        </a:p>
+      </dgm:t>
+    </dgm:pt>
+    <dgm:pt modelId="{64206002-7CA2-4D92-8063-5FCEF92E7286}" type="parTrans" cxnId="{896E3582-2964-414B-B9F0-0352E365810F}">
+      <dgm:prSet/>
+      <dgm:spPr/>
+      <dgm:t>
+        <a:bodyPr/>
+        <a:lstStyle/>
+        <a:p>
+          <a:endParaRPr lang="en-US"/>
+        </a:p>
+      </dgm:t>
+    </dgm:pt>
+    <dgm:pt modelId="{C24E3E37-1A0B-435A-9791-02DA9AFF1CA1}" type="sibTrans" cxnId="{896E3582-2964-414B-B9F0-0352E365810F}">
+      <dgm:prSet/>
+      <dgm:spPr/>
+      <dgm:t>
+        <a:bodyPr/>
+        <a:lstStyle/>
+        <a:p>
+          <a:endParaRPr lang="en-US"/>
+        </a:p>
+      </dgm:t>
+    </dgm:pt>
+    <dgm:pt modelId="{A90DA001-3392-4893-A2DC-5DDDA226EF5B}">
+      <dgm:prSet phldrT="[Text]"/>
+      <dgm:spPr/>
+      <dgm:t>
+        <a:bodyPr/>
+        <a:lstStyle/>
+        <a:p>
+          <a:endParaRPr lang="en-US"/>
+        </a:p>
+      </dgm:t>
+    </dgm:pt>
+    <dgm:pt modelId="{66BA7BF0-FA51-4A72-85CA-8E13FB3474BF}" type="parTrans" cxnId="{8BF4BD25-63A8-4E14-9B1F-AE57911EFE68}">
+      <dgm:prSet/>
+      <dgm:spPr/>
+      <dgm:t>
+        <a:bodyPr/>
+        <a:lstStyle/>
+        <a:p>
+          <a:endParaRPr lang="en-US"/>
+        </a:p>
+      </dgm:t>
+    </dgm:pt>
+    <dgm:pt modelId="{F80951C8-81C8-40E7-83A4-870D301FA031}" type="sibTrans" cxnId="{8BF4BD25-63A8-4E14-9B1F-AE57911EFE68}">
+      <dgm:prSet/>
+      <dgm:spPr/>
+      <dgm:t>
+        <a:bodyPr/>
+        <a:lstStyle/>
+        <a:p>
+          <a:endParaRPr lang="en-US"/>
+        </a:p>
+      </dgm:t>
+    </dgm:pt>
+    <dgm:pt modelId="{3685D523-06CF-4FA9-8453-6568044662D0}">
+      <dgm:prSet phldrT="[Text]"/>
+      <dgm:spPr/>
+      <dgm:t>
+        <a:bodyPr/>
+        <a:lstStyle/>
+        <a:p>
+          <a:endParaRPr lang="en-US" dirty="0"/>
+        </a:p>
+      </dgm:t>
+    </dgm:pt>
+    <dgm:pt modelId="{B3033084-4B3D-4F08-9348-C3013ACA6A65}" type="parTrans" cxnId="{AE67022E-AD30-4BC9-A19D-5952CD6A9C6F}">
+      <dgm:prSet/>
+      <dgm:spPr/>
+      <dgm:t>
+        <a:bodyPr/>
+        <a:lstStyle/>
+        <a:p>
+          <a:endParaRPr lang="en-US"/>
+        </a:p>
+      </dgm:t>
+    </dgm:pt>
+    <dgm:pt modelId="{99FDB3D6-9158-42E5-8F59-2A80AC4DE10A}" type="sibTrans" cxnId="{AE67022E-AD30-4BC9-A19D-5952CD6A9C6F}">
+      <dgm:prSet/>
+      <dgm:spPr/>
+      <dgm:t>
+        <a:bodyPr/>
+        <a:lstStyle/>
+        <a:p>
+          <a:endParaRPr lang="en-US"/>
+        </a:p>
+      </dgm:t>
+    </dgm:pt>
+    <dgm:pt modelId="{10EB7E92-6932-4D53-A0CF-DC26998A29B9}" type="pres">
+      <dgm:prSet presAssocID="{988BC07F-D267-4D0F-BCA2-F06677B88701}" presName="Name0" presStyleCnt="0">
+        <dgm:presLayoutVars>
+          <dgm:dir/>
+          <dgm:animLvl val="lvl"/>
+          <dgm:resizeHandles val="exact"/>
+        </dgm:presLayoutVars>
+      </dgm:prSet>
+      <dgm:spPr/>
+    </dgm:pt>
+    <dgm:pt modelId="{B5784078-A45C-4358-8362-713696643216}" type="pres">
+      <dgm:prSet presAssocID="{E9016494-952B-418F-87CE-2A56D614EE66}" presName="parTxOnly" presStyleLbl="node1" presStyleIdx="0" presStyleCnt="6">
+        <dgm:presLayoutVars>
+          <dgm:chMax val="0"/>
+          <dgm:chPref val="0"/>
+          <dgm:bulletEnabled val="1"/>
+        </dgm:presLayoutVars>
+      </dgm:prSet>
+      <dgm:spPr/>
+    </dgm:pt>
+    <dgm:pt modelId="{D15A4B35-5CF1-47CD-B5C5-A06B685B0421}" type="pres">
+      <dgm:prSet presAssocID="{3198A376-8501-40C5-BD9B-FD7B707E6C97}" presName="parTxOnlySpace" presStyleCnt="0"/>
+      <dgm:spPr/>
+    </dgm:pt>
+    <dgm:pt modelId="{282BEB51-2FCA-4938-8EBE-5F3B76628076}" type="pres">
+      <dgm:prSet presAssocID="{31E88277-455B-46F9-BBA2-0D011497FA69}" presName="parTxOnly" presStyleLbl="node1" presStyleIdx="1" presStyleCnt="6" custLinFactX="-82842" custLinFactY="100000" custLinFactNeighborX="-100000" custLinFactNeighborY="117815">
+        <dgm:presLayoutVars>
+          <dgm:chMax val="0"/>
+          <dgm:chPref val="0"/>
+          <dgm:bulletEnabled val="1"/>
+        </dgm:presLayoutVars>
+      </dgm:prSet>
+      <dgm:spPr/>
+      <dgm:t>
+        <a:bodyPr/>
+        <a:lstStyle/>
+        <a:p>
+          <a:endParaRPr lang="en-US"/>
+        </a:p>
+      </dgm:t>
+    </dgm:pt>
+    <dgm:pt modelId="{FD46D239-603B-4311-92B3-FE0515519A16}" type="pres">
+      <dgm:prSet presAssocID="{AA09D2F9-F51B-4041-A335-192DB4D9251A}" presName="parTxOnlySpace" presStyleCnt="0"/>
+      <dgm:spPr/>
+    </dgm:pt>
+    <dgm:pt modelId="{9B43C398-0BD1-4D1E-A5BF-578185740921}" type="pres">
+      <dgm:prSet presAssocID="{057264A6-B4B4-4B69-9F59-58385A0EE504}" presName="parTxOnly" presStyleLbl="node1" presStyleIdx="2" presStyleCnt="6" custLinFactX="10520" custLinFactNeighborX="100000" custLinFactNeighborY="2390">
+        <dgm:presLayoutVars>
+          <dgm:chMax val="0"/>
+          <dgm:chPref val="0"/>
+          <dgm:bulletEnabled val="1"/>
+        </dgm:presLayoutVars>
+      </dgm:prSet>
+      <dgm:spPr/>
+    </dgm:pt>
+    <dgm:pt modelId="{366B30D6-64DF-41F0-B73F-9D282C84B162}" type="pres">
+      <dgm:prSet presAssocID="{D2F6FCF2-571B-4495-BC04-F886B20FB2A5}" presName="parTxOnlySpace" presStyleCnt="0"/>
+      <dgm:spPr/>
+    </dgm:pt>
+    <dgm:pt modelId="{98460BD2-D1FF-4AD1-8248-3025378A8944}" type="pres">
+      <dgm:prSet presAssocID="{427993D5-08F9-49E3-AD98-164CC4E38F02}" presName="parTxOnly" presStyleLbl="node1" presStyleIdx="3" presStyleCnt="6" custLinFactX="-149186" custLinFactNeighborX="-200000" custLinFactNeighborY="7089">
+        <dgm:presLayoutVars>
+          <dgm:chMax val="0"/>
+          <dgm:chPref val="0"/>
+          <dgm:bulletEnabled val="1"/>
+        </dgm:presLayoutVars>
+      </dgm:prSet>
+      <dgm:spPr/>
+    </dgm:pt>
+    <dgm:pt modelId="{6AD22EF1-AA07-4072-91C1-A65A20BB2337}" type="pres">
+      <dgm:prSet presAssocID="{C24E3E37-1A0B-435A-9791-02DA9AFF1CA1}" presName="parTxOnlySpace" presStyleCnt="0"/>
+      <dgm:spPr/>
+    </dgm:pt>
+    <dgm:pt modelId="{933E2D93-9338-48B7-86F8-A45D7BA19115}" type="pres">
+      <dgm:prSet presAssocID="{A90DA001-3392-4893-A2DC-5DDDA226EF5B}" presName="parTxOnly" presStyleLbl="node1" presStyleIdx="4" presStyleCnt="6" custLinFactX="-46365" custLinFactNeighborX="-100000" custLinFactNeighborY="2390">
+        <dgm:presLayoutVars>
+          <dgm:chMax val="0"/>
+          <dgm:chPref val="0"/>
+          <dgm:bulletEnabled val="1"/>
+        </dgm:presLayoutVars>
+      </dgm:prSet>
+      <dgm:spPr/>
+    </dgm:pt>
+    <dgm:pt modelId="{D3E94DE6-AF94-46A4-B166-E6B8FAF57C07}" type="pres">
+      <dgm:prSet presAssocID="{F80951C8-81C8-40E7-83A4-870D301FA031}" presName="parTxOnlySpace" presStyleCnt="0"/>
+      <dgm:spPr/>
+    </dgm:pt>
+    <dgm:pt modelId="{FAAAA1C2-F3F5-4146-88F3-2DFD6E23E106}" type="pres">
+      <dgm:prSet presAssocID="{3685D523-06CF-4FA9-8453-6568044662D0}" presName="parTxOnly" presStyleLbl="node1" presStyleIdx="5" presStyleCnt="6" custLinFactX="-37448" custLinFactNeighborX="-100000">
+        <dgm:presLayoutVars>
+          <dgm:chMax val="0"/>
+          <dgm:chPref val="0"/>
+          <dgm:bulletEnabled val="1"/>
+        </dgm:presLayoutVars>
+      </dgm:prSet>
+      <dgm:spPr/>
+    </dgm:pt>
+  </dgm:ptLst>
+  <dgm:cxnLst>
+    <dgm:cxn modelId="{AE67022E-AD30-4BC9-A19D-5952CD6A9C6F}" srcId="{988BC07F-D267-4D0F-BCA2-F06677B88701}" destId="{3685D523-06CF-4FA9-8453-6568044662D0}" srcOrd="5" destOrd="0" parTransId="{B3033084-4B3D-4F08-9348-C3013ACA6A65}" sibTransId="{99FDB3D6-9158-42E5-8F59-2A80AC4DE10A}"/>
+    <dgm:cxn modelId="{02B9EC92-BBFB-4326-9976-A93D34AEE972}" type="presOf" srcId="{988BC07F-D267-4D0F-BCA2-F06677B88701}" destId="{10EB7E92-6932-4D53-A0CF-DC26998A29B9}" srcOrd="0" destOrd="0" presId="urn:microsoft.com/office/officeart/2005/8/layout/chevron1"/>
+    <dgm:cxn modelId="{896E3582-2964-414B-B9F0-0352E365810F}" srcId="{988BC07F-D267-4D0F-BCA2-F06677B88701}" destId="{427993D5-08F9-49E3-AD98-164CC4E38F02}" srcOrd="3" destOrd="0" parTransId="{64206002-7CA2-4D92-8063-5FCEF92E7286}" sibTransId="{C24E3E37-1A0B-435A-9791-02DA9AFF1CA1}"/>
+    <dgm:cxn modelId="{DAC6BD0A-779B-476A-BCD8-21A97A3108B6}" type="presOf" srcId="{A90DA001-3392-4893-A2DC-5DDDA226EF5B}" destId="{933E2D93-9338-48B7-86F8-A45D7BA19115}" srcOrd="0" destOrd="0" presId="urn:microsoft.com/office/officeart/2005/8/layout/chevron1"/>
+    <dgm:cxn modelId="{A1423BD4-BA73-4E49-BDAE-761997E5197B}" type="presOf" srcId="{3685D523-06CF-4FA9-8453-6568044662D0}" destId="{FAAAA1C2-F3F5-4146-88F3-2DFD6E23E106}" srcOrd="0" destOrd="0" presId="urn:microsoft.com/office/officeart/2005/8/layout/chevron1"/>
+    <dgm:cxn modelId="{CA25900E-CE21-493A-8BEF-D13A6D385E39}" type="presOf" srcId="{057264A6-B4B4-4B69-9F59-58385A0EE504}" destId="{9B43C398-0BD1-4D1E-A5BF-578185740921}" srcOrd="0" destOrd="0" presId="urn:microsoft.com/office/officeart/2005/8/layout/chevron1"/>
+    <dgm:cxn modelId="{AD3866E2-77B1-46BC-A880-203B6DEBAF25}" type="presOf" srcId="{31E88277-455B-46F9-BBA2-0D011497FA69}" destId="{282BEB51-2FCA-4938-8EBE-5F3B76628076}" srcOrd="0" destOrd="0" presId="urn:microsoft.com/office/officeart/2005/8/layout/chevron1"/>
+    <dgm:cxn modelId="{E1611FD0-0706-4FDB-9AAD-11AC13258FF1}" type="presOf" srcId="{E9016494-952B-418F-87CE-2A56D614EE66}" destId="{B5784078-A45C-4358-8362-713696643216}" srcOrd="0" destOrd="0" presId="urn:microsoft.com/office/officeart/2005/8/layout/chevron1"/>
+    <dgm:cxn modelId="{DC0E525E-1B73-4320-80D9-F78FF575706F}" srcId="{988BC07F-D267-4D0F-BCA2-F06677B88701}" destId="{E9016494-952B-418F-87CE-2A56D614EE66}" srcOrd="0" destOrd="0" parTransId="{5CBBE04E-1780-4DAB-9CCB-E3794B88E457}" sibTransId="{3198A376-8501-40C5-BD9B-FD7B707E6C97}"/>
+    <dgm:cxn modelId="{B4209B15-EF71-4EBC-B39F-6EAF02646346}" type="presOf" srcId="{427993D5-08F9-49E3-AD98-164CC4E38F02}" destId="{98460BD2-D1FF-4AD1-8248-3025378A8944}" srcOrd="0" destOrd="0" presId="urn:microsoft.com/office/officeart/2005/8/layout/chevron1"/>
+    <dgm:cxn modelId="{8AFEBB42-82AD-47FD-AE8F-92A3D5D06341}" srcId="{988BC07F-D267-4D0F-BCA2-F06677B88701}" destId="{31E88277-455B-46F9-BBA2-0D011497FA69}" srcOrd="1" destOrd="0" parTransId="{F206D76A-E791-4346-92F3-3E0C58AD06FF}" sibTransId="{AA09D2F9-F51B-4041-A335-192DB4D9251A}"/>
+    <dgm:cxn modelId="{8BF4BD25-63A8-4E14-9B1F-AE57911EFE68}" srcId="{988BC07F-D267-4D0F-BCA2-F06677B88701}" destId="{A90DA001-3392-4893-A2DC-5DDDA226EF5B}" srcOrd="4" destOrd="0" parTransId="{66BA7BF0-FA51-4A72-85CA-8E13FB3474BF}" sibTransId="{F80951C8-81C8-40E7-83A4-870D301FA031}"/>
+    <dgm:cxn modelId="{B1674036-81E9-4970-987D-79A96D846EFE}" srcId="{988BC07F-D267-4D0F-BCA2-F06677B88701}" destId="{057264A6-B4B4-4B69-9F59-58385A0EE504}" srcOrd="2" destOrd="0" parTransId="{F38CC751-3D10-47C7-A51E-B16F95CB1472}" sibTransId="{D2F6FCF2-571B-4495-BC04-F886B20FB2A5}"/>
+    <dgm:cxn modelId="{2AB64050-6739-4975-A55B-F0AF9E48EA8A}" type="presParOf" srcId="{10EB7E92-6932-4D53-A0CF-DC26998A29B9}" destId="{B5784078-A45C-4358-8362-713696643216}" srcOrd="0" destOrd="0" presId="urn:microsoft.com/office/officeart/2005/8/layout/chevron1"/>
+    <dgm:cxn modelId="{3F3E6125-A2BA-44B9-B426-F6C9BF8B49D4}" type="presParOf" srcId="{10EB7E92-6932-4D53-A0CF-DC26998A29B9}" destId="{D15A4B35-5CF1-47CD-B5C5-A06B685B0421}" srcOrd="1" destOrd="0" presId="urn:microsoft.com/office/officeart/2005/8/layout/chevron1"/>
+    <dgm:cxn modelId="{6DF858A1-53A5-471B-A484-62913B8B4936}" type="presParOf" srcId="{10EB7E92-6932-4D53-A0CF-DC26998A29B9}" destId="{282BEB51-2FCA-4938-8EBE-5F3B76628076}" srcOrd="2" destOrd="0" presId="urn:microsoft.com/office/officeart/2005/8/layout/chevron1"/>
+    <dgm:cxn modelId="{D9ADD408-9A43-4845-BB91-876DA27CBC28}" type="presParOf" srcId="{10EB7E92-6932-4D53-A0CF-DC26998A29B9}" destId="{FD46D239-603B-4311-92B3-FE0515519A16}" srcOrd="3" destOrd="0" presId="urn:microsoft.com/office/officeart/2005/8/layout/chevron1"/>
+    <dgm:cxn modelId="{3C243604-6959-49FC-BC86-3435D345EEB3}" type="presParOf" srcId="{10EB7E92-6932-4D53-A0CF-DC26998A29B9}" destId="{9B43C398-0BD1-4D1E-A5BF-578185740921}" srcOrd="4" destOrd="0" presId="urn:microsoft.com/office/officeart/2005/8/layout/chevron1"/>
+    <dgm:cxn modelId="{412D006A-CA5F-4DA5-9315-AC8F5B69C0D0}" type="presParOf" srcId="{10EB7E92-6932-4D53-A0CF-DC26998A29B9}" destId="{366B30D6-64DF-41F0-B73F-9D282C84B162}" srcOrd="5" destOrd="0" presId="urn:microsoft.com/office/officeart/2005/8/layout/chevron1"/>
+    <dgm:cxn modelId="{11D10DD0-F9EB-40EF-96E9-475DF13E1034}" type="presParOf" srcId="{10EB7E92-6932-4D53-A0CF-DC26998A29B9}" destId="{98460BD2-D1FF-4AD1-8248-3025378A8944}" srcOrd="6" destOrd="0" presId="urn:microsoft.com/office/officeart/2005/8/layout/chevron1"/>
+    <dgm:cxn modelId="{69BBE3B1-F15D-44F8-B437-FD4DE25A9550}" type="presParOf" srcId="{10EB7E92-6932-4D53-A0CF-DC26998A29B9}" destId="{6AD22EF1-AA07-4072-91C1-A65A20BB2337}" srcOrd="7" destOrd="0" presId="urn:microsoft.com/office/officeart/2005/8/layout/chevron1"/>
+    <dgm:cxn modelId="{D5CB9799-A5EB-4D6A-BBE6-A14EA76C4945}" type="presParOf" srcId="{10EB7E92-6932-4D53-A0CF-DC26998A29B9}" destId="{933E2D93-9338-48B7-86F8-A45D7BA19115}" srcOrd="8" destOrd="0" presId="urn:microsoft.com/office/officeart/2005/8/layout/chevron1"/>
+    <dgm:cxn modelId="{5AEAE6BC-D21F-4FD1-8BA4-6F8880E4AB1D}" type="presParOf" srcId="{10EB7E92-6932-4D53-A0CF-DC26998A29B9}" destId="{D3E94DE6-AF94-46A4-B166-E6B8FAF57C07}" srcOrd="9" destOrd="0" presId="urn:microsoft.com/office/officeart/2005/8/layout/chevron1"/>
+    <dgm:cxn modelId="{E2B76FC7-44DC-422E-8F2A-1F9814A0ED4B}" type="presParOf" srcId="{10EB7E92-6932-4D53-A0CF-DC26998A29B9}" destId="{FAAAA1C2-F3F5-4146-88F3-2DFD6E23E106}" srcOrd="10" destOrd="0" presId="urn:microsoft.com/office/officeart/2005/8/layout/chevron1"/>
+  </dgm:cxnLst>
+  <dgm:bg/>
+  <dgm:whole/>
+  <dgm:extLst>
+    <a:ext uri="http://schemas.microsoft.com/office/drawing/2008/diagram">
+      <dsp:dataModelExt xmlns:dsp="http://schemas.microsoft.com/office/drawing/2008/diagram" relId="rId7" minVer="http://schemas.openxmlformats.org/drawingml/2006/diagram"/>
+    </a:ext>
+  </dgm:extLst>
+</dgm:dataModel>
+</file>
+
+<file path=ppt/diagrams/drawing1.xml><?xml version="1.0" encoding="utf-8"?>
+<dsp:drawing xmlns:dgm="http://schemas.openxmlformats.org/drawingml/2006/diagram" xmlns:dsp="http://schemas.microsoft.com/office/drawing/2008/diagram" xmlns:a="http://schemas.openxmlformats.org/drawingml/2006/main">
+  <dsp:spTree>
+    <dsp:nvGrpSpPr>
+      <dsp:cNvPr id="0" name=""/>
+      <dsp:cNvGrpSpPr/>
+    </dsp:nvGrpSpPr>
+    <dsp:grpSpPr/>
+    <dsp:sp modelId="{B5784078-A45C-4358-8362-713696643216}">
+      <dsp:nvSpPr>
+        <dsp:cNvPr id="0" name=""/>
+        <dsp:cNvSpPr/>
+      </dsp:nvSpPr>
+      <dsp:spPr>
+        <a:xfrm>
+          <a:off x="4871" y="0"/>
+          <a:ext cx="1812375" cy="569069"/>
+        </a:xfrm>
+        <a:prstGeom prst="chevron">
+          <a:avLst/>
+        </a:prstGeom>
+        <a:solidFill>
+          <a:schemeClr val="accent1">
+            <a:hueOff val="0"/>
+            <a:satOff val="0"/>
+            <a:lumOff val="0"/>
+            <a:alphaOff val="0"/>
+          </a:schemeClr>
+        </a:solidFill>
+        <a:ln w="19050" cap="rnd" cmpd="sng" algn="ctr">
+          <a:solidFill>
+            <a:schemeClr val="lt1">
+              <a:hueOff val="0"/>
+              <a:satOff val="0"/>
+              <a:lumOff val="0"/>
+              <a:alphaOff val="0"/>
+            </a:schemeClr>
+          </a:solidFill>
+          <a:prstDash val="solid"/>
+        </a:ln>
+        <a:effectLst/>
+      </dsp:spPr>
+      <dsp:style>
+        <a:lnRef idx="2">
+          <a:scrgbClr r="0" g="0" b="0"/>
+        </a:lnRef>
+        <a:fillRef idx="1">
+          <a:scrgbClr r="0" g="0" b="0"/>
+        </a:fillRef>
+        <a:effectRef idx="0">
+          <a:scrgbClr r="0" g="0" b="0"/>
+        </a:effectRef>
+        <a:fontRef idx="minor">
+          <a:schemeClr val="lt1"/>
+        </a:fontRef>
+      </dsp:style>
+      <dsp:txBody>
+        <a:bodyPr spcFirstLastPara="0" vert="horz" wrap="square" lIns="128016" tIns="42672" rIns="42672" bIns="42672" numCol="1" spcCol="1270" anchor="ctr" anchorCtr="0">
+          <a:noAutofit/>
+        </a:bodyPr>
+        <a:lstStyle/>
+        <a:p>
+          <a:pPr lvl="0" algn="ctr" defTabSz="1422400">
+            <a:lnSpc>
+              <a:spcPct val="90000"/>
+            </a:lnSpc>
+            <a:spcBef>
+              <a:spcPct val="0"/>
+            </a:spcBef>
+            <a:spcAft>
+              <a:spcPct val="35000"/>
+            </a:spcAft>
+          </a:pPr>
+          <a:endParaRPr lang="en-US" sz="3200" kern="1200" dirty="0"/>
+        </a:p>
+      </dsp:txBody>
+      <dsp:txXfrm>
+        <a:off x="289406" y="0"/>
+        <a:ext cx="1243306" cy="569069"/>
+      </dsp:txXfrm>
+    </dsp:sp>
+    <dsp:sp modelId="{282BEB51-2FCA-4938-8EBE-5F3B76628076}">
+      <dsp:nvSpPr>
+        <dsp:cNvPr id="0" name=""/>
+        <dsp:cNvSpPr/>
+      </dsp:nvSpPr>
+      <dsp:spPr>
+        <a:xfrm>
+          <a:off x="0" y="0"/>
+          <a:ext cx="1812375" cy="569069"/>
+        </a:xfrm>
+        <a:prstGeom prst="chevron">
+          <a:avLst/>
+        </a:prstGeom>
+        <a:solidFill>
+          <a:schemeClr val="accent1">
+            <a:hueOff val="0"/>
+            <a:satOff val="0"/>
+            <a:lumOff val="0"/>
+            <a:alphaOff val="0"/>
+          </a:schemeClr>
+        </a:solidFill>
+        <a:ln w="19050" cap="rnd" cmpd="sng" algn="ctr">
+          <a:solidFill>
+            <a:schemeClr val="lt1">
+              <a:hueOff val="0"/>
+              <a:satOff val="0"/>
+              <a:lumOff val="0"/>
+              <a:alphaOff val="0"/>
+            </a:schemeClr>
+          </a:solidFill>
+          <a:prstDash val="solid"/>
+        </a:ln>
+        <a:effectLst/>
+      </dsp:spPr>
+      <dsp:style>
+        <a:lnRef idx="2">
+          <a:scrgbClr r="0" g="0" b="0"/>
+        </a:lnRef>
+        <a:fillRef idx="1">
+          <a:scrgbClr r="0" g="0" b="0"/>
+        </a:fillRef>
+        <a:effectRef idx="0">
+          <a:scrgbClr r="0" g="0" b="0"/>
+        </a:effectRef>
+        <a:fontRef idx="minor">
+          <a:schemeClr val="lt1"/>
+        </a:fontRef>
+      </dsp:style>
+      <dsp:txBody>
+        <a:bodyPr spcFirstLastPara="0" vert="horz" wrap="square" lIns="140018" tIns="46673" rIns="46673" bIns="46673" numCol="1" spcCol="1270" anchor="ctr" anchorCtr="0">
+          <a:noAutofit/>
+        </a:bodyPr>
+        <a:lstStyle/>
+        <a:p>
+          <a:pPr lvl="0" algn="ctr" defTabSz="1555750">
+            <a:lnSpc>
+              <a:spcPct val="90000"/>
+            </a:lnSpc>
+            <a:spcBef>
+              <a:spcPct val="0"/>
+            </a:spcBef>
+            <a:spcAft>
+              <a:spcPct val="35000"/>
+            </a:spcAft>
+          </a:pPr>
+          <a:endParaRPr lang="en-US" sz="3500" kern="1200"/>
+        </a:p>
+      </dsp:txBody>
+      <dsp:txXfrm>
+        <a:off x="284535" y="0"/>
+        <a:ext cx="1243306" cy="569069"/>
+      </dsp:txXfrm>
+    </dsp:sp>
+    <dsp:sp modelId="{9B43C398-0BD1-4D1E-A5BF-578185740921}">
+      <dsp:nvSpPr>
+        <dsp:cNvPr id="0" name=""/>
+        <dsp:cNvSpPr/>
+      </dsp:nvSpPr>
+      <dsp:spPr>
+        <a:xfrm>
+          <a:off x="3639047" y="0"/>
+          <a:ext cx="1812375" cy="569069"/>
+        </a:xfrm>
+        <a:prstGeom prst="chevron">
+          <a:avLst/>
+        </a:prstGeom>
+        <a:solidFill>
+          <a:schemeClr val="accent1">
+            <a:hueOff val="0"/>
+            <a:satOff val="0"/>
+            <a:lumOff val="0"/>
+            <a:alphaOff val="0"/>
+          </a:schemeClr>
+        </a:solidFill>
+        <a:ln w="19050" cap="rnd" cmpd="sng" algn="ctr">
+          <a:solidFill>
+            <a:schemeClr val="lt1">
+              <a:hueOff val="0"/>
+              <a:satOff val="0"/>
+              <a:lumOff val="0"/>
+              <a:alphaOff val="0"/>
+            </a:schemeClr>
+          </a:solidFill>
+          <a:prstDash val="solid"/>
+        </a:ln>
+        <a:effectLst/>
+      </dsp:spPr>
+      <dsp:style>
+        <a:lnRef idx="2">
+          <a:scrgbClr r="0" g="0" b="0"/>
+        </a:lnRef>
+        <a:fillRef idx="1">
+          <a:scrgbClr r="0" g="0" b="0"/>
+        </a:fillRef>
+        <a:effectRef idx="0">
+          <a:scrgbClr r="0" g="0" b="0"/>
+        </a:effectRef>
+        <a:fontRef idx="minor">
+          <a:schemeClr val="lt1"/>
+        </a:fontRef>
+      </dsp:style>
+      <dsp:txBody>
+        <a:bodyPr spcFirstLastPara="0" vert="horz" wrap="square" lIns="140018" tIns="46673" rIns="46673" bIns="46673" numCol="1" spcCol="1270" anchor="ctr" anchorCtr="0">
+          <a:noAutofit/>
+        </a:bodyPr>
+        <a:lstStyle/>
+        <a:p>
+          <a:pPr lvl="0" algn="ctr" defTabSz="1555750">
+            <a:lnSpc>
+              <a:spcPct val="90000"/>
+            </a:lnSpc>
+            <a:spcBef>
+              <a:spcPct val="0"/>
+            </a:spcBef>
+            <a:spcAft>
+              <a:spcPct val="35000"/>
+            </a:spcAft>
+          </a:pPr>
+          <a:endParaRPr lang="en-US" sz="3500" kern="1200"/>
+        </a:p>
+      </dsp:txBody>
+      <dsp:txXfrm>
+        <a:off x="3923582" y="0"/>
+        <a:ext cx="1243306" cy="569069"/>
+      </dsp:txXfrm>
+    </dsp:sp>
+    <dsp:sp modelId="{98460BD2-D1FF-4AD1-8248-3025378A8944}">
+      <dsp:nvSpPr>
+        <dsp:cNvPr id="0" name=""/>
+        <dsp:cNvSpPr/>
+      </dsp:nvSpPr>
+      <dsp:spPr>
+        <a:xfrm>
+          <a:off x="1832000" y="0"/>
+          <a:ext cx="1812375" cy="569069"/>
+        </a:xfrm>
+        <a:prstGeom prst="chevron">
+          <a:avLst/>
+        </a:prstGeom>
+        <a:solidFill>
+          <a:schemeClr val="accent1">
+            <a:hueOff val="0"/>
+            <a:satOff val="0"/>
+            <a:lumOff val="0"/>
+            <a:alphaOff val="0"/>
+          </a:schemeClr>
+        </a:solidFill>
+        <a:ln w="19050" cap="rnd" cmpd="sng" algn="ctr">
+          <a:solidFill>
+            <a:schemeClr val="lt1">
+              <a:hueOff val="0"/>
+              <a:satOff val="0"/>
+              <a:lumOff val="0"/>
+              <a:alphaOff val="0"/>
+            </a:schemeClr>
+          </a:solidFill>
+          <a:prstDash val="solid"/>
+        </a:ln>
+        <a:effectLst/>
+      </dsp:spPr>
+      <dsp:style>
+        <a:lnRef idx="2">
+          <a:scrgbClr r="0" g="0" b="0"/>
+        </a:lnRef>
+        <a:fillRef idx="1">
+          <a:scrgbClr r="0" g="0" b="0"/>
+        </a:fillRef>
+        <a:effectRef idx="0">
+          <a:scrgbClr r="0" g="0" b="0"/>
+        </a:effectRef>
+        <a:fontRef idx="minor">
+          <a:schemeClr val="lt1"/>
+        </a:fontRef>
+      </dsp:style>
+      <dsp:txBody>
+        <a:bodyPr spcFirstLastPara="0" vert="horz" wrap="square" lIns="140018" tIns="46673" rIns="46673" bIns="46673" numCol="1" spcCol="1270" anchor="ctr" anchorCtr="0">
+          <a:noAutofit/>
+        </a:bodyPr>
+        <a:lstStyle/>
+        <a:p>
+          <a:pPr lvl="0" algn="ctr" defTabSz="1555750">
+            <a:lnSpc>
+              <a:spcPct val="90000"/>
+            </a:lnSpc>
+            <a:spcBef>
+              <a:spcPct val="0"/>
+            </a:spcBef>
+            <a:spcAft>
+              <a:spcPct val="35000"/>
+            </a:spcAft>
+          </a:pPr>
+          <a:endParaRPr lang="en-US" sz="3500" kern="1200"/>
+        </a:p>
+      </dsp:txBody>
+      <dsp:txXfrm>
+        <a:off x="2116535" y="0"/>
+        <a:ext cx="1243306" cy="569069"/>
+      </dsp:txXfrm>
+    </dsp:sp>
+    <dsp:sp modelId="{933E2D93-9338-48B7-86F8-A45D7BA19115}">
+      <dsp:nvSpPr>
+        <dsp:cNvPr id="0" name=""/>
+        <dsp:cNvSpPr/>
+      </dsp:nvSpPr>
+      <dsp:spPr>
+        <a:xfrm>
+          <a:off x="5507879" y="0"/>
+          <a:ext cx="1812375" cy="569069"/>
+        </a:xfrm>
+        <a:prstGeom prst="chevron">
+          <a:avLst/>
+        </a:prstGeom>
+        <a:solidFill>
+          <a:schemeClr val="accent1">
+            <a:hueOff val="0"/>
+            <a:satOff val="0"/>
+            <a:lumOff val="0"/>
+            <a:alphaOff val="0"/>
+          </a:schemeClr>
+        </a:solidFill>
+        <a:ln w="19050" cap="rnd" cmpd="sng" algn="ctr">
+          <a:solidFill>
+            <a:schemeClr val="lt1">
+              <a:hueOff val="0"/>
+              <a:satOff val="0"/>
+              <a:lumOff val="0"/>
+              <a:alphaOff val="0"/>
+            </a:schemeClr>
+          </a:solidFill>
+          <a:prstDash val="solid"/>
+        </a:ln>
+        <a:effectLst/>
+      </dsp:spPr>
+      <dsp:style>
+        <a:lnRef idx="2">
+          <a:scrgbClr r="0" g="0" b="0"/>
+        </a:lnRef>
+        <a:fillRef idx="1">
+          <a:scrgbClr r="0" g="0" b="0"/>
+        </a:fillRef>
+        <a:effectRef idx="0">
+          <a:scrgbClr r="0" g="0" b="0"/>
+        </a:effectRef>
+        <a:fontRef idx="minor">
+          <a:schemeClr val="lt1"/>
+        </a:fontRef>
+      </dsp:style>
+      <dsp:txBody>
+        <a:bodyPr spcFirstLastPara="0" vert="horz" wrap="square" lIns="140018" tIns="46673" rIns="46673" bIns="46673" numCol="1" spcCol="1270" anchor="ctr" anchorCtr="0">
+          <a:noAutofit/>
+        </a:bodyPr>
+        <a:lstStyle/>
+        <a:p>
+          <a:pPr lvl="0" algn="ctr" defTabSz="1555750">
+            <a:lnSpc>
+              <a:spcPct val="90000"/>
+            </a:lnSpc>
+            <a:spcBef>
+              <a:spcPct val="0"/>
+            </a:spcBef>
+            <a:spcAft>
+              <a:spcPct val="35000"/>
+            </a:spcAft>
+          </a:pPr>
+          <a:endParaRPr lang="en-US" sz="3500" kern="1200"/>
+        </a:p>
+      </dsp:txBody>
+      <dsp:txXfrm>
+        <a:off x="5792414" y="0"/>
+        <a:ext cx="1243306" cy="569069"/>
+      </dsp:txXfrm>
+    </dsp:sp>
+    <dsp:sp modelId="{FAAAA1C2-F3F5-4146-88F3-2DFD6E23E106}">
+      <dsp:nvSpPr>
+        <dsp:cNvPr id="0" name=""/>
+        <dsp:cNvSpPr/>
+      </dsp:nvSpPr>
+      <dsp:spPr>
+        <a:xfrm>
+          <a:off x="7300627" y="0"/>
+          <a:ext cx="1812375" cy="569069"/>
+        </a:xfrm>
+        <a:prstGeom prst="chevron">
+          <a:avLst/>
+        </a:prstGeom>
+        <a:solidFill>
+          <a:schemeClr val="accent1">
+            <a:hueOff val="0"/>
+            <a:satOff val="0"/>
+            <a:lumOff val="0"/>
+            <a:alphaOff val="0"/>
+          </a:schemeClr>
+        </a:solidFill>
+        <a:ln w="19050" cap="rnd" cmpd="sng" algn="ctr">
+          <a:solidFill>
+            <a:schemeClr val="lt1">
+              <a:hueOff val="0"/>
+              <a:satOff val="0"/>
+              <a:lumOff val="0"/>
+              <a:alphaOff val="0"/>
+            </a:schemeClr>
+          </a:solidFill>
+          <a:prstDash val="solid"/>
+        </a:ln>
+        <a:effectLst/>
+      </dsp:spPr>
+      <dsp:style>
+        <a:lnRef idx="2">
+          <a:scrgbClr r="0" g="0" b="0"/>
+        </a:lnRef>
+        <a:fillRef idx="1">
+          <a:scrgbClr r="0" g="0" b="0"/>
+        </a:fillRef>
+        <a:effectRef idx="0">
+          <a:scrgbClr r="0" g="0" b="0"/>
+        </a:effectRef>
+        <a:fontRef idx="minor">
+          <a:schemeClr val="lt1"/>
+        </a:fontRef>
+      </dsp:style>
+      <dsp:txBody>
+        <a:bodyPr spcFirstLastPara="0" vert="horz" wrap="square" lIns="140018" tIns="46673" rIns="46673" bIns="46673" numCol="1" spcCol="1270" anchor="ctr" anchorCtr="0">
+          <a:noAutofit/>
+        </a:bodyPr>
+        <a:lstStyle/>
+        <a:p>
+          <a:pPr lvl="0" algn="ctr" defTabSz="1555750">
+            <a:lnSpc>
+              <a:spcPct val="90000"/>
+            </a:lnSpc>
+            <a:spcBef>
+              <a:spcPct val="0"/>
+            </a:spcBef>
+            <a:spcAft>
+              <a:spcPct val="35000"/>
+            </a:spcAft>
+          </a:pPr>
+          <a:endParaRPr lang="en-US" sz="3500" kern="1200" dirty="0"/>
+        </a:p>
+      </dsp:txBody>
+      <dsp:txXfrm>
+        <a:off x="7585162" y="0"/>
+        <a:ext cx="1243306" cy="569069"/>
+      </dsp:txXfrm>
+    </dsp:sp>
+  </dsp:spTree>
+</dsp:drawing>
+</file>
+
+<file path=ppt/diagrams/layout1.xml><?xml version="1.0" encoding="utf-8"?>
+<dgm:layoutDef xmlns:dgm="http://schemas.openxmlformats.org/drawingml/2006/diagram" xmlns:a="http://schemas.openxmlformats.org/drawingml/2006/main" uniqueId="urn:microsoft.com/office/officeart/2005/8/layout/chevron1">
+  <dgm:title val=""/>
+  <dgm:desc val=""/>
+  <dgm:catLst>
+    <dgm:cat type="process" pri="9000"/>
+  </dgm:catLst>
+  <dgm:sampData useDef="1">
+    <dgm:dataModel>
+      <dgm:ptLst/>
+      <dgm:bg/>
+      <dgm:whole/>
+    </dgm:dataModel>
+  </dgm:sampData>
+  <dgm:styleData>
+    <dgm:dataModel>
+      <dgm:ptLst>
+        <dgm:pt modelId="0" type="doc"/>
+        <dgm:pt modelId="1"/>
+        <dgm:pt modelId="2"/>
+      </dgm:ptLst>
+      <dgm:cxnLst>
+        <dgm:cxn modelId="3" srcId="0" destId="1" srcOrd="0" destOrd="0"/>
+        <dgm:cxn modelId="4" srcId="0" destId="2" srcOrd="1" destOrd="0"/>
+      </dgm:cxnLst>
+      <dgm:bg/>
+      <dgm:whole/>
+    </dgm:dataModel>
+  </dgm:styleData>
+  <dgm:clrData>
+    <dgm:dataModel>
+      <dgm:ptLst>
+        <dgm:pt modelId="0" type="doc"/>
+        <dgm:pt modelId="1"/>
+        <dgm:pt modelId="2"/>
+        <dgm:pt modelId="3"/>
+        <dgm:pt modelId="4"/>
+      </dgm:ptLst>
+      <dgm:cxnLst>
+        <dgm:cxn modelId="5" srcId="0" destId="1" srcOrd="0" destOrd="0"/>
+        <dgm:cxn modelId="6" srcId="0" destId="2" srcOrd="1" destOrd="0"/>
+        <dgm:cxn modelId="7" srcId="0" destId="3" srcOrd="2" destOrd="0"/>
+        <dgm:cxn modelId="8" srcId="0" destId="4" srcOrd="3" destOrd="0"/>
+      </dgm:cxnLst>
+      <dgm:bg/>
+      <dgm:whole/>
+    </dgm:dataModel>
+  </dgm:clrData>
+  <dgm:layoutNode name="Name0">
+    <dgm:varLst>
+      <dgm:dir/>
+      <dgm:animLvl val="lvl"/>
+      <dgm:resizeHandles val="exact"/>
+    </dgm:varLst>
+    <dgm:choose name="Name1">
+      <dgm:if name="Name2" func="var" arg="dir" op="equ" val="norm">
+        <dgm:alg type="lin"/>
+      </dgm:if>
+      <dgm:else name="Name3">
+        <dgm:alg type="lin">
+          <dgm:param type="linDir" val="fromR"/>
+        </dgm:alg>
+      </dgm:else>
+    </dgm:choose>
+    <dgm:shape xmlns:r="http://schemas.openxmlformats.org/officeDocument/2006/relationships" r:blip="">
+      <dgm:adjLst/>
+    </dgm:shape>
+    <dgm:presOf/>
+    <dgm:choose name="Name4">
+      <dgm:if name="Name5" axis="des" func="maxDepth" op="gte" val="2">
+        <dgm:constrLst>
+          <dgm:constr type="h" for="ch" forName="composite" refType="h"/>
+          <dgm:constr type="w" for="ch" forName="composite" refType="w"/>
+          <dgm:constr type="w" for="des" forName="parTx"/>
+          <dgm:constr type="h" for="des" forName="parTx" op="equ"/>
+          <dgm:constr type="w" for="des" forName="desTx"/>
+          <dgm:constr type="h" for="des" forName="desTx" op="equ"/>
+          <dgm:constr type="primFontSz" for="des" forName="parTx" val="65"/>
+          <dgm:constr type="secFontSz" for="des" forName="desTx" refType="primFontSz" refFor="des" refForName="parTx" op="equ"/>
+          <dgm:constr type="h" for="des" forName="parTx" refType="primFontSz" refFor="des" refForName="parTx" fact="1.5"/>
+          <dgm:constr type="h" for="des" forName="desTx" refType="primFontSz" refFor="des" refForName="parTx" fact="0.5"/>
+          <dgm:constr type="w" for="ch" forName="space" op="equ" val="-6"/>
+        </dgm:constrLst>
+        <dgm:ruleLst>
+          <dgm:rule type="w" for="ch" forName="composite" val="0" fact="NaN" max="NaN"/>
+          <dgm:rule type="primFontSz" for="des" forName="parTx" val="5" fact="NaN" max="NaN"/>
+        </dgm:ruleLst>
+        <dgm:forEach name="Name6" axis="ch" ptType="node">
+          <dgm:layoutNode name="composite">
+            <dgm:alg type="composite"/>
+            <dgm:shape xmlns:r="http://schemas.openxmlformats.org/officeDocument/2006/relationships" r:blip="">
+              <dgm:adjLst/>
+            </dgm:shape>
+            <dgm:presOf/>
+            <dgm:choose name="Name7">
+              <dgm:if name="Name8" func="var" arg="dir" op="equ" val="norm">
+                <dgm:constrLst>
+                  <dgm:constr type="l" for="ch" forName="parTx"/>
+                  <dgm:constr type="w" for="ch" forName="parTx" refType="w"/>
+                  <dgm:constr type="t" for="ch" forName="parTx"/>
+                  <dgm:constr type="l" for="ch" forName="desTx"/>
+                  <dgm:constr type="w" for="ch" forName="desTx" refType="w" refFor="ch" refForName="parTx" fact="0.8"/>
+                  <dgm:constr type="t" for="ch" forName="desTx" refType="h" refFor="ch" refForName="parTx" fact="1.125"/>
+                </dgm:constrLst>
+              </dgm:if>
+              <dgm:else name="Name9">
+                <dgm:constrLst>
+                  <dgm:constr type="l" for="ch" forName="parTx"/>
+                  <dgm:constr type="w" for="ch" forName="parTx" refType="w"/>
+                  <dgm:constr type="t" for="ch" forName="parTx"/>
+                  <dgm:constr type="l" for="ch" forName="desTx" refType="w" fact="0.2"/>
+                  <dgm:constr type="w" for="ch" forName="desTx" refType="w" refFor="ch" refForName="parTx" fact="0.8"/>
+                  <dgm:constr type="t" for="ch" forName="desTx" refType="h" refFor="ch" refForName="parTx" fact="1.125"/>
+                </dgm:constrLst>
+              </dgm:else>
+            </dgm:choose>
+            <dgm:ruleLst>
+              <dgm:rule type="h" val="INF" fact="NaN" max="NaN"/>
+            </dgm:ruleLst>
+            <dgm:layoutNode name="parTx">
+              <dgm:varLst>
+                <dgm:chMax val="0"/>
+                <dgm:chPref val="0"/>
+                <dgm:bulletEnabled val="1"/>
+              </dgm:varLst>
+              <dgm:alg type="tx"/>
+              <dgm:choose name="Name10">
+                <dgm:if name="Name11" func="var" arg="dir" op="equ" val="norm">
+                  <dgm:shape xmlns:r="http://schemas.openxmlformats.org/officeDocument/2006/relationships" type="chevron" r:blip="">
+                    <dgm:adjLst/>
+                  </dgm:shape>
+                </dgm:if>
+                <dgm:else name="Name12">
+                  <dgm:shape xmlns:r="http://schemas.openxmlformats.org/officeDocument/2006/relationships" rot="180" type="chevron" r:blip="">
+                    <dgm:adjLst/>
+                  </dgm:shape>
+                </dgm:else>
+              </dgm:choose>
+              <dgm:presOf axis="self" ptType="node"/>
+              <dgm:choose name="Name13">
+                <dgm:if name="Name14" func="var" arg="dir" op="equ" val="norm">
+                  <dgm:constrLst>
+                    <dgm:constr type="h" refType="w" op="lte" fact="0.4"/>
+                    <dgm:constr type="h"/>
+                    <dgm:constr type="tMarg" refType="primFontSz" fact="0.105"/>
+                    <dgm:constr type="bMarg" refType="primFontSz" fact="0.105"/>
+                    <dgm:constr type="lMarg" refType="primFontSz" fact="0.315"/>
+                    <dgm:constr type="rMarg" refType="primFontSz" fact="0.105"/>
+                  </dgm:constrLst>
+                </dgm:if>
+                <dgm:else name="Name15">
+                  <dgm:constrLst>
+                    <dgm:constr type="h" refType="w" op="lte" fact="0.4"/>
+                    <dgm:constr type="h"/>
+                    <dgm:constr type="tMarg" refType="primFontSz" fact="0.105"/>
+                    <dgm:constr type="bMarg" refType="primFontSz" fact="0.105"/>
+                    <dgm:constr type="lMarg" refType="primFontSz" fact="0.105"/>
+                    <dgm:constr type="rMarg" refType="primFontSz" fact="0.315"/>
+                  </dgm:constrLst>
+                </dgm:else>
+              </dgm:choose>
+              <dgm:ruleLst>
+                <dgm:rule type="h" val="INF" fact="NaN" max="NaN"/>
+              </dgm:ruleLst>
+            </dgm:layoutNode>
+            <dgm:layoutNode name="desTx" styleLbl="revTx">
+              <dgm:varLst>
+                <dgm:bulletEnabled val="1"/>
+              </dgm:varLst>
+              <dgm:alg type="tx">
+                <dgm:param type="stBulletLvl" val="1"/>
+              </dgm:alg>
+              <dgm:choose name="Name16">
+                <dgm:if name="Name17" axis="ch" ptType="node" func="cnt" op="gte" val="1">
+                  <dgm:shape xmlns:r="http://schemas.openxmlformats.org/officeDocument/2006/relationships" type="rect" r:blip="">
+                    <dgm:adjLst/>
+                  </dgm:shape>
+                </dgm:if>
+                <dgm:else name="Name18">
+                  <dgm:shape xmlns:r="http://schemas.openxmlformats.org/officeDocument/2006/relationships" type="rect" r:blip="" hideGeom="1">
+                    <dgm:adjLst/>
+                  </dgm:shape>
+                </dgm:else>
+              </dgm:choose>
+              <dgm:presOf axis="des" ptType="node"/>
+              <dgm:constrLst>
+                <dgm:constr type="secFontSz" val="65"/>
+                <dgm:constr type="primFontSz" refType="secFontSz"/>
+                <dgm:constr type="h"/>
+                <dgm:constr type="tMarg"/>
+                <dgm:constr type="bMarg"/>
+                <dgm:constr type="rMarg"/>
+                <dgm:constr type="lMarg"/>
+              </dgm:constrLst>
+              <dgm:ruleLst>
+                <dgm:rule type="h" val="INF" fact="NaN" max="NaN"/>
+              </dgm:ruleLst>
+            </dgm:layoutNode>
+          </dgm:layoutNode>
+          <dgm:forEach name="Name19" axis="followSib" ptType="sibTrans" cnt="1">
+            <dgm:layoutNode name="space">
+              <dgm:alg type="sp"/>
+              <dgm:shape xmlns:r="http://schemas.openxmlformats.org/officeDocument/2006/relationships" r:blip="">
+                <dgm:adjLst/>
+              </dgm:shape>
+              <dgm:presOf/>
+              <dgm:constrLst/>
+              <dgm:ruleLst/>
+            </dgm:layoutNode>
+          </dgm:forEach>
+        </dgm:forEach>
+      </dgm:if>
+      <dgm:else name="Name20">
+        <dgm:constrLst>
+          <dgm:constr type="w" for="ch" forName="parTxOnly" refType="w"/>
+          <dgm:constr type="h" for="des" forName="parTxOnly" op="equ"/>
+          <dgm:constr type="primFontSz" for="des" forName="parTxOnly" op="equ" val="65"/>
+          <dgm:constr type="w" for="ch" forName="parTxOnlySpace" refType="w" refFor="ch" refForName="parTxOnly" fact="-0.1"/>
+        </dgm:constrLst>
+        <dgm:ruleLst/>
+        <dgm:forEach name="Name21" axis="ch" ptType="node">
+          <dgm:layoutNode name="parTxOnly">
+            <dgm:varLst>
+              <dgm:chMax val="0"/>
+              <dgm:chPref val="0"/>
+              <dgm:bulletEnabled val="1"/>
+            </dgm:varLst>
+            <dgm:alg type="tx"/>
+            <dgm:choose name="Name22">
+              <dgm:if name="Name23" func="var" arg="dir" op="equ" val="norm">
+                <dgm:shape xmlns:r="http://schemas.openxmlformats.org/officeDocument/2006/relationships" type="chevron" r:blip="">
+                  <dgm:adjLst/>
+                </dgm:shape>
+              </dgm:if>
+              <dgm:else name="Name24">
+                <dgm:shape xmlns:r="http://schemas.openxmlformats.org/officeDocument/2006/relationships" rot="180" type="chevron" r:blip="">
+                  <dgm:adjLst/>
+                </dgm:shape>
+              </dgm:else>
+            </dgm:choose>
+            <dgm:presOf axis="self" ptType="node"/>
+            <dgm:choose name="Name25">
+              <dgm:if name="Name26" func="var" arg="dir" op="equ" val="norm">
+                <dgm:constrLst>
+                  <dgm:constr type="h" refType="w" op="equ" fact="0.4"/>
+                  <dgm:constr type="tMarg" refType="primFontSz" fact="0.105"/>
+                  <dgm:constr type="bMarg" refType="primFontSz" fact="0.105"/>
+                  <dgm:constr type="lMarg" refType="primFontSz" fact="0.315"/>
+                  <dgm:constr type="rMarg" refType="primFontSz" fact="0.105"/>
+                </dgm:constrLst>
+              </dgm:if>
+              <dgm:else name="Name27">
+                <dgm:constrLst>
+                  <dgm:constr type="h" refType="w" op="equ" fact="0.4"/>
+                  <dgm:constr type="tMarg" refType="primFontSz" fact="0.105"/>
+                  <dgm:constr type="bMarg" refType="primFontSz" fact="0.105"/>
+                  <dgm:constr type="lMarg" refType="primFontSz" fact="0.105"/>
+                  <dgm:constr type="rMarg" refType="primFontSz" fact="0.315"/>
+                </dgm:constrLst>
+              </dgm:else>
+            </dgm:choose>
+            <dgm:ruleLst>
+              <dgm:rule type="primFontSz" val="5" fact="NaN" max="NaN"/>
+            </dgm:ruleLst>
+          </dgm:layoutNode>
+          <dgm:forEach name="Name28" axis="followSib" ptType="sibTrans" cnt="1">
+            <dgm:layoutNode name="parTxOnlySpace">
+              <dgm:alg type="sp"/>
+              <dgm:shape xmlns:r="http://schemas.openxmlformats.org/officeDocument/2006/relationships" r:blip="">
+                <dgm:adjLst/>
+              </dgm:shape>
+              <dgm:presOf/>
+              <dgm:constrLst/>
+              <dgm:ruleLst/>
+            </dgm:layoutNode>
+          </dgm:forEach>
+        </dgm:forEach>
+      </dgm:else>
+    </dgm:choose>
+  </dgm:layoutNode>
+</dgm:layoutDef>
+</file>
+
+<file path=ppt/diagrams/quickStyle1.xml><?xml version="1.0" encoding="utf-8"?>
+<dgm:styleDef xmlns:dgm="http://schemas.openxmlformats.org/drawingml/2006/diagram" xmlns:a="http://schemas.openxmlformats.org/drawingml/2006/main" uniqueId="urn:microsoft.com/office/officeart/2005/8/quickstyle/simple1">
+  <dgm:title val=""/>
+  <dgm:desc val=""/>
+  <dgm:catLst>
+    <dgm:cat type="simple" pri="10100"/>
+  </dgm:catLst>
+  <dgm:scene3d>
+    <a:camera prst="orthographicFront"/>
+    <a:lightRig rig="threePt" dir="t"/>
+  </dgm:scene3d>
+  <dgm:styleLbl name="node0">
+    <dgm:scene3d>
+      <a:camera prst="orthographicFront"/>
+      <a:lightRig rig="threePt" dir="t"/>
+    </dgm:scene3d>
+    <dgm:sp3d/>
+    <dgm:txPr/>
+    <dgm:style>
+      <a:lnRef idx="2">
+        <a:scrgbClr r="0" g="0" b="0"/>
+      </a:lnRef>
+      <a:fillRef idx="1">
+        <a:scrgbClr r="0" g="0" b="0"/>
+      </a:fillRef>
+      <a:effectRef idx="0">
+        <a:scrgbClr r="0" g="0" b="0"/>
+      </a:effectRef>
+      <a:fontRef idx="minor">
+        <a:schemeClr val="lt1"/>
+      </a:fontRef>
+    </dgm:style>
+  </dgm:styleLbl>
+  <dgm:styleLbl name="lnNode1">
+    <dgm:scene3d>
+      <a:camera prst="orthographicFront"/>
+      <a:lightRig rig="threePt" dir="t"/>
+    </dgm:scene3d>
+    <dgm:sp3d/>
+    <dgm:txPr/>
+    <dgm:style>
+      <a:lnRef idx="2">
+        <a:scrgbClr r="0" g="0" b="0"/>
+      </a:lnRef>
+      <a:fillRef idx="1">
+        <a:scrgbClr r="0" g="0" b="0"/>
+      </a:fillRef>
+      <a:effectRef idx="0">
+        <a:scrgbClr r="0" g="0" b="0"/>
+      </a:effectRef>
+      <a:fontRef idx="minor">
+        <a:schemeClr val="lt1"/>
+      </a:fontRef>
+    </dgm:style>
+  </dgm:styleLbl>
+  <dgm:styleLbl name="vennNode1">
+    <dgm:scene3d>
+      <a:camera prst="orthographicFront"/>
+      <a:lightRig rig="threePt" dir="t"/>
+    </dgm:scene3d>
+    <dgm:sp3d/>
+    <dgm:txPr/>
+    <dgm:style>
+      <a:lnRef idx="2">
+        <a:scrgbClr r="0" g="0" b="0"/>
+      </a:lnRef>
+      <a:fillRef idx="1">
+        <a:scrgbClr r="0" g="0" b="0"/>
+      </a:fillRef>
+      <a:effectRef idx="0">
+        <a:scrgbClr r="0" g="0" b="0"/>
+      </a:effectRef>
+      <a:fontRef idx="minor">
+        <a:schemeClr val="tx1"/>
+      </a:fontRef>
+    </dgm:style>
+  </dgm:styleLbl>
+  <dgm:styleLbl name="alignNode1">
+    <dgm:scene3d>
+      <a:camera prst="orthographicFront"/>
+      <a:lightRig rig="threePt" dir="t"/>
+    </dgm:scene3d>
+    <dgm:sp3d/>
+    <dgm:txPr/>
+    <dgm:style>
+      <a:lnRef idx="2">
+        <a:scrgbClr r="0" g="0" b="0"/>
+      </a:lnRef>
+      <a:fillRef idx="1">
+        <a:scrgbClr r="0" g="0" b="0"/>
+      </a:fillRef>
+      <a:effectRef idx="0">
+        <a:scrgbClr r="0" g="0" b="0"/>
+      </a:effectRef>
+      <a:fontRef idx="minor">
+        <a:schemeClr val="lt1"/>
+      </a:fontRef>
+    </dgm:style>
+  </dgm:styleLbl>
+  <dgm:styleLbl name="node1">
+    <dgm:scene3d>
+      <a:camera prst="orthographicFront"/>
+      <a:lightRig rig="threePt" dir="t"/>
+    </dgm:scene3d>
+    <dgm:sp3d/>
+    <dgm:txPr/>
+    <dgm:style>
+      <a:lnRef idx="2">
+        <a:scrgbClr r="0" g="0" b="0"/>
+      </a:lnRef>
+      <a:fillRef idx="1">
+        <a:scrgbClr r="0" g="0" b="0"/>
+      </a:fillRef>
+      <a:effectRef idx="0">
+        <a:scrgbClr r="0" g="0" b="0"/>
+      </a:effectRef>
+      <a:fontRef idx="minor">
+        <a:schemeClr val="lt1"/>
+      </a:fontRef>
+    </dgm:style>
+  </dgm:styleLbl>
+  <dgm:styleLbl name="node2">
+    <dgm:scene3d>
+      <a:camera prst="orthographicFront"/>
+      <a:lightRig rig="threePt" dir="t"/>
+    </dgm:scene3d>
+    <dgm:sp3d/>
+    <dgm:txPr/>
+    <dgm:style>
+      <a:lnRef idx="2">
+        <a:scrgbClr r="0" g="0" b="0"/>
+      </a:lnRef>
+      <a:fillRef idx="1">
+        <a:scrgbClr r="0" g="0" b="0"/>
+      </a:fillRef>
+      <a:effectRef idx="0">
+        <a:scrgbClr r="0" g="0" b="0"/>
+      </a:effectRef>
+      <a:fontRef idx="minor">
+        <a:schemeClr val="lt1"/>
+      </a:fontRef>
+    </dgm:style>
+  </dgm:styleLbl>
+  <dgm:styleLbl name="node3">
+    <dgm:scene3d>
+      <a:camera prst="orthographicFront"/>
+      <a:lightRig rig="threePt" dir="t"/>
+    </dgm:scene3d>
+    <dgm:sp3d/>
+    <dgm:txPr/>
+    <dgm:style>
+      <a:lnRef idx="2">
+        <a:scrgbClr r="0" g="0" b="0"/>
+      </a:lnRef>
+      <a:fillRef idx="1">
+        <a:scrgbClr r="0" g="0" b="0"/>
+      </a:fillRef>
+      <a:effectRef idx="0">
+        <a:scrgbClr r="0" g="0" b="0"/>
+      </a:effectRef>
+      <a:fontRef idx="minor">
+        <a:schemeClr val="lt1"/>
+      </a:fontRef>
+    </dgm:style>
+  </dgm:styleLbl>
+  <dgm:styleLbl name="node4">
+    <dgm:scene3d>
+      <a:camera prst="orthographicFront"/>
+      <a:lightRig rig="threePt" dir="t"/>
+    </dgm:scene3d>
+    <dgm:sp3d/>
+    <dgm:txPr/>
+    <dgm:style>
+      <a:lnRef idx="2">
+        <a:scrgbClr r="0" g="0" b="0"/>
+      </a:lnRef>
+      <a:fillRef idx="1">
+        <a:scrgbClr r="0" g="0" b="0"/>
+      </a:fillRef>
+      <a:effectRef idx="0">
+        <a:scrgbClr r="0" g="0" b="0"/>
+      </a:effectRef>
+      <a:fontRef idx="minor">
+        <a:schemeClr val="lt1"/>
+      </a:fontRef>
+    </dgm:style>
+  </dgm:styleLbl>
+  <dgm:styleLbl name="fgImgPlace1">
+    <dgm:scene3d>
+      <a:camera prst="orthographicFront"/>
+      <a:lightRig rig="threePt" dir="t"/>
+    </dgm:scene3d>
+    <dgm:sp3d/>
+    <dgm:txPr/>
+    <dgm:style>
+      <a:lnRef idx="2">
+        <a:scrgbClr r="0" g="0" b="0"/>
+      </a:lnRef>
+      <a:fillRef idx="1">
+        <a:scrgbClr r="0" g="0" b="0"/>
+      </a:fillRef>
+      <a:effectRef idx="0">
+        <a:scrgbClr r="0" g="0" b="0"/>
+      </a:effectRef>
+      <a:fontRef idx="minor"/>
+    </dgm:style>
+  </dgm:styleLbl>
+  <dgm:styleLbl name="alignImgPlace1">
+    <dgm:scene3d>
+      <a:camera prst="orthographicFront"/>
+      <a:lightRig rig="threePt" dir="t"/>
+    </dgm:scene3d>
+    <dgm:sp3d/>
+    <dgm:txPr/>
+    <dgm:style>
+      <a:lnRef idx="2">
+        <a:scrgbClr r="0" g="0" b="0"/>
+      </a:lnRef>
+      <a:fillRef idx="1">
+        <a:scrgbClr r="0" g="0" b="0"/>
+      </a:fillRef>
+      <a:effectRef idx="0">
+        <a:scrgbClr r="0" g="0" b="0"/>
+      </a:effectRef>
+      <a:fontRef idx="minor"/>
+    </dgm:style>
+  </dgm:styleLbl>
+  <dgm:styleLbl name="bgImgPlace1">
+    <dgm:scene3d>
+      <a:camera prst="orthographicFront"/>
+      <a:lightRig rig="threePt" dir="t"/>
+    </dgm:scene3d>
+    <dgm:sp3d/>
+    <dgm:txPr/>
+    <dgm:style>
+      <a:lnRef idx="2">
+        <a:scrgbClr r="0" g="0" b="0"/>
+      </a:lnRef>
+      <a:fillRef idx="1">
+        <a:scrgbClr r="0" g="0" b="0"/>
+      </a:fillRef>
+      <a:effectRef idx="0">
+        <a:scrgbClr r="0" g="0" b="0"/>
+      </a:effectRef>
+      <a:fontRef idx="minor"/>
+    </dgm:style>
+  </dgm:styleLbl>
+  <dgm:styleLbl name="sibTrans2D1">
+    <dgm:scene3d>
+      <a:camera prst="orthographicFront"/>
+      <a:lightRig rig="threePt" dir="t"/>
+    </dgm:scene3d>
+    <dgm:sp3d/>
+    <dgm:txPr/>
+    <dgm:style>
+      <a:lnRef idx="0">
+        <a:scrgbClr r="0" g="0" b="0"/>
+      </a:lnRef>
+      <a:fillRef idx="1">
+        <a:scrgbClr r="0" g="0" b="0"/>
+      </a:fillRef>
+      <a:effectRef idx="0">
+        <a:scrgbClr r="0" g="0" b="0"/>
+      </a:effectRef>
+      <a:fontRef idx="minor">
+        <a:schemeClr val="lt1"/>
+      </a:fontRef>
+    </dgm:style>
+  </dgm:styleLbl>
+  <dgm:styleLbl name="fgSibTrans2D1">
+    <dgm:scene3d>
+      <a:camera prst="orthographicFront"/>
+      <a:lightRig rig="threePt" dir="t"/>
+    </dgm:scene3d>
+    <dgm:sp3d/>
+    <dgm:txPr/>
+    <dgm:style>
+      <a:lnRef idx="0">
+        <a:scrgbClr r="0" g="0" b="0"/>
+      </a:lnRef>
+      <a:fillRef idx="1">
+        <a:scrgbClr r="0" g="0" b="0"/>
+      </a:fillRef>
+      <a:effectRef idx="0">
+        <a:scrgbClr r="0" g="0" b="0"/>
+      </a:effectRef>
+      <a:fontRef idx="minor">
+        <a:schemeClr val="lt1"/>
+      </a:fontRef>
+    </dgm:style>
+  </dgm:styleLbl>
+  <dgm:styleLbl name="bgSibTrans2D1">
+    <dgm:scene3d>
+      <a:camera prst="orthographicFront"/>
+      <a:lightRig rig="threePt" dir="t"/>
+    </dgm:scene3d>
+    <dgm:sp3d/>
+    <dgm:txPr/>
+    <dgm:style>
+      <a:lnRef idx="0">
+        <a:scrgbClr r="0" g="0" b="0"/>
+      </a:lnRef>
+      <a:fillRef idx="1">
+        <a:scrgbClr r="0" g="0" b="0"/>
+      </a:fillRef>
+      <a:effectRef idx="0">
+        <a:scrgbClr r="0" g="0" b="0"/>
+      </a:effectRef>
+      <a:fontRef idx="minor">
+        <a:schemeClr val="lt1"/>
+      </a:fontRef>
+    </dgm:style>
+  </dgm:styleLbl>
+  <dgm:styleLbl name="sibTrans1D1">
+    <dgm:scene3d>
+      <a:camera prst="orthographicFront"/>
+      <a:lightRig rig="threePt" dir="t"/>
+    </dgm:scene3d>
+    <dgm:sp3d/>
+    <dgm:txPr/>
+    <dgm:style>
+      <a:lnRef idx="1">
+        <a:scrgbClr r="0" g="0" b="0"/>
+      </a:lnRef>
+      <a:fillRef idx="0">
+        <a:scrgbClr r="0" g="0" b="0"/>
+      </a:fillRef>
+      <a:effectRef idx="0">
+        <a:scrgbClr r="0" g="0" b="0"/>
+      </a:effectRef>
+      <a:fontRef idx="minor"/>
+    </dgm:style>
+  </dgm:styleLbl>
+  <dgm:styleLbl name="callout">
+    <dgm:scene3d>
+      <a:camera prst="orthographicFront"/>
+      <a:lightRig rig="threePt" dir="t"/>
+    </dgm:scene3d>
+    <dgm:sp3d/>
+    <dgm:txPr/>
+    <dgm:style>
+      <a:lnRef idx="2">
+        <a:scrgbClr r="0" g="0" b="0"/>
+      </a:lnRef>
+      <a:fillRef idx="1">
+        <a:scrgbClr r="0" g="0" b="0"/>
+      </a:fillRef>
+      <a:effectRef idx="0">
+        <a:scrgbClr r="0" g="0" b="0"/>
+      </a:effectRef>
+      <a:fontRef idx="minor"/>
+    </dgm:style>
+  </dgm:styleLbl>
+  <dgm:styleLbl name="asst0">
+    <dgm:scene3d>
+      <a:camera prst="orthographicFront"/>
+      <a:lightRig rig="threePt" dir="t"/>
+    </dgm:scene3d>
+    <dgm:sp3d/>
+    <dgm:txPr/>
+    <dgm:style>
+      <a:lnRef idx="2">
+        <a:scrgbClr r="0" g="0" b="0"/>
+      </a:lnRef>
+      <a:fillRef idx="1">
+        <a:scrgbClr r="0" g="0" b="0"/>
+      </a:fillRef>
+      <a:effectRef idx="0">
+        <a:scrgbClr r="0" g="0" b="0"/>
+      </a:effectRef>
+      <a:fontRef idx="minor">
+        <a:schemeClr val="lt1"/>
+      </a:fontRef>
+    </dgm:style>
+  </dgm:styleLbl>
+  <dgm:styleLbl name="asst1">
+    <dgm:scene3d>
+      <a:camera prst="orthographicFront"/>
+      <a:lightRig rig="threePt" dir="t"/>
+    </dgm:scene3d>
+    <dgm:sp3d/>
+    <dgm:txPr/>
+    <dgm:style>
+      <a:lnRef idx="2">
+        <a:scrgbClr r="0" g="0" b="0"/>
+      </a:lnRef>
+      <a:fillRef idx="1">
+        <a:scrgbClr r="0" g="0" b="0"/>
+      </a:fillRef>
+      <a:effectRef idx="0">
+        <a:scrgbClr r="0" g="0" b="0"/>
+      </a:effectRef>
+      <a:fontRef idx="minor">
+        <a:schemeClr val="lt1"/>
+      </a:fontRef>
+    </dgm:style>
+  </dgm:styleLbl>
+  <dgm:styleLbl name="asst2">
+    <dgm:scene3d>
+      <a:camera prst="orthographicFront"/>
+      <a:lightRig rig="threePt" dir="t"/>
+    </dgm:scene3d>
+    <dgm:sp3d/>
+    <dgm:txPr/>
+    <dgm:style>
+      <a:lnRef idx="2">
+        <a:scrgbClr r="0" g="0" b="0"/>
+      </a:lnRef>
+      <a:fillRef idx="1">
+        <a:scrgbClr r="0" g="0" b="0"/>
+      </a:fillRef>
+      <a:effectRef idx="0">
+        <a:scrgbClr r="0" g="0" b="0"/>
+      </a:effectRef>
+      <a:fontRef idx="minor">
+        <a:schemeClr val="lt1"/>
+      </a:fontRef>
+    </dgm:style>
+  </dgm:styleLbl>
+  <dgm:styleLbl name="asst3">
+    <dgm:scene3d>
+      <a:camera prst="orthographicFront"/>
+      <a:lightRig rig="threePt" dir="t"/>
+    </dgm:scene3d>
+    <dgm:sp3d/>
+    <dgm:txPr/>
+    <dgm:style>
+      <a:lnRef idx="2">
+        <a:scrgbClr r="0" g="0" b="0"/>
+      </a:lnRef>
+      <a:fillRef idx="1">
+        <a:scrgbClr r="0" g="0" b="0"/>
+      </a:fillRef>
+      <a:effectRef idx="0">
+        <a:scrgbClr r="0" g="0" b="0"/>
+      </a:effectRef>
+      <a:fontRef idx="minor">
+        <a:schemeClr val="lt1"/>
+      </a:fontRef>
+    </dgm:style>
+  </dgm:styleLbl>
+  <dgm:styleLbl name="asst4">
+    <dgm:scene3d>
+      <a:camera prst="orthographicFront"/>
+      <a:lightRig rig="threePt" dir="t"/>
+    </dgm:scene3d>
+    <dgm:sp3d/>
+    <dgm:txPr/>
+    <dgm:style>
+      <a:lnRef idx="2">
+        <a:scrgbClr r="0" g="0" b="0"/>
+      </a:lnRef>
+      <a:fillRef idx="1">
+        <a:scrgbClr r="0" g="0" b="0"/>
+      </a:fillRef>
+      <a:effectRef idx="0">
+        <a:scrgbClr r="0" g="0" b="0"/>
+      </a:effectRef>
+      <a:fontRef idx="minor">
+        <a:schemeClr val="lt1"/>
+      </a:fontRef>
+    </dgm:style>
+  </dgm:styleLbl>
+  <dgm:styleLbl name="parChTrans2D1">
+    <dgm:scene3d>
+      <a:camera prst="orthographicFront"/>
+      <a:lightRig rig="threePt" dir="t"/>
+    </dgm:scene3d>
+    <dgm:sp3d/>
+    <dgm:txPr/>
+    <dgm:style>
+      <a:lnRef idx="2">
+        <a:scrgbClr r="0" g="0" b="0"/>
+      </a:lnRef>
+      <a:fillRef idx="1">
+        <a:scrgbClr r="0" g="0" b="0"/>
+      </a:fillRef>
+      <a:effectRef idx="0">
+        <a:scrgbClr r="0" g="0" b="0"/>
+      </a:effectRef>
+      <a:fontRef idx="minor">
+        <a:schemeClr val="lt1"/>
+      </a:fontRef>
+    </dgm:style>
+  </dgm:styleLbl>
+  <dgm:styleLbl name="parChTrans2D2">
+    <dgm:scene3d>
+      <a:camera prst="orthographicFront"/>
+      <a:lightRig rig="threePt" dir="t"/>
+    </dgm:scene3d>
+    <dgm:sp3d/>
+    <dgm:txPr/>
+    <dgm:style>
+      <a:lnRef idx="2">
+        <a:scrgbClr r="0" g="0" b="0"/>
+      </a:lnRef>
+      <a:fillRef idx="1">
+        <a:scrgbClr r="0" g="0" b="0"/>
+      </a:fillRef>
+      <a:effectRef idx="0">
+        <a:scrgbClr r="0" g="0" b="0"/>
+      </a:effectRef>
+      <a:fontRef idx="minor">
+        <a:schemeClr val="lt1"/>
+      </a:fontRef>
+    </dgm:style>
+  </dgm:styleLbl>
+  <dgm:styleLbl name="parChTrans2D3">
+    <dgm:scene3d>
+      <a:camera prst="orthographicFront"/>
+      <a:lightRig rig="threePt" dir="t"/>
+    </dgm:scene3d>
+    <dgm:sp3d/>
+    <dgm:txPr/>
+    <dgm:style>
+      <a:lnRef idx="2">
+        <a:scrgbClr r="0" g="0" b="0"/>
+      </a:lnRef>
+      <a:fillRef idx="1">
+        <a:scrgbClr r="0" g="0" b="0"/>
+      </a:fillRef>
+      <a:effectRef idx="0">
+        <a:scrgbClr r="0" g="0" b="0"/>
+      </a:effectRef>
+      <a:fontRef idx="minor">
+        <a:schemeClr val="lt1"/>
+      </a:fontRef>
+    </dgm:style>
+  </dgm:styleLbl>
+  <dgm:styleLbl name="parChTrans2D4">
+    <dgm:scene3d>
+      <a:camera prst="orthographicFront"/>
+      <a:lightRig rig="threePt" dir="t"/>
+    </dgm:scene3d>
+    <dgm:sp3d/>
+    <dgm:txPr/>
+    <dgm:style>
+      <a:lnRef idx="2">
+        <a:scrgbClr r="0" g="0" b="0"/>
+      </a:lnRef>
+      <a:fillRef idx="1">
+        <a:scrgbClr r="0" g="0" b="0"/>
+      </a:fillRef>
+      <a:effectRef idx="0">
+        <a:scrgbClr r="0" g="0" b="0"/>
+      </a:effectRef>
+      <a:fontRef idx="minor">
+        <a:schemeClr val="lt1"/>
+      </a:fontRef>
+    </dgm:style>
+  </dgm:styleLbl>
+  <dgm:styleLbl name="parChTrans1D1">
+    <dgm:scene3d>
+      <a:camera prst="orthographicFront"/>
+      <a:lightRig rig="threePt" dir="t"/>
+    </dgm:scene3d>
+    <dgm:sp3d/>
+    <dgm:txPr/>
+    <dgm:style>
+      <a:lnRef idx="2">
+        <a:scrgbClr r="0" g="0" b="0"/>
+      </a:lnRef>
+      <a:fillRef idx="0">
+        <a:scrgbClr r="0" g="0" b="0"/>
+      </a:fillRef>
+      <a:effectRef idx="0">
+        <a:scrgbClr r="0" g="0" b="0"/>
+      </a:effectRef>
+      <a:fontRef idx="minor"/>
+    </dgm:style>
+  </dgm:styleLbl>
+  <dgm:styleLbl name="parChTrans1D2">
+    <dgm:scene3d>
+      <a:camera prst="orthographicFront"/>
+      <a:lightRig rig="threePt" dir="t"/>
+    </dgm:scene3d>
+    <dgm:sp3d/>
+    <dgm:txPr/>
+    <dgm:style>
+      <a:lnRef idx="2">
+        <a:scrgbClr r="0" g="0" b="0"/>
+      </a:lnRef>
+      <a:fillRef idx="0">
+        <a:scrgbClr r="0" g="0" b="0"/>
+      </a:fillRef>
+      <a:effectRef idx="0">
+        <a:scrgbClr r="0" g="0" b="0"/>
+      </a:effectRef>
+      <a:fontRef idx="minor"/>
+    </dgm:style>
+  </dgm:styleLbl>
+  <dgm:styleLbl name="parChTrans1D3">
+    <dgm:scene3d>
+      <a:camera prst="orthographicFront"/>
+      <a:lightRig rig="threePt" dir="t"/>
+    </dgm:scene3d>
+    <dgm:sp3d/>
+    <dgm:txPr/>
+    <dgm:style>
+      <a:lnRef idx="2">
+        <a:scrgbClr r="0" g="0" b="0"/>
+      </a:lnRef>
+      <a:fillRef idx="0">
+        <a:scrgbClr r="0" g="0" b="0"/>
+      </a:fillRef>
+      <a:effectRef idx="0">
+        <a:scrgbClr r="0" g="0" b="0"/>
+      </a:effectRef>
+      <a:fontRef idx="minor"/>
+    </dgm:style>
+  </dgm:styleLbl>
+  <dgm:styleLbl name="parChTrans1D4">
+    <dgm:scene3d>
+      <a:camera prst="orthographicFront"/>
+      <a:lightRig rig="threePt" dir="t"/>
+    </dgm:scene3d>
+    <dgm:sp3d/>
+    <dgm:txPr/>
+    <dgm:style>
+      <a:lnRef idx="2">
+        <a:scrgbClr r="0" g="0" b="0"/>
+      </a:lnRef>
+      <a:fillRef idx="0">
+        <a:scrgbClr r="0" g="0" b="0"/>
+      </a:fillRef>
+      <a:effectRef idx="0">
+        <a:scrgbClr r="0" g="0" b="0"/>
+      </a:effectRef>
+      <a:fontRef idx="minor"/>
+    </dgm:style>
+  </dgm:styleLbl>
+  <dgm:styleLbl name="fgAcc1">
+    <dgm:scene3d>
+      <a:camera prst="orthographicFront"/>
+      <a:lightRig rig="threePt" dir="t"/>
+    </dgm:scene3d>
+    <dgm:sp3d/>
+    <dgm:txPr/>
+    <dgm:style>
+      <a:lnRef idx="2">
+        <a:scrgbClr r="0" g="0" b="0"/>
+      </a:lnRef>
+      <a:fillRef idx="1">
+        <a:scrgbClr r="0" g="0" b="0"/>
+      </a:fillRef>
+      <a:effectRef idx="0">
+        <a:scrgbClr r="0" g="0" b="0"/>
+      </a:effectRef>
+      <a:fontRef idx="minor"/>
+    </dgm:style>
+  </dgm:styleLbl>
+  <dgm:styleLbl name="conFgAcc1">
+    <dgm:scene3d>
+      <a:camera prst="orthographicFront"/>
+      <a:lightRig rig="threePt" dir="t"/>
+    </dgm:scene3d>
+    <dgm:sp3d/>
+    <dgm:txPr/>
+    <dgm:style>
+      <a:lnRef idx="2">
+        <a:scrgbClr r="0" g="0" b="0"/>
+      </a:lnRef>
+      <a:fillRef idx="1">
+        <a:scrgbClr r="0" g="0" b="0"/>
+      </a:fillRef>
+      <a:effectRef idx="0">
+        <a:scrgbClr r="0" g="0" b="0"/>
+      </a:effectRef>
+      <a:fontRef idx="minor"/>
+    </dgm:style>
+  </dgm:styleLbl>
+  <dgm:styleLbl name="alignAcc1">
+    <dgm:scene3d>
+      <a:camera prst="orthographicFront"/>
+      <a:lightRig rig="threePt" dir="t"/>
+    </dgm:scene3d>
+    <dgm:sp3d/>
+    <dgm:txPr/>
+    <dgm:style>
+      <a:lnRef idx="2">
+        <a:scrgbClr r="0" g="0" b="0"/>
+      </a:lnRef>
+      <a:fillRef idx="1">
+        <a:scrgbClr r="0" g="0" b="0"/>
+      </a:fillRef>
+      <a:effectRef idx="0">
+        <a:scrgbClr r="0" g="0" b="0"/>
+      </a:effectRef>
+      <a:fontRef idx="minor"/>
+    </dgm:style>
+  </dgm:styleLbl>
+  <dgm:styleLbl name="trAlignAcc1">
+    <dgm:scene3d>
+      <a:camera prst="orthographicFront"/>
+      <a:lightRig rig="threePt" dir="t"/>
+    </dgm:scene3d>
+    <dgm:sp3d/>
+    <dgm:txPr/>
+    <dgm:style>
+      <a:lnRef idx="1">
+        <a:scrgbClr r="0" g="0" b="0"/>
+      </a:lnRef>
+      <a:fillRef idx="1">
+        <a:scrgbClr r="0" g="0" b="0"/>
+      </a:fillRef>
+      <a:effectRef idx="0">
+        <a:scrgbClr r="0" g="0" b="0"/>
+      </a:effectRef>
+      <a:fontRef idx="minor"/>
+    </dgm:style>
+  </dgm:styleLbl>
+  <dgm:styleLbl name="bgAcc1">
+    <dgm:scene3d>
+      <a:camera prst="orthographicFront"/>
+      <a:lightRig rig="threePt" dir="t"/>
+    </dgm:scene3d>
+    <dgm:sp3d/>
+    <dgm:txPr/>
+    <dgm:style>
+      <a:lnRef idx="2">
+        <a:scrgbClr r="0" g="0" b="0"/>
+      </a:lnRef>
+      <a:fillRef idx="1">
+        <a:scrgbClr r="0" g="0" b="0"/>
+      </a:fillRef>
+      <a:effectRef idx="0">
+        <a:scrgbClr r="0" g="0" b="0"/>
+      </a:effectRef>
+      <a:fontRef idx="minor"/>
+    </dgm:style>
+  </dgm:styleLbl>
+  <dgm:styleLbl name="solidFgAcc1">
+    <dgm:scene3d>
+      <a:camera prst="orthographicFront"/>
+      <a:lightRig rig="threePt" dir="t"/>
+    </dgm:scene3d>
+    <dgm:sp3d/>
+    <dgm:txPr/>
+    <dgm:style>
+      <a:lnRef idx="2">
+        <a:scrgbClr r="0" g="0" b="0"/>
+      </a:lnRef>
+      <a:fillRef idx="1">
+        <a:scrgbClr r="0" g="0" b="0"/>
+      </a:fillRef>
+      <a:effectRef idx="0">
+        <a:scrgbClr r="0" g="0" b="0"/>
+      </a:effectRef>
+      <a:fontRef idx="minor"/>
+    </dgm:style>
+  </dgm:styleLbl>
+  <dgm:styleLbl name="solidAlignAcc1">
+    <dgm:scene3d>
+      <a:camera prst="orthographicFront"/>
+      <a:lightRig rig="threePt" dir="t"/>
+    </dgm:scene3d>
+    <dgm:sp3d/>
+    <dgm:txPr/>
+    <dgm:style>
+      <a:lnRef idx="2">
+        <a:scrgbClr r="0" g="0" b="0"/>
+      </a:lnRef>
+      <a:fillRef idx="1">
+        <a:scrgbClr r="0" g="0" b="0"/>
+      </a:fillRef>
+      <a:effectRef idx="0">
+        <a:scrgbClr r="0" g="0" b="0"/>
+      </a:effectRef>
+      <a:fontRef idx="minor"/>
+    </dgm:style>
+  </dgm:styleLbl>
+  <dgm:styleLbl name="solidBgAcc1">
+    <dgm:scene3d>
+      <a:camera prst="orthographicFront"/>
+      <a:lightRig rig="threePt" dir="t"/>
+    </dgm:scene3d>
+    <dgm:sp3d/>
+    <dgm:txPr/>
+    <dgm:style>
+      <a:lnRef idx="2">
+        <a:scrgbClr r="0" g="0" b="0"/>
+      </a:lnRef>
+      <a:fillRef idx="1">
+        <a:scrgbClr r="0" g="0" b="0"/>
+      </a:fillRef>
+      <a:effectRef idx="0">
+        <a:scrgbClr r="0" g="0" b="0"/>
+      </a:effectRef>
+      <a:fontRef idx="minor"/>
+    </dgm:style>
+  </dgm:styleLbl>
+  <dgm:styleLbl name="fgAccFollowNode1">
+    <dgm:scene3d>
+      <a:camera prst="orthographicFront"/>
+      <a:lightRig rig="threePt" dir="t"/>
+    </dgm:scene3d>
+    <dgm:sp3d/>
+    <dgm:txPr/>
+    <dgm:style>
+      <a:lnRef idx="2">
+        <a:scrgbClr r="0" g="0" b="0"/>
+      </a:lnRef>
+      <a:fillRef idx="1">
+        <a:scrgbClr r="0" g="0" b="0"/>
+      </a:fillRef>
+      <a:effectRef idx="0">
+        <a:scrgbClr r="0" g="0" b="0"/>
+      </a:effectRef>
+      <a:fontRef idx="minor"/>
+    </dgm:style>
+  </dgm:styleLbl>
+  <dgm:styleLbl name="alignAccFollowNode1">
+    <dgm:scene3d>
+      <a:camera prst="orthographicFront"/>
+      <a:lightRig rig="threePt" dir="t"/>
+    </dgm:scene3d>
+    <dgm:sp3d/>
+    <dgm:txPr/>
+    <dgm:style>
+      <a:lnRef idx="2">
+        <a:scrgbClr r="0" g="0" b="0"/>
+      </a:lnRef>
+      <a:fillRef idx="1">
+        <a:scrgbClr r="0" g="0" b="0"/>
+      </a:fillRef>
+      <a:effectRef idx="0">
+        <a:scrgbClr r="0" g="0" b="0"/>
+      </a:effectRef>
+      <a:fontRef idx="minor"/>
+    </dgm:style>
+  </dgm:styleLbl>
+  <dgm:styleLbl name="bgAccFollowNode1">
+    <dgm:scene3d>
+      <a:camera prst="orthographicFront"/>
+      <a:lightRig rig="threePt" dir="t"/>
+    </dgm:scene3d>
+    <dgm:sp3d/>
+    <dgm:txPr/>
+    <dgm:style>
+      <a:lnRef idx="2">
+        <a:scrgbClr r="0" g="0" b="0"/>
+      </a:lnRef>
+      <a:fillRef idx="1">
+        <a:scrgbClr r="0" g="0" b="0"/>
+      </a:fillRef>
+      <a:effectRef idx="0">
+        <a:scrgbClr r="0" g="0" b="0"/>
+      </a:effectRef>
+      <a:fontRef idx="minor"/>
+    </dgm:style>
+  </dgm:styleLbl>
+  <dgm:styleLbl name="fgAcc0">
+    <dgm:scene3d>
+      <a:camera prst="orthographicFront"/>
+      <a:lightRig rig="threePt" dir="t"/>
+    </dgm:scene3d>
+    <dgm:sp3d/>
+    <dgm:txPr/>
+    <dgm:style>
+      <a:lnRef idx="2">
+        <a:scrgbClr r="0" g="0" b="0"/>
+      </a:lnRef>
+      <a:fillRef idx="1">
+        <a:scrgbClr r="0" g="0" b="0"/>
+      </a:fillRef>
+      <a:effectRef idx="0">
+        <a:scrgbClr r="0" g="0" b="0"/>
+      </a:effectRef>
+      <a:fontRef idx="minor"/>
+    </dgm:style>
+  </dgm:styleLbl>
+  <dgm:styleLbl name="fgAcc2">
+    <dgm:scene3d>
+      <a:camera prst="orthographicFront"/>
+      <a:lightRig rig="threePt" dir="t"/>
+    </dgm:scene3d>
+    <dgm:sp3d/>
+    <dgm:txPr/>
+    <dgm:style>
+      <a:lnRef idx="2">
+        <a:scrgbClr r="0" g="0" b="0"/>
+      </a:lnRef>
+      <a:fillRef idx="1">
+        <a:scrgbClr r="0" g="0" b="0"/>
+      </a:fillRef>
+      <a:effectRef idx="0">
+        <a:scrgbClr r="0" g="0" b="0"/>
+      </a:effectRef>
+      <a:fontRef idx="minor"/>
+    </dgm:style>
+  </dgm:styleLbl>
+  <dgm:styleLbl name="fgAcc3">
+    <dgm:scene3d>
+      <a:camera prst="orthographicFront"/>
+      <a:lightRig rig="threePt" dir="t"/>
+    </dgm:scene3d>
+    <dgm:sp3d/>
+    <dgm:txPr/>
+    <dgm:style>
+      <a:lnRef idx="2">
+        <a:scrgbClr r="0" g="0" b="0"/>
+      </a:lnRef>
+      <a:fillRef idx="1">
+        <a:scrgbClr r="0" g="0" b="0"/>
+      </a:fillRef>
+      <a:effectRef idx="0">
+        <a:scrgbClr r="0" g="0" b="0"/>
+      </a:effectRef>
+      <a:fontRef idx="minor"/>
+    </dgm:style>
+  </dgm:styleLbl>
+  <dgm:styleLbl name="fgAcc4">
+    <dgm:scene3d>
+      <a:camera prst="orthographicFront"/>
+      <a:lightRig rig="threePt" dir="t"/>
+    </dgm:scene3d>
+    <dgm:sp3d/>
+    <dgm:txPr/>
+    <dgm:style>
+      <a:lnRef idx="2">
+        <a:scrgbClr r="0" g="0" b="0"/>
+      </a:lnRef>
+      <a:fillRef idx="1">
+        <a:scrgbClr r="0" g="0" b="0"/>
+      </a:fillRef>
+      <a:effectRef idx="0">
+        <a:scrgbClr r="0" g="0" b="0"/>
+      </a:effectRef>
+      <a:fontRef idx="minor"/>
+    </dgm:style>
+  </dgm:styleLbl>
+  <dgm:styleLbl name="bgShp">
+    <dgm:scene3d>
+      <a:camera prst="orthographicFront"/>
+      <a:lightRig rig="threePt" dir="t"/>
+    </dgm:scene3d>
+    <dgm:sp3d/>
+    <dgm:txPr/>
+    <dgm:style>
+      <a:lnRef idx="0">
+        <a:scrgbClr r="0" g="0" b="0"/>
+      </a:lnRef>
+      <a:fillRef idx="1">
+        <a:scrgbClr r="0" g="0" b="0"/>
+      </a:fillRef>
+      <a:effectRef idx="0">
+        <a:scrgbClr r="0" g="0" b="0"/>
+      </a:effectRef>
+      <a:fontRef idx="minor"/>
+    </dgm:style>
+  </dgm:styleLbl>
+  <dgm:styleLbl name="dkBgShp">
+    <dgm:scene3d>
+      <a:camera prst="orthographicFront"/>
+      <a:lightRig rig="threePt" dir="t"/>
+    </dgm:scene3d>
+    <dgm:sp3d/>
+    <dgm:txPr/>
+    <dgm:style>
+      <a:lnRef idx="0">
+        <a:scrgbClr r="0" g="0" b="0"/>
+      </a:lnRef>
+      <a:fillRef idx="1">
+        <a:scrgbClr r="0" g="0" b="0"/>
+      </a:fillRef>
+      <a:effectRef idx="0">
+        <a:scrgbClr r="0" g="0" b="0"/>
+      </a:effectRef>
+      <a:fontRef idx="minor"/>
+    </dgm:style>
+  </dgm:styleLbl>
+  <dgm:styleLbl name="trBgShp">
+    <dgm:scene3d>
+      <a:camera prst="orthographicFront"/>
+      <a:lightRig rig="threePt" dir="t"/>
+    </dgm:scene3d>
+    <dgm:sp3d/>
+    <dgm:txPr/>
+    <dgm:style>
+      <a:lnRef idx="0">
+        <a:scrgbClr r="0" g="0" b="0"/>
+      </a:lnRef>
+      <a:fillRef idx="1">
+        <a:scrgbClr r="0" g="0" b="0"/>
+      </a:fillRef>
+      <a:effectRef idx="0">
+        <a:scrgbClr r="0" g="0" b="0"/>
+      </a:effectRef>
+      <a:fontRef idx="minor"/>
+    </dgm:style>
+  </dgm:styleLbl>
+  <dgm:styleLbl name="fgShp">
+    <dgm:scene3d>
+      <a:camera prst="orthographicFront"/>
+      <a:lightRig rig="threePt" dir="t"/>
+    </dgm:scene3d>
+    <dgm:sp3d/>
+    <dgm:txPr/>
+    <dgm:style>
+      <a:lnRef idx="2">
+        <a:scrgbClr r="0" g="0" b="0"/>
+      </a:lnRef>
+      <a:fillRef idx="1">
+        <a:scrgbClr r="0" g="0" b="0"/>
+      </a:fillRef>
+      <a:effectRef idx="0">
+        <a:scrgbClr r="0" g="0" b="0"/>
+      </a:effectRef>
+      <a:fontRef idx="minor"/>
+    </dgm:style>
+  </dgm:styleLbl>
+  <dgm:styleLbl name="revTx">
+    <dgm:scene3d>
+      <a:camera prst="orthographicFront"/>
+      <a:lightRig rig="threePt" dir="t"/>
+    </dgm:scene3d>
+    <dgm:sp3d/>
+    <dgm:txPr/>
+    <dgm:style>
+      <a:lnRef idx="0">
+        <a:scrgbClr r="0" g="0" b="0"/>
+      </a:lnRef>
+      <a:fillRef idx="0">
+        <a:scrgbClr r="0" g="0" b="0"/>
+      </a:fillRef>
+      <a:effectRef idx="0">
+        <a:scrgbClr r="0" g="0" b="0"/>
+      </a:effectRef>
+      <a:fontRef idx="minor"/>
+    </dgm:style>
+  </dgm:styleLbl>
+</dgm:styleDef>
 </file>
 
 <file path=ppt/slideLayouts/slideLayout1.xml><?xml version="1.0" encoding="utf-8"?>
@@ -870,7 +3732,7 @@
           <a:p>
             <a:fld id="{C9E40452-9F23-4FB6-99B5-E2851CD6035C}" type="datetimeFigureOut">
               <a:rPr lang="en-US" smtClean="0"/>
-              <a:t>1/16/2020</a:t>
+              <a:t>1/17/2020</a:t>
             </a:fld>
             <a:endParaRPr lang="en-US"/>
           </a:p>
@@ -1122,7 +3984,7 @@
             <a:fld id="{B61BEF0D-F0BB-DE4B-95CE-6DB70DBA9567}" type="datetimeFigureOut">
               <a:rPr lang="en-US" smtClean="0"/>
               <a:pPr/>
-              <a:t>1/16/2020</a:t>
+              <a:t>1/17/2020</a:t>
             </a:fld>
             <a:endParaRPr lang="en-US" dirty="0"/>
           </a:p>
@@ -1437,7 +4299,7 @@
             <a:fld id="{B61BEF0D-F0BB-DE4B-95CE-6DB70DBA9567}" type="datetimeFigureOut">
               <a:rPr lang="en-US" smtClean="0"/>
               <a:pPr/>
-              <a:t>1/16/2020</a:t>
+              <a:t>1/17/2020</a:t>
             </a:fld>
             <a:endParaRPr lang="en-US" dirty="0"/>
           </a:p>
@@ -1771,7 +4633,7 @@
             <a:fld id="{B61BEF0D-F0BB-DE4B-95CE-6DB70DBA9567}" type="datetimeFigureOut">
               <a:rPr lang="en-US" smtClean="0"/>
               <a:pPr/>
-              <a:t>1/16/2020</a:t>
+              <a:t>1/17/2020</a:t>
             </a:fld>
             <a:endParaRPr lang="en-US" dirty="0"/>
           </a:p>
@@ -2086,7 +4948,7 @@
             <a:fld id="{B61BEF0D-F0BB-DE4B-95CE-6DB70DBA9567}" type="datetimeFigureOut">
               <a:rPr lang="en-US" smtClean="0"/>
               <a:pPr/>
-              <a:t>1/16/2020</a:t>
+              <a:t>1/17/2020</a:t>
             </a:fld>
             <a:endParaRPr lang="en-US" dirty="0"/>
           </a:p>
@@ -2480,7 +5342,7 @@
             <a:fld id="{B61BEF0D-F0BB-DE4B-95CE-6DB70DBA9567}" type="datetimeFigureOut">
               <a:rPr lang="en-US" smtClean="0"/>
               <a:pPr/>
-              <a:t>1/16/2020</a:t>
+              <a:t>1/17/2020</a:t>
             </a:fld>
             <a:endParaRPr lang="en-US" dirty="0"/>
           </a:p>
@@ -2650,7 +5512,7 @@
           <a:p>
             <a:fld id="{55C6B4A9-1611-4792-9094-5F34BCA07E0B}" type="datetimeFigureOut">
               <a:rPr lang="en-US" smtClean="0"/>
-              <a:t>1/16/2020</a:t>
+              <a:t>1/17/2020</a:t>
             </a:fld>
             <a:endParaRPr lang="en-US" dirty="0"/>
           </a:p>
@@ -2831,7 +5693,7 @@
             <a:fld id="{B61BEF0D-F0BB-DE4B-95CE-6DB70DBA9567}" type="datetimeFigureOut">
               <a:rPr lang="en-US" smtClean="0"/>
               <a:pPr/>
-              <a:t>1/16/2020</a:t>
+              <a:t>1/17/2020</a:t>
             </a:fld>
             <a:endParaRPr lang="en-US" dirty="0"/>
           </a:p>
@@ -3001,7 +5863,7 @@
           <a:p>
             <a:fld id="{C9E40452-9F23-4FB6-99B5-E2851CD6035C}" type="datetimeFigureOut">
               <a:rPr lang="en-US" smtClean="0"/>
-              <a:t>1/16/2020</a:t>
+              <a:t>1/17/2020</a:t>
             </a:fld>
             <a:endParaRPr lang="en-US"/>
           </a:p>
@@ -3249,7 +6111,7 @@
             <a:fld id="{B61BEF0D-F0BB-DE4B-95CE-6DB70DBA9567}" type="datetimeFigureOut">
               <a:rPr lang="en-US" smtClean="0"/>
               <a:pPr/>
-              <a:t>1/16/2020</a:t>
+              <a:t>1/17/2020</a:t>
             </a:fld>
             <a:endParaRPr lang="en-US" dirty="0"/>
           </a:p>
@@ -3481,7 +6343,7 @@
           <a:p>
             <a:fld id="{EB712588-04B1-427B-82EE-E8DB90309F08}" type="datetimeFigureOut">
               <a:rPr lang="en-US" smtClean="0"/>
-              <a:t>1/16/2020</a:t>
+              <a:t>1/17/2020</a:t>
             </a:fld>
             <a:endParaRPr lang="en-US" dirty="0"/>
           </a:p>
@@ -3856,7 +6718,7 @@
             <a:fld id="{B61BEF0D-F0BB-DE4B-95CE-6DB70DBA9567}" type="datetimeFigureOut">
               <a:rPr lang="en-US" smtClean="0"/>
               <a:pPr/>
-              <a:t>1/16/2020</a:t>
+              <a:t>1/17/2020</a:t>
             </a:fld>
             <a:endParaRPr lang="en-US" dirty="0"/>
           </a:p>
@@ -3980,7 +6842,7 @@
             <a:fld id="{B61BEF0D-F0BB-DE4B-95CE-6DB70DBA9567}" type="datetimeFigureOut">
               <a:rPr lang="en-US" smtClean="0"/>
               <a:pPr/>
-              <a:t>1/16/2020</a:t>
+              <a:t>1/17/2020</a:t>
             </a:fld>
             <a:endParaRPr lang="en-US" dirty="0"/>
           </a:p>
@@ -4076,7 +6938,7 @@
             <a:fld id="{B61BEF0D-F0BB-DE4B-95CE-6DB70DBA9567}" type="datetimeFigureOut">
               <a:rPr lang="en-US" smtClean="0"/>
               <a:pPr/>
-              <a:t>1/16/2020</a:t>
+              <a:t>1/17/2020</a:t>
             </a:fld>
             <a:endParaRPr lang="en-US" dirty="0"/>
           </a:p>
@@ -4331,7 +7193,7 @@
           <a:p>
             <a:fld id="{42A54C80-263E-416B-A8E0-580EDEADCBDC}" type="datetimeFigureOut">
               <a:rPr lang="en-US" smtClean="0"/>
-              <a:t>1/16/2020</a:t>
+              <a:t>1/17/2020</a:t>
             </a:fld>
             <a:endParaRPr lang="en-US" dirty="0"/>
           </a:p>
@@ -4637,7 +7499,7 @@
             <a:fld id="{B61BEF0D-F0BB-DE4B-95CE-6DB70DBA9567}" type="datetimeFigureOut">
               <a:rPr lang="en-US" smtClean="0"/>
               <a:pPr/>
-              <a:t>1/16/2020</a:t>
+              <a:t>1/17/2020</a:t>
             </a:fld>
             <a:endParaRPr lang="en-US" dirty="0"/>
           </a:p>
@@ -5340,7 +8202,7 @@
             <a:fld id="{B61BEF0D-F0BB-DE4B-95CE-6DB70DBA9567}" type="datetimeFigureOut">
               <a:rPr lang="en-US" smtClean="0"/>
               <a:pPr/>
-              <a:t>1/16/2020</a:t>
+              <a:t>1/17/2020</a:t>
             </a:fld>
             <a:endParaRPr lang="en-US" dirty="0"/>
           </a:p>
@@ -5976,6 +8838,13 @@
   <p:clrMapOvr>
     <a:masterClrMapping/>
   </p:clrMapOvr>
+  <p:timing>
+    <p:tnLst>
+      <p:par>
+        <p:cTn id="1" dur="indefinite" restart="never" nodeType="tmRoot"/>
+      </p:par>
+    </p:tnLst>
+  </p:timing>
 </p:sld>
 </file>
 
@@ -6001,7 +8870,7 @@
           <p:cNvPr id="4" name="TextBox 3">
             <a:extLst>
               <a:ext uri="{FF2B5EF4-FFF2-40B4-BE49-F238E27FC236}">
-                <a16:creationId xmlns:a16="http://schemas.microsoft.com/office/drawing/2014/main" id="{44C69411-323C-4881-9727-9DB958142331}"/>
+                <a16:creationId xmlns:a16="http://schemas.microsoft.com/office/drawing/2014/main" xmlns="" id="{44C69411-323C-4881-9727-9DB958142331}"/>
               </a:ext>
             </a:extLst>
           </p:cNvPr>
@@ -6025,15 +8894,22 @@
           <a:lstStyle/>
           <a:p>
             <a:r>
-              <a:rPr lang="en-IN" sz="5400" dirty="0">
+              <a:rPr lang="en-IN" sz="5400" dirty="0" smtClean="0">
                 <a:solidFill>
                   <a:schemeClr val="accent1"/>
                 </a:solidFill>
                 <a:latin typeface="Aharoni" panose="02010803020104030203" pitchFamily="2" charset="-79"/>
                 <a:cs typeface="Aharoni" panose="02010803020104030203" pitchFamily="2" charset="-79"/>
               </a:rPr>
-              <a:t>FULL STACK ARCHITECTURE</a:t>
-            </a:r>
+              <a:t>FLOW OF APPLICATION</a:t>
+            </a:r>
+            <a:endParaRPr lang="en-IN" sz="5400" dirty="0">
+              <a:solidFill>
+                <a:schemeClr val="accent1"/>
+              </a:solidFill>
+              <a:latin typeface="Aharoni" panose="02010803020104030203" pitchFamily="2" charset="-79"/>
+              <a:cs typeface="Aharoni" panose="02010803020104030203" pitchFamily="2" charset="-79"/>
+            </a:endParaRPr>
           </a:p>
         </p:txBody>
       </p:sp>
@@ -6042,7 +8918,7 @@
           <p:cNvPr id="6" name="Picture 5">
             <a:extLst>
               <a:ext uri="{FF2B5EF4-FFF2-40B4-BE49-F238E27FC236}">
-                <a16:creationId xmlns:a16="http://schemas.microsoft.com/office/drawing/2014/main" id="{8AC4FBF2-0242-441F-918D-B2FC12B476CF}"/>
+                <a16:creationId xmlns:a16="http://schemas.microsoft.com/office/drawing/2014/main" xmlns="" id="{8AC4FBF2-0242-441F-918D-B2FC12B476CF}"/>
               </a:ext>
             </a:extLst>
           </p:cNvPr>
@@ -6083,158 +8959,17 @@
   <p:clrMapOvr>
     <a:masterClrMapping/>
   </p:clrMapOvr>
+  <p:timing>
+    <p:tnLst>
+      <p:par>
+        <p:cTn id="1" dur="indefinite" restart="never" nodeType="tmRoot"/>
+      </p:par>
+    </p:tnLst>
+  </p:timing>
 </p:sld>
 </file>
 
 <file path=ppt/slides/slide11.xml><?xml version="1.0" encoding="utf-8"?>
-<p:sld xmlns:a="http://schemas.openxmlformats.org/drawingml/2006/main" xmlns:r="http://schemas.openxmlformats.org/officeDocument/2006/relationships" xmlns:p="http://schemas.openxmlformats.org/presentationml/2006/main">
-  <p:cSld>
-    <p:spTree>
-      <p:nvGrpSpPr>
-        <p:cNvPr id="1" name=""/>
-        <p:cNvGrpSpPr/>
-        <p:nvPr/>
-      </p:nvGrpSpPr>
-      <p:grpSpPr>
-        <a:xfrm>
-          <a:off x="0" y="0"/>
-          <a:ext cx="0" cy="0"/>
-          <a:chOff x="0" y="0"/>
-          <a:chExt cx="0" cy="0"/>
-        </a:xfrm>
-      </p:grpSpPr>
-      <p:sp>
-        <p:nvSpPr>
-          <p:cNvPr id="4" name="TextBox 3">
-            <a:extLst>
-              <a:ext uri="{FF2B5EF4-FFF2-40B4-BE49-F238E27FC236}">
-                <a16:creationId xmlns:a16="http://schemas.microsoft.com/office/drawing/2014/main" id="{187E1759-07CE-4DF9-9EC0-35E07E841DE8}"/>
-              </a:ext>
-            </a:extLst>
-          </p:cNvPr>
-          <p:cNvSpPr txBox="1"/>
-          <p:nvPr/>
-        </p:nvSpPr>
-        <p:spPr>
-          <a:xfrm>
-            <a:off x="0" y="0"/>
-            <a:ext cx="12192000" cy="5570756"/>
-          </a:xfrm>
-          <a:prstGeom prst="rect">
-            <a:avLst/>
-          </a:prstGeom>
-          <a:noFill/>
-        </p:spPr>
-        <p:txBody>
-          <a:bodyPr wrap="square" rtlCol="0">
-            <a:spAutoFit/>
-          </a:bodyPr>
-          <a:lstStyle/>
-          <a:p>
-            <a:r>
-              <a:rPr lang="en-IN" sz="5400" dirty="0">
-                <a:solidFill>
-                  <a:schemeClr val="accent1"/>
-                </a:solidFill>
-                <a:latin typeface="Aharoni" panose="02010803020104030203" pitchFamily="2" charset="-79"/>
-                <a:cs typeface="Aharoni" panose="02010803020104030203" pitchFamily="2" charset="-79"/>
-              </a:rPr>
-              <a:t>SCOPE AND CONCLUSION</a:t>
-            </a:r>
-          </a:p>
-          <a:p>
-            <a:endParaRPr lang="en-IN" sz="5400" dirty="0">
-              <a:solidFill>
-                <a:schemeClr val="accent1"/>
-              </a:solidFill>
-              <a:latin typeface="Aharoni" panose="02010803020104030203" pitchFamily="2" charset="-79"/>
-              <a:cs typeface="Aharoni" panose="02010803020104030203" pitchFamily="2" charset="-79"/>
-            </a:endParaRPr>
-          </a:p>
-          <a:p>
-            <a:r>
-              <a:rPr lang="en-IN" sz="3600" dirty="0">
-                <a:latin typeface="Times New Roman" panose="02020603050405020304" pitchFamily="18" charset="0"/>
-                <a:cs typeface="Times New Roman" panose="02020603050405020304" pitchFamily="18" charset="0"/>
-              </a:rPr>
-              <a:t>Scope:</a:t>
-            </a:r>
-            <a:r>
-              <a:rPr lang="en-IN" sz="3200" dirty="0">
-                <a:latin typeface="Times New Roman" panose="02020603050405020304" pitchFamily="18" charset="0"/>
-                <a:cs typeface="Times New Roman" panose="02020603050405020304" pitchFamily="18" charset="0"/>
-              </a:rPr>
-              <a:t> </a:t>
-            </a:r>
-          </a:p>
-          <a:p>
-            <a:r>
-              <a:rPr lang="en-IN" sz="2800" dirty="0">
-                <a:latin typeface="Times New Roman" panose="02020603050405020304" pitchFamily="18" charset="0"/>
-                <a:cs typeface="Times New Roman" panose="02020603050405020304" pitchFamily="18" charset="0"/>
-              </a:rPr>
-              <a:t>The project can be implemented in commercial transactions – ordering ,</a:t>
-            </a:r>
-          </a:p>
-          <a:p>
-            <a:r>
-              <a:rPr lang="en-IN" sz="2800" dirty="0">
-                <a:latin typeface="Times New Roman" panose="02020603050405020304" pitchFamily="18" charset="0"/>
-                <a:cs typeface="Times New Roman" panose="02020603050405020304" pitchFamily="18" charset="0"/>
-              </a:rPr>
-              <a:t>Delivery, payments, etc.	</a:t>
-            </a:r>
-            <a:endParaRPr lang="en-IN" sz="3200" dirty="0">
-              <a:latin typeface="Times New Roman" panose="02020603050405020304" pitchFamily="18" charset="0"/>
-              <a:cs typeface="Times New Roman" panose="02020603050405020304" pitchFamily="18" charset="0"/>
-            </a:endParaRPr>
-          </a:p>
-          <a:p>
-            <a:endParaRPr lang="en-IN" sz="3200" dirty="0">
-              <a:latin typeface="Times New Roman" panose="02020603050405020304" pitchFamily="18" charset="0"/>
-              <a:cs typeface="Times New Roman" panose="02020603050405020304" pitchFamily="18" charset="0"/>
-            </a:endParaRPr>
-          </a:p>
-          <a:p>
-            <a:r>
-              <a:rPr lang="en-IN" sz="3600" dirty="0">
-                <a:latin typeface="Times New Roman" panose="02020603050405020304" pitchFamily="18" charset="0"/>
-                <a:cs typeface="Times New Roman" panose="02020603050405020304" pitchFamily="18" charset="0"/>
-              </a:rPr>
-              <a:t>Conclusion:</a:t>
-            </a:r>
-          </a:p>
-          <a:p>
-            <a:r>
-              <a:rPr lang="en-IN" sz="2800" dirty="0">
-                <a:latin typeface="Times New Roman" panose="02020603050405020304" pitchFamily="18" charset="0"/>
-                <a:cs typeface="Times New Roman" panose="02020603050405020304" pitchFamily="18" charset="0"/>
-              </a:rPr>
-              <a:t>This shopping cart application will allow the customers to search and buy the products they want.	</a:t>
-            </a:r>
-          </a:p>
-          <a:p>
-            <a:endParaRPr lang="en-IN" sz="3200" dirty="0">
-              <a:latin typeface="Times New Roman" panose="02020603050405020304" pitchFamily="18" charset="0"/>
-              <a:cs typeface="Times New Roman" panose="02020603050405020304" pitchFamily="18" charset="0"/>
-            </a:endParaRPr>
-          </a:p>
-        </p:txBody>
-      </p:sp>
-    </p:spTree>
-    <p:extLst>
-      <p:ext uri="{BB962C8B-B14F-4D97-AF65-F5344CB8AC3E}">
-        <p14:creationId xmlns:p14="http://schemas.microsoft.com/office/powerpoint/2010/main" val="1874507397"/>
-      </p:ext>
-    </p:extLst>
-  </p:cSld>
-  <p:clrMapOvr>
-    <a:masterClrMapping/>
-  </p:clrMapOvr>
-</p:sld>
-</file>
-
-<file path=ppt/slides/slide12.xml><?xml version="1.0" encoding="utf-8"?>
 <p:sld xmlns:a="http://schemas.openxmlformats.org/drawingml/2006/main" xmlns:r="http://schemas.openxmlformats.org/officeDocument/2006/relationships" xmlns:p="http://schemas.openxmlformats.org/presentationml/2006/main" showMasterSp="0">
   <p:cSld>
     <p:spTree>
@@ -6256,7 +8991,7 @@
           <p:cNvPr id="4" name="TextBox 3">
             <a:extLst>
               <a:ext uri="{FF2B5EF4-FFF2-40B4-BE49-F238E27FC236}">
-                <a16:creationId xmlns:a16="http://schemas.microsoft.com/office/drawing/2014/main" id="{03C69FD6-E991-4305-9F80-0F0E71264795}"/>
+                <a16:creationId xmlns:a16="http://schemas.microsoft.com/office/drawing/2014/main" xmlns="" id="{03C69FD6-E991-4305-9F80-0F0E71264795}"/>
               </a:ext>
             </a:extLst>
           </p:cNvPr>
@@ -6297,7 +9032,7 @@
           <p:cNvPr id="6" name="Picture 5">
             <a:extLst>
               <a:ext uri="{FF2B5EF4-FFF2-40B4-BE49-F238E27FC236}">
-                <a16:creationId xmlns:a16="http://schemas.microsoft.com/office/drawing/2014/main" id="{6E68CA71-4CCB-4476-AA55-BA9088732F5F}"/>
+                <a16:creationId xmlns:a16="http://schemas.microsoft.com/office/drawing/2014/main" xmlns="" id="{6E68CA71-4CCB-4476-AA55-BA9088732F5F}"/>
               </a:ext>
             </a:extLst>
           </p:cNvPr>
@@ -6338,10 +9073,17 @@
   <p:clrMapOvr>
     <a:masterClrMapping/>
   </p:clrMapOvr>
+  <p:timing>
+    <p:tnLst>
+      <p:par>
+        <p:cTn id="1" dur="indefinite" restart="never" nodeType="tmRoot"/>
+      </p:par>
+    </p:tnLst>
+  </p:timing>
 </p:sld>
 </file>
 
-<file path=ppt/slides/slide13.xml><?xml version="1.0" encoding="utf-8"?>
+<file path=ppt/slides/slide12.xml><?xml version="1.0" encoding="utf-8"?>
 <p:sld xmlns:a="http://schemas.openxmlformats.org/drawingml/2006/main" xmlns:r="http://schemas.openxmlformats.org/officeDocument/2006/relationships" xmlns:p="http://schemas.openxmlformats.org/presentationml/2006/main" showMasterSp="0">
   <p:cSld>
     <p:spTree>
@@ -6363,7 +9105,7 @@
           <p:cNvPr id="5" name="Picture 4">
             <a:extLst>
               <a:ext uri="{FF2B5EF4-FFF2-40B4-BE49-F238E27FC236}">
-                <a16:creationId xmlns:a16="http://schemas.microsoft.com/office/drawing/2014/main" id="{48796145-B73C-443B-8554-E5DB419E5C30}"/>
+                <a16:creationId xmlns:a16="http://schemas.microsoft.com/office/drawing/2014/main" xmlns="" id="{48796145-B73C-443B-8554-E5DB419E5C30}"/>
               </a:ext>
             </a:extLst>
           </p:cNvPr>
@@ -6404,10 +9146,151 @@
   <p:clrMapOvr>
     <a:masterClrMapping/>
   </p:clrMapOvr>
+  <p:timing>
+    <p:tnLst>
+      <p:par>
+        <p:cTn id="1" dur="indefinite" restart="never" nodeType="tmRoot"/>
+      </p:par>
+    </p:tnLst>
+  </p:timing>
+</p:sld>
+</file>
+
+<file path=ppt/slides/slide13.xml><?xml version="1.0" encoding="utf-8"?>
+<p:sld xmlns:a="http://schemas.openxmlformats.org/drawingml/2006/main" xmlns:r="http://schemas.openxmlformats.org/officeDocument/2006/relationships" xmlns:p="http://schemas.openxmlformats.org/presentationml/2006/main" showMasterSp="0">
+  <p:cSld>
+    <p:spTree>
+      <p:nvGrpSpPr>
+        <p:cNvPr id="1" name=""/>
+        <p:cNvGrpSpPr/>
+        <p:nvPr/>
+      </p:nvGrpSpPr>
+      <p:grpSpPr>
+        <a:xfrm>
+          <a:off x="0" y="0"/>
+          <a:ext cx="0" cy="0"/>
+          <a:chOff x="0" y="0"/>
+          <a:chExt cx="0" cy="0"/>
+        </a:xfrm>
+      </p:grpSpPr>
+      <p:pic>
+        <p:nvPicPr>
+          <p:cNvPr id="4" name="Picture 3"/>
+          <p:cNvPicPr>
+            <a:picLocks noChangeAspect="1"/>
+          </p:cNvPicPr>
+          <p:nvPr/>
+        </p:nvPicPr>
+        <p:blipFill>
+          <a:blip r:embed="rId2">
+            <a:extLst>
+              <a:ext uri="{28A0092B-C50C-407E-A947-70E740481C1C}">
+                <a14:useLocalDpi xmlns:a14="http://schemas.microsoft.com/office/drawing/2010/main" val="0"/>
+              </a:ext>
+            </a:extLst>
+          </a:blip>
+          <a:stretch>
+            <a:fillRect/>
+          </a:stretch>
+        </p:blipFill>
+        <p:spPr>
+          <a:xfrm>
+            <a:off x="1581016" y="412124"/>
+            <a:ext cx="8984391" cy="6156102"/>
+          </a:xfrm>
+          <a:prstGeom prst="rect">
+            <a:avLst/>
+          </a:prstGeom>
+        </p:spPr>
+      </p:pic>
+    </p:spTree>
+    <p:extLst>
+      <p:ext uri="{BB962C8B-B14F-4D97-AF65-F5344CB8AC3E}">
+        <p14:creationId xmlns:p14="http://schemas.microsoft.com/office/powerpoint/2010/main" val="2989200649"/>
+      </p:ext>
+    </p:extLst>
+  </p:cSld>
+  <p:clrMapOvr>
+    <a:masterClrMapping/>
+  </p:clrMapOvr>
+  <p:timing>
+    <p:tnLst>
+      <p:par>
+        <p:cTn id="1" dur="indefinite" restart="never" nodeType="tmRoot"/>
+      </p:par>
+    </p:tnLst>
+  </p:timing>
 </p:sld>
 </file>
 
 <file path=ppt/slides/slide14.xml><?xml version="1.0" encoding="utf-8"?>
+<p:sld xmlns:a="http://schemas.openxmlformats.org/drawingml/2006/main" xmlns:r="http://schemas.openxmlformats.org/officeDocument/2006/relationships" xmlns:p="http://schemas.openxmlformats.org/presentationml/2006/main" showMasterSp="0">
+  <p:cSld>
+    <p:spTree>
+      <p:nvGrpSpPr>
+        <p:cNvPr id="1" name=""/>
+        <p:cNvGrpSpPr/>
+        <p:nvPr/>
+      </p:nvGrpSpPr>
+      <p:grpSpPr>
+        <a:xfrm>
+          <a:off x="0" y="0"/>
+          <a:ext cx="0" cy="0"/>
+          <a:chOff x="0" y="0"/>
+          <a:chExt cx="0" cy="0"/>
+        </a:xfrm>
+      </p:grpSpPr>
+      <p:pic>
+        <p:nvPicPr>
+          <p:cNvPr id="4" name="Picture 3"/>
+          <p:cNvPicPr>
+            <a:picLocks noChangeAspect="1"/>
+          </p:cNvPicPr>
+          <p:nvPr/>
+        </p:nvPicPr>
+        <p:blipFill>
+          <a:blip r:embed="rId2">
+            <a:extLst>
+              <a:ext uri="{28A0092B-C50C-407E-A947-70E740481C1C}">
+                <a14:useLocalDpi xmlns:a14="http://schemas.microsoft.com/office/drawing/2010/main" val="0"/>
+              </a:ext>
+            </a:extLst>
+          </a:blip>
+          <a:stretch>
+            <a:fillRect/>
+          </a:stretch>
+        </p:blipFill>
+        <p:spPr>
+          <a:xfrm>
+            <a:off x="1744450" y="372533"/>
+            <a:ext cx="8771150" cy="6041738"/>
+          </a:xfrm>
+          <a:prstGeom prst="rect">
+            <a:avLst/>
+          </a:prstGeom>
+        </p:spPr>
+      </p:pic>
+    </p:spTree>
+    <p:extLst>
+      <p:ext uri="{BB962C8B-B14F-4D97-AF65-F5344CB8AC3E}">
+        <p14:creationId xmlns:p14="http://schemas.microsoft.com/office/powerpoint/2010/main" val="3489773087"/>
+      </p:ext>
+    </p:extLst>
+  </p:cSld>
+  <p:clrMapOvr>
+    <a:masterClrMapping/>
+  </p:clrMapOvr>
+  <p:timing>
+    <p:tnLst>
+      <p:par>
+        <p:cTn id="1" dur="indefinite" restart="never" nodeType="tmRoot"/>
+      </p:par>
+    </p:tnLst>
+  </p:timing>
+</p:sld>
+</file>
+
+<file path=ppt/slides/slide15.xml><?xml version="1.0" encoding="utf-8"?>
 <p:sld xmlns:a="http://schemas.openxmlformats.org/drawingml/2006/main" xmlns:r="http://schemas.openxmlformats.org/officeDocument/2006/relationships" xmlns:p="http://schemas.openxmlformats.org/presentationml/2006/main">
   <p:cSld>
     <p:spTree>
@@ -6429,7 +9312,162 @@
           <p:cNvPr id="4" name="TextBox 3">
             <a:extLst>
               <a:ext uri="{FF2B5EF4-FFF2-40B4-BE49-F238E27FC236}">
-                <a16:creationId xmlns:a16="http://schemas.microsoft.com/office/drawing/2014/main" id="{39C56AA9-2232-4DBD-8876-CD63B5877055}"/>
+                <a16:creationId xmlns:a16="http://schemas.microsoft.com/office/drawing/2014/main" xmlns="" id="{187E1759-07CE-4DF9-9EC0-35E07E841DE8}"/>
+              </a:ext>
+            </a:extLst>
+          </p:cNvPr>
+          <p:cNvSpPr txBox="1"/>
+          <p:nvPr/>
+        </p:nvSpPr>
+        <p:spPr>
+          <a:xfrm>
+            <a:off x="0" y="0"/>
+            <a:ext cx="12192000" cy="5570756"/>
+          </a:xfrm>
+          <a:prstGeom prst="rect">
+            <a:avLst/>
+          </a:prstGeom>
+          <a:noFill/>
+        </p:spPr>
+        <p:txBody>
+          <a:bodyPr wrap="square" rtlCol="0">
+            <a:spAutoFit/>
+          </a:bodyPr>
+          <a:lstStyle/>
+          <a:p>
+            <a:r>
+              <a:rPr lang="en-IN" sz="5400" dirty="0">
+                <a:solidFill>
+                  <a:schemeClr val="accent1"/>
+                </a:solidFill>
+                <a:latin typeface="Aharoni" panose="02010803020104030203" pitchFamily="2" charset="-79"/>
+                <a:cs typeface="Aharoni" panose="02010803020104030203" pitchFamily="2" charset="-79"/>
+              </a:rPr>
+              <a:t>SCOPE AND CONCLUSION</a:t>
+            </a:r>
+          </a:p>
+          <a:p>
+            <a:endParaRPr lang="en-IN" sz="5400" dirty="0">
+              <a:solidFill>
+                <a:schemeClr val="accent1"/>
+              </a:solidFill>
+              <a:latin typeface="Aharoni" panose="02010803020104030203" pitchFamily="2" charset="-79"/>
+              <a:cs typeface="Aharoni" panose="02010803020104030203" pitchFamily="2" charset="-79"/>
+            </a:endParaRPr>
+          </a:p>
+          <a:p>
+            <a:r>
+              <a:rPr lang="en-IN" sz="3600" dirty="0">
+                <a:latin typeface="Times New Roman" panose="02020603050405020304" pitchFamily="18" charset="0"/>
+                <a:cs typeface="Times New Roman" panose="02020603050405020304" pitchFamily="18" charset="0"/>
+              </a:rPr>
+              <a:t>Scope:</a:t>
+            </a:r>
+            <a:r>
+              <a:rPr lang="en-IN" sz="3200" dirty="0">
+                <a:latin typeface="Times New Roman" panose="02020603050405020304" pitchFamily="18" charset="0"/>
+                <a:cs typeface="Times New Roman" panose="02020603050405020304" pitchFamily="18" charset="0"/>
+              </a:rPr>
+              <a:t> </a:t>
+            </a:r>
+          </a:p>
+          <a:p>
+            <a:r>
+              <a:rPr lang="en-IN" sz="2800" dirty="0">
+                <a:latin typeface="Times New Roman" panose="02020603050405020304" pitchFamily="18" charset="0"/>
+                <a:cs typeface="Times New Roman" panose="02020603050405020304" pitchFamily="18" charset="0"/>
+              </a:rPr>
+              <a:t>The project can be implemented in commercial transactions – ordering ,</a:t>
+            </a:r>
+          </a:p>
+          <a:p>
+            <a:r>
+              <a:rPr lang="en-IN" sz="2800" dirty="0">
+                <a:latin typeface="Times New Roman" panose="02020603050405020304" pitchFamily="18" charset="0"/>
+                <a:cs typeface="Times New Roman" panose="02020603050405020304" pitchFamily="18" charset="0"/>
+              </a:rPr>
+              <a:t>Delivery, payments, etc.	</a:t>
+            </a:r>
+            <a:endParaRPr lang="en-IN" sz="3200" dirty="0">
+              <a:latin typeface="Times New Roman" panose="02020603050405020304" pitchFamily="18" charset="0"/>
+              <a:cs typeface="Times New Roman" panose="02020603050405020304" pitchFamily="18" charset="0"/>
+            </a:endParaRPr>
+          </a:p>
+          <a:p>
+            <a:endParaRPr lang="en-IN" sz="3200" dirty="0">
+              <a:latin typeface="Times New Roman" panose="02020603050405020304" pitchFamily="18" charset="0"/>
+              <a:cs typeface="Times New Roman" panose="02020603050405020304" pitchFamily="18" charset="0"/>
+            </a:endParaRPr>
+          </a:p>
+          <a:p>
+            <a:r>
+              <a:rPr lang="en-IN" sz="3600" dirty="0">
+                <a:latin typeface="Times New Roman" panose="02020603050405020304" pitchFamily="18" charset="0"/>
+                <a:cs typeface="Times New Roman" panose="02020603050405020304" pitchFamily="18" charset="0"/>
+              </a:rPr>
+              <a:t>Conclusion:</a:t>
+            </a:r>
+          </a:p>
+          <a:p>
+            <a:r>
+              <a:rPr lang="en-IN" sz="2800" dirty="0">
+                <a:latin typeface="Times New Roman" panose="02020603050405020304" pitchFamily="18" charset="0"/>
+                <a:cs typeface="Times New Roman" panose="02020603050405020304" pitchFamily="18" charset="0"/>
+              </a:rPr>
+              <a:t>This shopping cart application will allow the customers to search and buy the products they want.	</a:t>
+            </a:r>
+          </a:p>
+          <a:p>
+            <a:endParaRPr lang="en-IN" sz="3200" dirty="0">
+              <a:latin typeface="Times New Roman" panose="02020603050405020304" pitchFamily="18" charset="0"/>
+              <a:cs typeface="Times New Roman" panose="02020603050405020304" pitchFamily="18" charset="0"/>
+            </a:endParaRPr>
+          </a:p>
+        </p:txBody>
+      </p:sp>
+    </p:spTree>
+    <p:extLst>
+      <p:ext uri="{BB962C8B-B14F-4D97-AF65-F5344CB8AC3E}">
+        <p14:creationId xmlns:p14="http://schemas.microsoft.com/office/powerpoint/2010/main" val="1874507397"/>
+      </p:ext>
+    </p:extLst>
+  </p:cSld>
+  <p:clrMapOvr>
+    <a:masterClrMapping/>
+  </p:clrMapOvr>
+  <p:timing>
+    <p:tnLst>
+      <p:par>
+        <p:cTn id="1" dur="indefinite" restart="never" nodeType="tmRoot"/>
+      </p:par>
+    </p:tnLst>
+  </p:timing>
+</p:sld>
+</file>
+
+<file path=ppt/slides/slide16.xml><?xml version="1.0" encoding="utf-8"?>
+<p:sld xmlns:a="http://schemas.openxmlformats.org/drawingml/2006/main" xmlns:r="http://schemas.openxmlformats.org/officeDocument/2006/relationships" xmlns:p="http://schemas.openxmlformats.org/presentationml/2006/main">
+  <p:cSld>
+    <p:spTree>
+      <p:nvGrpSpPr>
+        <p:cNvPr id="1" name=""/>
+        <p:cNvGrpSpPr/>
+        <p:nvPr/>
+      </p:nvGrpSpPr>
+      <p:grpSpPr>
+        <a:xfrm>
+          <a:off x="0" y="0"/>
+          <a:ext cx="0" cy="0"/>
+          <a:chOff x="0" y="0"/>
+          <a:chExt cx="0" cy="0"/>
+        </a:xfrm>
+      </p:grpSpPr>
+      <p:sp>
+        <p:nvSpPr>
+          <p:cNvPr id="4" name="TextBox 3">
+            <a:extLst>
+              <a:ext uri="{FF2B5EF4-FFF2-40B4-BE49-F238E27FC236}">
+                <a16:creationId xmlns:a16="http://schemas.microsoft.com/office/drawing/2014/main" xmlns="" id="{39C56AA9-2232-4DBD-8876-CD63B5877055}"/>
               </a:ext>
             </a:extLst>
           </p:cNvPr>
@@ -6483,6 +9521,13 @@
   <p:clrMapOvr>
     <a:masterClrMapping/>
   </p:clrMapOvr>
+  <p:timing>
+    <p:tnLst>
+      <p:par>
+        <p:cTn id="1" dur="indefinite" restart="never" nodeType="tmRoot"/>
+      </p:par>
+    </p:tnLst>
+  </p:timing>
 </p:sld>
 </file>
 
@@ -6554,21 +9599,35 @@
                 <a:latin typeface="Aharoni" panose="02010803020104030203" pitchFamily="2" charset="-79"/>
                 <a:cs typeface="Aharoni" panose="02010803020104030203" pitchFamily="2" charset="-79"/>
               </a:rPr>
-              <a:t>		</a:t>
-            </a:r>
-            <a:r>
-              <a:rPr lang="en-US" sz="3200" dirty="0" err="1">
+              <a:t>	</a:t>
+            </a:r>
+            <a:r>
+              <a:rPr lang="en-US" sz="3200" dirty="0" smtClean="0">
                 <a:latin typeface="Aharoni" panose="02010803020104030203" pitchFamily="2" charset="-79"/>
                 <a:cs typeface="Aharoni" panose="02010803020104030203" pitchFamily="2" charset="-79"/>
               </a:rPr>
+              <a:t>	</a:t>
+            </a:r>
+            <a:r>
+              <a:rPr lang="en-US" sz="3200" dirty="0" err="1" smtClean="0">
+                <a:latin typeface="Aharoni" panose="02010803020104030203" pitchFamily="2" charset="-79"/>
+                <a:cs typeface="Aharoni" panose="02010803020104030203" pitchFamily="2" charset="-79"/>
+              </a:rPr>
               <a:t>Adithya</a:t>
+            </a:r>
+            <a:r>
+              <a:rPr lang="en-US" sz="3200" dirty="0" smtClean="0">
+                <a:latin typeface="Aharoni" panose="02010803020104030203" pitchFamily="2" charset="-79"/>
+                <a:cs typeface="Aharoni" panose="02010803020104030203" pitchFamily="2" charset="-79"/>
+              </a:rPr>
+              <a:t> </a:t>
             </a:r>
             <a:r>
               <a:rPr lang="en-US" sz="3200" dirty="0">
                 <a:latin typeface="Aharoni" panose="02010803020104030203" pitchFamily="2" charset="-79"/>
                 <a:cs typeface="Aharoni" panose="02010803020104030203" pitchFamily="2" charset="-79"/>
               </a:rPr>
-              <a:t> S </a:t>
+              <a:t>S </a:t>
             </a:r>
             <a:r>
               <a:rPr lang="en-US" sz="3200" dirty="0" err="1">
@@ -6896,6 +9955,13 @@
   <p:clrMapOvr>
     <a:masterClrMapping/>
   </p:clrMapOvr>
+  <p:timing>
+    <p:tnLst>
+      <p:par>
+        <p:cTn id="1" dur="indefinite" restart="never" nodeType="tmRoot"/>
+      </p:par>
+    </p:tnLst>
+  </p:timing>
 </p:sld>
 </file>
 
@@ -6921,7 +9987,7 @@
           <p:cNvPr id="4" name="TextBox 3">
             <a:extLst>
               <a:ext uri="{FF2B5EF4-FFF2-40B4-BE49-F238E27FC236}">
-                <a16:creationId xmlns:a16="http://schemas.microsoft.com/office/drawing/2014/main" id="{7E2B18DA-4C7B-4DB7-BD57-0FC2EA86871C}"/>
+                <a16:creationId xmlns:a16="http://schemas.microsoft.com/office/drawing/2014/main" xmlns="" id="{7E2B18DA-4C7B-4DB7-BD57-0FC2EA86871C}"/>
               </a:ext>
             </a:extLst>
           </p:cNvPr>
@@ -6994,8 +10060,19 @@
                 <a:latin typeface="Times New Roman" panose="02020603050405020304" pitchFamily="18" charset="0"/>
                 <a:cs typeface="Times New Roman" panose="02020603050405020304" pitchFamily="18" charset="0"/>
               </a:rPr>
-              <a:t>To be confident in all the concepts and become a successful product .</a:t>
-            </a:r>
+              <a:t>To be confident in all the concepts and become a successful </a:t>
+            </a:r>
+            <a:r>
+              <a:rPr lang="en-IN" sz="3200" dirty="0" smtClean="0">
+                <a:latin typeface="Times New Roman" panose="02020603050405020304" pitchFamily="18" charset="0"/>
+                <a:cs typeface="Times New Roman" panose="02020603050405020304" pitchFamily="18" charset="0"/>
+              </a:rPr>
+              <a:t>developer.</a:t>
+            </a:r>
+            <a:endParaRPr lang="en-IN" sz="3200" dirty="0">
+              <a:latin typeface="Times New Roman" panose="02020603050405020304" pitchFamily="18" charset="0"/>
+              <a:cs typeface="Times New Roman" panose="02020603050405020304" pitchFamily="18" charset="0"/>
+            </a:endParaRPr>
           </a:p>
           <a:p>
             <a:endParaRPr lang="en-IN" sz="5400" dirty="0">
@@ -7032,7 +10109,7 @@
           <p:cNvPr id="3" name="object 6">
             <a:extLst>
               <a:ext uri="{FF2B5EF4-FFF2-40B4-BE49-F238E27FC236}">
-                <a16:creationId xmlns:a16="http://schemas.microsoft.com/office/drawing/2014/main" id="{556859A2-18C6-416D-B51F-38F3B87AF9C3}"/>
+                <a16:creationId xmlns:a16="http://schemas.microsoft.com/office/drawing/2014/main" xmlns="" id="{556859A2-18C6-416D-B51F-38F3B87AF9C3}"/>
               </a:ext>
             </a:extLst>
           </p:cNvPr>
@@ -7072,6 +10149,13 @@
   <p:clrMapOvr>
     <a:masterClrMapping/>
   </p:clrMapOvr>
+  <p:timing>
+    <p:tnLst>
+      <p:par>
+        <p:cTn id="1" dur="indefinite" restart="never" nodeType="tmRoot"/>
+      </p:par>
+    </p:tnLst>
+  </p:timing>
 </p:sld>
 </file>
 
@@ -7097,7 +10181,7 @@
           <p:cNvPr id="4" name="TextBox 3">
             <a:extLst>
               <a:ext uri="{FF2B5EF4-FFF2-40B4-BE49-F238E27FC236}">
-                <a16:creationId xmlns:a16="http://schemas.microsoft.com/office/drawing/2014/main" id="{0F449B05-61EA-4CF9-B408-FE2BEA7CC4F8}"/>
+                <a16:creationId xmlns:a16="http://schemas.microsoft.com/office/drawing/2014/main" xmlns="" id="{0F449B05-61EA-4CF9-B408-FE2BEA7CC4F8}"/>
               </a:ext>
             </a:extLst>
           </p:cNvPr>
@@ -7150,7 +10234,7 @@
           <p:cNvPr id="5" name="Table 5">
             <a:extLst>
               <a:ext uri="{FF2B5EF4-FFF2-40B4-BE49-F238E27FC236}">
-                <a16:creationId xmlns:a16="http://schemas.microsoft.com/office/drawing/2014/main" id="{7C337A5D-088F-4FFC-9704-7921F4224F46}"/>
+                <a16:creationId xmlns:a16="http://schemas.microsoft.com/office/drawing/2014/main" xmlns="" id="{7C337A5D-088F-4FFC-9704-7921F4224F46}"/>
               </a:ext>
             </a:extLst>
           </p:cNvPr>
@@ -7179,14 +10263,14 @@
                 <a:gridCol w="4064000">
                   <a:extLst>
                     <a:ext uri="{9D8B030D-6E8A-4147-A177-3AD203B41FA5}">
-                      <a16:colId xmlns:a16="http://schemas.microsoft.com/office/drawing/2014/main" val="3723601640"/>
+                      <a16:colId xmlns:a16="http://schemas.microsoft.com/office/drawing/2014/main" xmlns="" val="3723601640"/>
                     </a:ext>
                   </a:extLst>
                 </a:gridCol>
                 <a:gridCol w="4064000">
                   <a:extLst>
                     <a:ext uri="{9D8B030D-6E8A-4147-A177-3AD203B41FA5}">
-                      <a16:colId xmlns:a16="http://schemas.microsoft.com/office/drawing/2014/main" val="4184252906"/>
+                      <a16:colId xmlns:a16="http://schemas.microsoft.com/office/drawing/2014/main" xmlns="" val="4184252906"/>
                     </a:ext>
                   </a:extLst>
                 </a:gridCol>
@@ -7228,7 +10312,7 @@
                 </a:tc>
                 <a:extLst>
                   <a:ext uri="{0D108BD9-81ED-4DB2-BD59-A6C34878D82A}">
-                    <a16:rowId xmlns:a16="http://schemas.microsoft.com/office/drawing/2014/main" val="2301338978"/>
+                    <a16:rowId xmlns:a16="http://schemas.microsoft.com/office/drawing/2014/main" xmlns="" val="2301338978"/>
                   </a:ext>
                 </a:extLst>
               </a:tr>
@@ -7292,7 +10376,7 @@
                 </a:tc>
                 <a:extLst>
                   <a:ext uri="{0D108BD9-81ED-4DB2-BD59-A6C34878D82A}">
-                    <a16:rowId xmlns:a16="http://schemas.microsoft.com/office/drawing/2014/main" val="2678348900"/>
+                    <a16:rowId xmlns:a16="http://schemas.microsoft.com/office/drawing/2014/main" xmlns="" val="2678348900"/>
                   </a:ext>
                 </a:extLst>
               </a:tr>
@@ -7339,7 +10423,7 @@
                 </a:tc>
                 <a:extLst>
                   <a:ext uri="{0D108BD9-81ED-4DB2-BD59-A6C34878D82A}">
-                    <a16:rowId xmlns:a16="http://schemas.microsoft.com/office/drawing/2014/main" val="2221745324"/>
+                    <a16:rowId xmlns:a16="http://schemas.microsoft.com/office/drawing/2014/main" xmlns="" val="2221745324"/>
                   </a:ext>
                 </a:extLst>
               </a:tr>
@@ -7376,7 +10460,7 @@
                 </a:tc>
                 <a:extLst>
                   <a:ext uri="{0D108BD9-81ED-4DB2-BD59-A6C34878D82A}">
-                    <a16:rowId xmlns:a16="http://schemas.microsoft.com/office/drawing/2014/main" val="4208783594"/>
+                    <a16:rowId xmlns:a16="http://schemas.microsoft.com/office/drawing/2014/main" xmlns="" val="4208783594"/>
                   </a:ext>
                 </a:extLst>
               </a:tr>
@@ -7413,7 +10497,7 @@
                 </a:tc>
                 <a:extLst>
                   <a:ext uri="{0D108BD9-81ED-4DB2-BD59-A6C34878D82A}">
-                    <a16:rowId xmlns:a16="http://schemas.microsoft.com/office/drawing/2014/main" val="3935483735"/>
+                    <a16:rowId xmlns:a16="http://schemas.microsoft.com/office/drawing/2014/main" xmlns="" val="3935483735"/>
                   </a:ext>
                 </a:extLst>
               </a:tr>
@@ -7454,7 +10538,7 @@
                 </a:tc>
                 <a:extLst>
                   <a:ext uri="{0D108BD9-81ED-4DB2-BD59-A6C34878D82A}">
-                    <a16:rowId xmlns:a16="http://schemas.microsoft.com/office/drawing/2014/main" val="2856665028"/>
+                    <a16:rowId xmlns:a16="http://schemas.microsoft.com/office/drawing/2014/main" xmlns="" val="2856665028"/>
                   </a:ext>
                 </a:extLst>
               </a:tr>
@@ -7491,7 +10575,7 @@
                 </a:tc>
                 <a:extLst>
                   <a:ext uri="{0D108BD9-81ED-4DB2-BD59-A6C34878D82A}">
-                    <a16:rowId xmlns:a16="http://schemas.microsoft.com/office/drawing/2014/main" val="2433741986"/>
+                    <a16:rowId xmlns:a16="http://schemas.microsoft.com/office/drawing/2014/main" xmlns="" val="2433741986"/>
                   </a:ext>
                 </a:extLst>
               </a:tr>
@@ -7528,7 +10612,7 @@
                 </a:tc>
                 <a:extLst>
                   <a:ext uri="{0D108BD9-81ED-4DB2-BD59-A6C34878D82A}">
-                    <a16:rowId xmlns:a16="http://schemas.microsoft.com/office/drawing/2014/main" val="3510196438"/>
+                    <a16:rowId xmlns:a16="http://schemas.microsoft.com/office/drawing/2014/main" xmlns="" val="3510196438"/>
                   </a:ext>
                 </a:extLst>
               </a:tr>
@@ -7541,7 +10625,7 @@
           <p:cNvPr id="6" name="object 6">
             <a:extLst>
               <a:ext uri="{FF2B5EF4-FFF2-40B4-BE49-F238E27FC236}">
-                <a16:creationId xmlns:a16="http://schemas.microsoft.com/office/drawing/2014/main" id="{9A6F32F1-29DD-476B-89AA-EBA9E93576D8}"/>
+                <a16:creationId xmlns:a16="http://schemas.microsoft.com/office/drawing/2014/main" xmlns="" id="{9A6F32F1-29DD-476B-89AA-EBA9E93576D8}"/>
               </a:ext>
             </a:extLst>
           </p:cNvPr>
@@ -7581,6 +10665,13 @@
   <p:clrMapOvr>
     <a:masterClrMapping/>
   </p:clrMapOvr>
+  <p:timing>
+    <p:tnLst>
+      <p:par>
+        <p:cTn id="1" dur="indefinite" restart="never" nodeType="tmRoot"/>
+      </p:par>
+    </p:tnLst>
+  </p:timing>
 </p:sld>
 </file>
 
@@ -7765,6 +10856,13 @@
   <p:clrMapOvr>
     <a:masterClrMapping/>
   </p:clrMapOvr>
+  <p:timing>
+    <p:tnLst>
+      <p:par>
+        <p:cTn id="1" dur="indefinite" restart="never" nodeType="tmRoot"/>
+      </p:par>
+    </p:tnLst>
+  </p:timing>
 </p:sld>
 </file>
 
@@ -7811,402 +10909,16 @@
           <a:lstStyle/>
           <a:p>
             <a:r>
-              <a:rPr lang="en-US" sz="6000" dirty="0">
+              <a:rPr lang="en-US" sz="6000" dirty="0" smtClean="0">
                 <a:latin typeface="Aharoni" panose="02010803020104030203" pitchFamily="2" charset="-79"/>
                 <a:cs typeface="Aharoni" panose="02010803020104030203" pitchFamily="2" charset="-79"/>
               </a:rPr>
               <a:t>OUR LEARNINGS</a:t>
             </a:r>
-          </a:p>
-        </p:txBody>
-      </p:sp>
-      <p:sp>
-        <p:nvSpPr>
-          <p:cNvPr id="3" name="object 3"/>
-          <p:cNvSpPr/>
-          <p:nvPr/>
-        </p:nvSpPr>
-        <p:spPr>
-          <a:xfrm>
-            <a:off x="914400" y="3876675"/>
-            <a:ext cx="1733550" cy="247650"/>
-          </a:xfrm>
-          <a:custGeom>
-            <a:avLst/>
-            <a:gdLst/>
-            <a:ahLst/>
-            <a:cxnLst/>
-            <a:rect l="l" t="t" r="r" b="b"/>
-            <a:pathLst>
-              <a:path w="1733550" h="247650">
-                <a:moveTo>
-                  <a:pt x="978662" y="139192"/>
-                </a:moveTo>
-                <a:lnTo>
-                  <a:pt x="754888" y="139192"/>
-                </a:lnTo>
-                <a:lnTo>
-                  <a:pt x="866775" y="247650"/>
-                </a:lnTo>
-                <a:lnTo>
-                  <a:pt x="978662" y="139192"/>
-                </a:lnTo>
-                <a:close/>
-              </a:path>
-              <a:path w="1733550" h="247650">
-                <a:moveTo>
-                  <a:pt x="1733550" y="0"/>
-                </a:moveTo>
-                <a:lnTo>
-                  <a:pt x="0" y="0"/>
-                </a:lnTo>
-                <a:lnTo>
-                  <a:pt x="0" y="139192"/>
-                </a:lnTo>
-                <a:lnTo>
-                  <a:pt x="1733550" y="139192"/>
-                </a:lnTo>
-                <a:lnTo>
-                  <a:pt x="1733550" y="0"/>
-                </a:lnTo>
-                <a:close/>
-              </a:path>
-            </a:pathLst>
-          </a:custGeom>
-          <a:solidFill>
-            <a:srgbClr val="4BD5AF"/>
-          </a:solidFill>
-        </p:spPr>
-        <p:txBody>
-          <a:bodyPr wrap="square" lIns="0" tIns="0" rIns="0" bIns="0" rtlCol="0"/>
-          <a:lstStyle/>
-          <a:p>
-            <a:endParaRPr/>
-          </a:p>
-        </p:txBody>
-      </p:sp>
-      <p:sp>
-        <p:nvSpPr>
-          <p:cNvPr id="4" name="object 4"/>
-          <p:cNvSpPr/>
-          <p:nvPr/>
-        </p:nvSpPr>
-        <p:spPr>
-          <a:xfrm>
-            <a:off x="2647950" y="3752850"/>
-            <a:ext cx="1724025" cy="257175"/>
-          </a:xfrm>
-          <a:custGeom>
-            <a:avLst/>
-            <a:gdLst/>
-            <a:ahLst/>
-            <a:cxnLst/>
-            <a:rect l="l" t="t" r="r" b="b"/>
-            <a:pathLst>
-              <a:path w="1724025" h="257175">
-                <a:moveTo>
-                  <a:pt x="1724025" y="112649"/>
-                </a:moveTo>
-                <a:lnTo>
-                  <a:pt x="0" y="112649"/>
-                </a:lnTo>
-                <a:lnTo>
-                  <a:pt x="0" y="257175"/>
-                </a:lnTo>
-                <a:lnTo>
-                  <a:pt x="1724025" y="257175"/>
-                </a:lnTo>
-                <a:lnTo>
-                  <a:pt x="1724025" y="112649"/>
-                </a:lnTo>
-                <a:close/>
-              </a:path>
-              <a:path w="1724025" h="257175">
-                <a:moveTo>
-                  <a:pt x="862076" y="0"/>
-                </a:moveTo>
-                <a:lnTo>
-                  <a:pt x="750697" y="112649"/>
-                </a:lnTo>
-                <a:lnTo>
-                  <a:pt x="973327" y="112649"/>
-                </a:lnTo>
-                <a:lnTo>
-                  <a:pt x="862076" y="0"/>
-                </a:lnTo>
-                <a:close/>
-              </a:path>
-            </a:pathLst>
-          </a:custGeom>
-          <a:solidFill>
-            <a:srgbClr val="97DC55"/>
-          </a:solidFill>
-        </p:spPr>
-        <p:txBody>
-          <a:bodyPr wrap="square" lIns="0" tIns="0" rIns="0" bIns="0" rtlCol="0"/>
-          <a:lstStyle/>
-          <a:p>
-            <a:endParaRPr/>
-          </a:p>
-        </p:txBody>
-      </p:sp>
-      <p:sp>
-        <p:nvSpPr>
-          <p:cNvPr id="5" name="object 5"/>
-          <p:cNvSpPr/>
-          <p:nvPr/>
-        </p:nvSpPr>
-        <p:spPr>
-          <a:xfrm>
-            <a:off x="4371975" y="3876675"/>
-            <a:ext cx="1733550" cy="247650"/>
-          </a:xfrm>
-          <a:custGeom>
-            <a:avLst/>
-            <a:gdLst/>
-            <a:ahLst/>
-            <a:cxnLst/>
-            <a:rect l="l" t="t" r="r" b="b"/>
-            <a:pathLst>
-              <a:path w="1733550" h="247650">
-                <a:moveTo>
-                  <a:pt x="978662" y="139192"/>
-                </a:moveTo>
-                <a:lnTo>
-                  <a:pt x="754888" y="139192"/>
-                </a:lnTo>
-                <a:lnTo>
-                  <a:pt x="866775" y="247650"/>
-                </a:lnTo>
-                <a:lnTo>
-                  <a:pt x="978662" y="139192"/>
-                </a:lnTo>
-                <a:close/>
-              </a:path>
-              <a:path w="1733550" h="247650">
-                <a:moveTo>
-                  <a:pt x="1733550" y="0"/>
-                </a:moveTo>
-                <a:lnTo>
-                  <a:pt x="0" y="0"/>
-                </a:lnTo>
-                <a:lnTo>
-                  <a:pt x="0" y="139192"/>
-                </a:lnTo>
-                <a:lnTo>
-                  <a:pt x="1733550" y="139192"/>
-                </a:lnTo>
-                <a:lnTo>
-                  <a:pt x="1733550" y="0"/>
-                </a:lnTo>
-                <a:close/>
-              </a:path>
-            </a:pathLst>
-          </a:custGeom>
-          <a:solidFill>
-            <a:srgbClr val="5EBDE3"/>
-          </a:solidFill>
-        </p:spPr>
-        <p:txBody>
-          <a:bodyPr wrap="square" lIns="0" tIns="0" rIns="0" bIns="0" rtlCol="0"/>
-          <a:lstStyle/>
-          <a:p>
-            <a:endParaRPr/>
-          </a:p>
-        </p:txBody>
-      </p:sp>
-      <p:sp>
-        <p:nvSpPr>
-          <p:cNvPr id="6" name="object 6"/>
-          <p:cNvSpPr/>
-          <p:nvPr/>
-        </p:nvSpPr>
-        <p:spPr>
-          <a:xfrm>
-            <a:off x="6105525" y="3752850"/>
-            <a:ext cx="1724025" cy="257175"/>
-          </a:xfrm>
-          <a:custGeom>
-            <a:avLst/>
-            <a:gdLst/>
-            <a:ahLst/>
-            <a:cxnLst/>
-            <a:rect l="l" t="t" r="r" b="b"/>
-            <a:pathLst>
-              <a:path w="1724025" h="257175">
-                <a:moveTo>
-                  <a:pt x="1724025" y="112649"/>
-                </a:moveTo>
-                <a:lnTo>
-                  <a:pt x="0" y="112649"/>
-                </a:lnTo>
-                <a:lnTo>
-                  <a:pt x="0" y="257175"/>
-                </a:lnTo>
-                <a:lnTo>
-                  <a:pt x="1724025" y="257175"/>
-                </a:lnTo>
-                <a:lnTo>
-                  <a:pt x="1724025" y="112649"/>
-                </a:lnTo>
-                <a:close/>
-              </a:path>
-              <a:path w="1724025" h="257175">
-                <a:moveTo>
-                  <a:pt x="862076" y="0"/>
-                </a:moveTo>
-                <a:lnTo>
-                  <a:pt x="750697" y="112649"/>
-                </a:lnTo>
-                <a:lnTo>
-                  <a:pt x="973327" y="112649"/>
-                </a:lnTo>
-                <a:lnTo>
-                  <a:pt x="862076" y="0"/>
-                </a:lnTo>
-                <a:close/>
-              </a:path>
-            </a:pathLst>
-          </a:custGeom>
-          <a:solidFill>
-            <a:srgbClr val="4BD5AF"/>
-          </a:solidFill>
-        </p:spPr>
-        <p:txBody>
-          <a:bodyPr wrap="square" lIns="0" tIns="0" rIns="0" bIns="0" rtlCol="0"/>
-          <a:lstStyle/>
-          <a:p>
-            <a:endParaRPr/>
-          </a:p>
-        </p:txBody>
-      </p:sp>
-      <p:sp>
-        <p:nvSpPr>
-          <p:cNvPr id="7" name="object 7"/>
-          <p:cNvSpPr/>
-          <p:nvPr/>
-        </p:nvSpPr>
-        <p:spPr>
-          <a:xfrm>
-            <a:off x="7829550" y="3876675"/>
-            <a:ext cx="1733550" cy="247650"/>
-          </a:xfrm>
-          <a:custGeom>
-            <a:avLst/>
-            <a:gdLst/>
-            <a:ahLst/>
-            <a:cxnLst/>
-            <a:rect l="l" t="t" r="r" b="b"/>
-            <a:pathLst>
-              <a:path w="1733550" h="247650">
-                <a:moveTo>
-                  <a:pt x="978661" y="139192"/>
-                </a:moveTo>
-                <a:lnTo>
-                  <a:pt x="754888" y="139192"/>
-                </a:lnTo>
-                <a:lnTo>
-                  <a:pt x="866775" y="247650"/>
-                </a:lnTo>
-                <a:lnTo>
-                  <a:pt x="978661" y="139192"/>
-                </a:lnTo>
-                <a:close/>
-              </a:path>
-              <a:path w="1733550" h="247650">
-                <a:moveTo>
-                  <a:pt x="1733550" y="0"/>
-                </a:moveTo>
-                <a:lnTo>
-                  <a:pt x="0" y="0"/>
-                </a:lnTo>
-                <a:lnTo>
-                  <a:pt x="0" y="139192"/>
-                </a:lnTo>
-                <a:lnTo>
-                  <a:pt x="1733550" y="139192"/>
-                </a:lnTo>
-                <a:lnTo>
-                  <a:pt x="1733550" y="0"/>
-                </a:lnTo>
-                <a:close/>
-              </a:path>
-            </a:pathLst>
-          </a:custGeom>
-          <a:solidFill>
-            <a:srgbClr val="97DC55"/>
-          </a:solidFill>
-        </p:spPr>
-        <p:txBody>
-          <a:bodyPr wrap="square" lIns="0" tIns="0" rIns="0" bIns="0" rtlCol="0"/>
-          <a:lstStyle/>
-          <a:p>
-            <a:endParaRPr/>
-          </a:p>
-        </p:txBody>
-      </p:sp>
-      <p:sp>
-        <p:nvSpPr>
-          <p:cNvPr id="8" name="object 8"/>
-          <p:cNvSpPr/>
-          <p:nvPr/>
-        </p:nvSpPr>
-        <p:spPr>
-          <a:xfrm>
-            <a:off x="9563100" y="3752850"/>
-            <a:ext cx="1724025" cy="257175"/>
-          </a:xfrm>
-          <a:custGeom>
-            <a:avLst/>
-            <a:gdLst/>
-            <a:ahLst/>
-            <a:cxnLst/>
-            <a:rect l="l" t="t" r="r" b="b"/>
-            <a:pathLst>
-              <a:path w="1724025" h="257175">
-                <a:moveTo>
-                  <a:pt x="1724025" y="112649"/>
-                </a:moveTo>
-                <a:lnTo>
-                  <a:pt x="0" y="112649"/>
-                </a:lnTo>
-                <a:lnTo>
-                  <a:pt x="0" y="257175"/>
-                </a:lnTo>
-                <a:lnTo>
-                  <a:pt x="1724025" y="257175"/>
-                </a:lnTo>
-                <a:lnTo>
-                  <a:pt x="1724025" y="112649"/>
-                </a:lnTo>
-                <a:close/>
-              </a:path>
-              <a:path w="1724025" h="257175">
-                <a:moveTo>
-                  <a:pt x="862076" y="0"/>
-                </a:moveTo>
-                <a:lnTo>
-                  <a:pt x="750697" y="112649"/>
-                </a:lnTo>
-                <a:lnTo>
-                  <a:pt x="973327" y="112649"/>
-                </a:lnTo>
-                <a:lnTo>
-                  <a:pt x="862076" y="0"/>
-                </a:lnTo>
-                <a:close/>
-              </a:path>
-            </a:pathLst>
-          </a:custGeom>
-          <a:solidFill>
-            <a:srgbClr val="5EBDE3"/>
-          </a:solidFill>
-        </p:spPr>
-        <p:txBody>
-          <a:bodyPr wrap="square" lIns="0" tIns="0" rIns="0" bIns="0" rtlCol="0"/>
-          <a:lstStyle/>
-          <a:p>
-            <a:endParaRPr/>
+            <a:endParaRPr lang="en-US" sz="6000" dirty="0">
+              <a:latin typeface="Aharoni" panose="02010803020104030203" pitchFamily="2" charset="-79"/>
+              <a:cs typeface="Aharoni" panose="02010803020104030203" pitchFamily="2" charset="-79"/>
+            </a:endParaRPr>
           </a:p>
         </p:txBody>
       </p:sp>
@@ -8218,8 +10930,8 @@
         </p:nvSpPr>
         <p:spPr>
           <a:xfrm>
-            <a:off x="914400" y="1994535"/>
-            <a:ext cx="1264920" cy="1126912"/>
+            <a:off x="619419" y="1898167"/>
+            <a:ext cx="1867437" cy="1713546"/>
           </a:xfrm>
           <a:prstGeom prst="rect">
             <a:avLst/>
@@ -8232,40 +10944,47 @@
           <a:lstStyle/>
           <a:p>
             <a:pPr marL="38100">
-              <a:lnSpc>
-                <a:spcPct val="100000"/>
-              </a:lnSpc>
               <a:spcBef>
                 <a:spcPts val="100"/>
               </a:spcBef>
             </a:pPr>
             <a:r>
-              <a:rPr sz="2400" b="1" spc="15" dirty="0">
+              <a:rPr lang="en-US" sz="2400" b="1" spc="15" dirty="0" smtClean="0">
                 <a:solidFill>
                   <a:srgbClr val="585858"/>
                 </a:solidFill>
-                <a:latin typeface="Times New Roman" panose="02020603050405020304" pitchFamily="18" charset="0"/>
-                <a:cs typeface="Times New Roman" panose="02020603050405020304" pitchFamily="18" charset="0"/>
+                <a:latin typeface="Arial"/>
+                <a:cs typeface="Arial"/>
+              </a:rPr>
+              <a:t>   </a:t>
+            </a:r>
+            <a:r>
+              <a:rPr sz="2400" b="1" spc="15" dirty="0" smtClean="0">
+                <a:solidFill>
+                  <a:srgbClr val="585858"/>
+                </a:solidFill>
+                <a:latin typeface="Arial"/>
+                <a:cs typeface="Arial"/>
               </a:rPr>
               <a:t>1</a:t>
             </a:r>
             <a:r>
-              <a:rPr sz="2325" b="1" spc="22" baseline="26881" dirty="0">
+              <a:rPr sz="2325" b="1" spc="22" baseline="26881" dirty="0" smtClean="0">
                 <a:solidFill>
                   <a:srgbClr val="585858"/>
                 </a:solidFill>
-                <a:latin typeface="Times New Roman" panose="02020603050405020304" pitchFamily="18" charset="0"/>
-                <a:cs typeface="Times New Roman" panose="02020603050405020304" pitchFamily="18" charset="0"/>
+                <a:latin typeface="Arial"/>
+                <a:cs typeface="Arial"/>
               </a:rPr>
               <a:t>st</a:t>
             </a:r>
             <a:r>
-              <a:rPr sz="2325" b="1" spc="277" baseline="26881" dirty="0">
+              <a:rPr sz="2325" b="1" spc="277" baseline="26881" dirty="0" smtClean="0">
                 <a:solidFill>
                   <a:srgbClr val="585858"/>
                 </a:solidFill>
-                <a:latin typeface="Times New Roman" panose="02020603050405020304" pitchFamily="18" charset="0"/>
-                <a:cs typeface="Times New Roman" panose="02020603050405020304" pitchFamily="18" charset="0"/>
+                <a:latin typeface="Arial"/>
+                <a:cs typeface="Arial"/>
               </a:rPr>
               <a:t> </a:t>
             </a:r>
@@ -8274,68 +10993,120 @@
                 <a:solidFill>
                   <a:srgbClr val="585858"/>
                 </a:solidFill>
-                <a:latin typeface="Times New Roman" panose="02020603050405020304" pitchFamily="18" charset="0"/>
-                <a:cs typeface="Times New Roman" panose="02020603050405020304" pitchFamily="18" charset="0"/>
+                <a:latin typeface="Arial"/>
+                <a:cs typeface="Arial"/>
               </a:rPr>
               <a:t>week</a:t>
             </a:r>
             <a:endParaRPr sz="2400" dirty="0">
-              <a:latin typeface="Times New Roman" panose="02020603050405020304" pitchFamily="18" charset="0"/>
-              <a:cs typeface="Times New Roman" panose="02020603050405020304" pitchFamily="18" charset="0"/>
+              <a:latin typeface="Arial"/>
+              <a:cs typeface="Arial"/>
             </a:endParaRPr>
           </a:p>
           <a:p>
-            <a:pPr marL="103505" marR="85725">
-              <a:lnSpc>
-                <a:spcPct val="100600"/>
-              </a:lnSpc>
+            <a:pPr marL="389255" marR="85725" indent="-285750">
               <a:spcBef>
                 <a:spcPts val="60"/>
               </a:spcBef>
+              <a:buFont typeface="Arial" panose="020B0604020202020204" pitchFamily="34" charset="0"/>
+              <a:buChar char="•"/>
             </a:pPr>
             <a:r>
-              <a:rPr sz="1600" dirty="0">
+              <a:rPr lang="en-US" sz="1400" spc="25" dirty="0">
                 <a:solidFill>
                   <a:srgbClr val="404040"/>
                 </a:solidFill>
-                <a:latin typeface="Times New Roman" panose="02020603050405020304" pitchFamily="18" charset="0"/>
-                <a:cs typeface="Times New Roman" panose="02020603050405020304" pitchFamily="18" charset="0"/>
+                <a:latin typeface="Arial"/>
+                <a:cs typeface="Arial"/>
+              </a:rPr>
+              <a:t>Object</a:t>
+            </a:r>
+            <a:r>
+              <a:rPr lang="en-US" sz="1400" spc="-240" dirty="0">
+                <a:solidFill>
+                  <a:srgbClr val="404040"/>
+                </a:solidFill>
+                <a:latin typeface="Arial"/>
+                <a:cs typeface="Arial"/>
+              </a:rPr>
+              <a:t> </a:t>
+            </a:r>
+            <a:r>
+              <a:rPr lang="en-US" sz="1400" spc="5" dirty="0">
+                <a:solidFill>
+                  <a:srgbClr val="404040"/>
+                </a:solidFill>
+                <a:latin typeface="Arial"/>
+                <a:cs typeface="Arial"/>
+              </a:rPr>
+              <a:t>oriented  programming  </a:t>
+            </a:r>
+            <a:r>
+              <a:rPr lang="en-US" sz="1400" spc="20" dirty="0" smtClean="0">
+                <a:solidFill>
+                  <a:srgbClr val="404040"/>
+                </a:solidFill>
+                <a:latin typeface="Arial"/>
+                <a:cs typeface="Arial"/>
+              </a:rPr>
+              <a:t>concepts</a:t>
+            </a:r>
+            <a:endParaRPr lang="en-US" sz="1400" dirty="0" smtClean="0">
+              <a:latin typeface="Arial"/>
+              <a:cs typeface="Arial"/>
+            </a:endParaRPr>
+          </a:p>
+          <a:p>
+            <a:pPr marL="389255" marR="85725" indent="-285750">
+              <a:spcBef>
+                <a:spcPts val="60"/>
+              </a:spcBef>
+              <a:buFont typeface="Arial" panose="020B0604020202020204" pitchFamily="34" charset="0"/>
+              <a:buChar char="•"/>
+            </a:pPr>
+            <a:r>
+              <a:rPr sz="1400" dirty="0" smtClean="0">
+                <a:solidFill>
+                  <a:srgbClr val="404040"/>
+                </a:solidFill>
+                <a:latin typeface="Arial"/>
+                <a:cs typeface="Arial"/>
               </a:rPr>
               <a:t>Database  </a:t>
             </a:r>
             <a:r>
-              <a:rPr sz="1600" spc="-5" dirty="0">
+              <a:rPr sz="1400" spc="-5" dirty="0">
                 <a:solidFill>
                   <a:srgbClr val="404040"/>
                 </a:solidFill>
-                <a:latin typeface="Times New Roman" panose="02020603050405020304" pitchFamily="18" charset="0"/>
-                <a:cs typeface="Times New Roman" panose="02020603050405020304" pitchFamily="18" charset="0"/>
+                <a:latin typeface="Arial"/>
+                <a:cs typeface="Arial"/>
               </a:rPr>
               <a:t>concepts </a:t>
             </a:r>
             <a:r>
-              <a:rPr sz="1600" spc="-30" dirty="0">
+              <a:rPr sz="1400" spc="-30" dirty="0">
                 <a:solidFill>
                   <a:srgbClr val="404040"/>
                 </a:solidFill>
-                <a:latin typeface="Times New Roman" panose="02020603050405020304" pitchFamily="18" charset="0"/>
-                <a:cs typeface="Times New Roman" panose="02020603050405020304" pitchFamily="18" charset="0"/>
+                <a:latin typeface="Arial"/>
+                <a:cs typeface="Arial"/>
               </a:rPr>
               <a:t>and  </a:t>
             </a:r>
             <a:r>
-              <a:rPr sz="1600" spc="25" dirty="0">
+              <a:rPr sz="1400" spc="25" dirty="0">
                 <a:solidFill>
                   <a:srgbClr val="404040"/>
                 </a:solidFill>
-                <a:latin typeface="Times New Roman" panose="02020603050405020304" pitchFamily="18" charset="0"/>
-                <a:cs typeface="Times New Roman" panose="02020603050405020304" pitchFamily="18" charset="0"/>
+                <a:latin typeface="Arial"/>
+                <a:cs typeface="Arial"/>
               </a:rPr>
               <a:t>SQL</a:t>
             </a:r>
-            <a:endParaRPr sz="1600" dirty="0">
-              <a:latin typeface="Times New Roman" panose="02020603050405020304" pitchFamily="18" charset="0"/>
-              <a:cs typeface="Times New Roman" panose="02020603050405020304" pitchFamily="18" charset="0"/>
+            <a:endParaRPr sz="1400" dirty="0">
+              <a:latin typeface="Arial"/>
+              <a:cs typeface="Arial"/>
             </a:endParaRPr>
           </a:p>
         </p:txBody>
@@ -8348,8 +11119,8 @@
         </p:nvSpPr>
         <p:spPr>
           <a:xfrm>
-            <a:off x="1250791" y="4061808"/>
-            <a:ext cx="2176226" cy="1887953"/>
+            <a:off x="1093190" y="4319257"/>
+            <a:ext cx="1677670" cy="998350"/>
           </a:xfrm>
           <a:prstGeom prst="rect">
             <a:avLst/>
@@ -8374,8 +11145,8 @@
                 <a:solidFill>
                   <a:srgbClr val="404040"/>
                 </a:solidFill>
-                <a:latin typeface="Times New Roman" panose="02020603050405020304" pitchFamily="18" charset="0"/>
-                <a:cs typeface="Times New Roman" panose="02020603050405020304" pitchFamily="18" charset="0"/>
+                <a:latin typeface="Arial"/>
+                <a:cs typeface="Arial"/>
               </a:rPr>
               <a:t>2nd</a:t>
             </a:r>
@@ -8384,72 +11155,14 @@
                 <a:solidFill>
                   <a:srgbClr val="404040"/>
                 </a:solidFill>
-                <a:latin typeface="Times New Roman" panose="02020603050405020304" pitchFamily="18" charset="0"/>
-                <a:cs typeface="Times New Roman" panose="02020603050405020304" pitchFamily="18" charset="0"/>
+                <a:latin typeface="Arial"/>
+                <a:cs typeface="Arial"/>
               </a:rPr>
               <a:t> week</a:t>
             </a:r>
             <a:endParaRPr sz="2400" dirty="0">
-              <a:latin typeface="Times New Roman" panose="02020603050405020304" pitchFamily="18" charset="0"/>
-              <a:cs typeface="Times New Roman" panose="02020603050405020304" pitchFamily="18" charset="0"/>
-            </a:endParaRPr>
-          </a:p>
-          <a:p>
-            <a:pPr marL="184150" marR="271145" indent="-172085">
-              <a:lnSpc>
-                <a:spcPct val="100600"/>
-              </a:lnSpc>
-              <a:spcBef>
-                <a:spcPts val="850"/>
-              </a:spcBef>
-              <a:buChar char="•"/>
-              <a:tabLst>
-                <a:tab pos="184785" algn="l"/>
-              </a:tabLst>
-            </a:pPr>
-            <a:r>
-              <a:rPr sz="1600" spc="25" dirty="0">
-                <a:solidFill>
-                  <a:srgbClr val="404040"/>
-                </a:solidFill>
-                <a:latin typeface="Times New Roman" panose="02020603050405020304" pitchFamily="18" charset="0"/>
-                <a:cs typeface="Times New Roman" panose="02020603050405020304" pitchFamily="18" charset="0"/>
-              </a:rPr>
-              <a:t>Object</a:t>
-            </a:r>
-            <a:r>
-              <a:rPr sz="1600" spc="-240" dirty="0">
-                <a:solidFill>
-                  <a:srgbClr val="404040"/>
-                </a:solidFill>
-                <a:latin typeface="Times New Roman" panose="02020603050405020304" pitchFamily="18" charset="0"/>
-                <a:cs typeface="Times New Roman" panose="02020603050405020304" pitchFamily="18" charset="0"/>
-              </a:rPr>
-              <a:t> </a:t>
-            </a:r>
-            <a:r>
-              <a:rPr sz="1600" spc="5" dirty="0">
-                <a:solidFill>
-                  <a:srgbClr val="404040"/>
-                </a:solidFill>
-                <a:latin typeface="Times New Roman" panose="02020603050405020304" pitchFamily="18" charset="0"/>
-                <a:cs typeface="Times New Roman" panose="02020603050405020304" pitchFamily="18" charset="0"/>
-              </a:rPr>
-              <a:t>oriented  programming  </a:t>
-            </a:r>
-            <a:r>
-              <a:rPr sz="1600" spc="20" dirty="0">
-                <a:solidFill>
-                  <a:srgbClr val="404040"/>
-                </a:solidFill>
-                <a:latin typeface="Times New Roman" panose="02020603050405020304" pitchFamily="18" charset="0"/>
-                <a:cs typeface="Times New Roman" panose="02020603050405020304" pitchFamily="18" charset="0"/>
-              </a:rPr>
-              <a:t>concepts</a:t>
-            </a:r>
-            <a:endParaRPr sz="1600" dirty="0">
-              <a:latin typeface="Times New Roman" panose="02020603050405020304" pitchFamily="18" charset="0"/>
-              <a:cs typeface="Times New Roman" panose="02020603050405020304" pitchFamily="18" charset="0"/>
+              <a:latin typeface="Arial"/>
+              <a:cs typeface="Arial"/>
             </a:endParaRPr>
           </a:p>
           <a:p>
@@ -8463,86 +11176,59 @@
               </a:tabLst>
             </a:pPr>
             <a:r>
-              <a:rPr sz="1600" dirty="0">
+              <a:rPr lang="en-US" sz="1400" dirty="0" smtClean="0">
                 <a:solidFill>
                   <a:srgbClr val="404040"/>
                 </a:solidFill>
-                <a:latin typeface="Times New Roman" panose="02020603050405020304" pitchFamily="18" charset="0"/>
-                <a:cs typeface="Times New Roman" panose="02020603050405020304" pitchFamily="18" charset="0"/>
-              </a:rPr>
-              <a:t>Data</a:t>
-            </a:r>
-            <a:r>
-              <a:rPr sz="1600" spc="-70" dirty="0">
-                <a:solidFill>
-                  <a:srgbClr val="404040"/>
-                </a:solidFill>
-                <a:latin typeface="Times New Roman" panose="02020603050405020304" pitchFamily="18" charset="0"/>
-                <a:cs typeface="Times New Roman" panose="02020603050405020304" pitchFamily="18" charset="0"/>
-              </a:rPr>
-              <a:t> </a:t>
-            </a:r>
-            <a:r>
-              <a:rPr sz="1600" dirty="0">
-                <a:solidFill>
-                  <a:srgbClr val="404040"/>
-                </a:solidFill>
-                <a:latin typeface="Times New Roman" panose="02020603050405020304" pitchFamily="18" charset="0"/>
-                <a:cs typeface="Times New Roman" panose="02020603050405020304" pitchFamily="18" charset="0"/>
-              </a:rPr>
-              <a:t>structures.</a:t>
-            </a:r>
-            <a:endParaRPr sz="1600" dirty="0">
-              <a:latin typeface="Times New Roman" panose="02020603050405020304" pitchFamily="18" charset="0"/>
-              <a:cs typeface="Times New Roman" panose="02020603050405020304" pitchFamily="18" charset="0"/>
-            </a:endParaRPr>
+                <a:latin typeface="Arial"/>
+                <a:cs typeface="Arial"/>
+              </a:rPr>
+              <a:t>MySQL</a:t>
+            </a:r>
           </a:p>
           <a:p>
             <a:pPr marL="184150" indent="-172085">
               <a:lnSpc>
-                <a:spcPct val="100000"/>
+                <a:spcPts val="1650"/>
               </a:lnSpc>
-              <a:spcBef>
-                <a:spcPts val="45"/>
-              </a:spcBef>
               <a:buChar char="•"/>
               <a:tabLst>
                 <a:tab pos="184785" algn="l"/>
               </a:tabLst>
             </a:pPr>
             <a:r>
-              <a:rPr sz="1600" dirty="0">
+              <a:rPr sz="1400" dirty="0" smtClean="0">
                 <a:solidFill>
                   <a:srgbClr val="404040"/>
                 </a:solidFill>
-                <a:latin typeface="Times New Roman" panose="02020603050405020304" pitchFamily="18" charset="0"/>
-                <a:cs typeface="Times New Roman" panose="02020603050405020304" pitchFamily="18" charset="0"/>
-              </a:rPr>
-              <a:t>Java</a:t>
-            </a:r>
-            <a:r>
-              <a:rPr sz="1600" spc="-105" dirty="0">
+                <a:latin typeface="Arial"/>
+                <a:cs typeface="Arial"/>
+              </a:rPr>
+              <a:t>Data</a:t>
+            </a:r>
+            <a:r>
+              <a:rPr sz="1400" spc="-70" dirty="0" smtClean="0">
                 <a:solidFill>
                   <a:srgbClr val="404040"/>
                 </a:solidFill>
-                <a:latin typeface="Times New Roman" panose="02020603050405020304" pitchFamily="18" charset="0"/>
-                <a:cs typeface="Times New Roman" panose="02020603050405020304" pitchFamily="18" charset="0"/>
+                <a:latin typeface="Arial"/>
+                <a:cs typeface="Arial"/>
               </a:rPr>
               <a:t> </a:t>
             </a:r>
             <a:r>
-              <a:rPr sz="1600" spc="5" dirty="0">
+              <a:rPr sz="1400" dirty="0" smtClean="0">
                 <a:solidFill>
                   <a:srgbClr val="404040"/>
                 </a:solidFill>
-                <a:latin typeface="Times New Roman" panose="02020603050405020304" pitchFamily="18" charset="0"/>
-                <a:cs typeface="Times New Roman" panose="02020603050405020304" pitchFamily="18" charset="0"/>
-              </a:rPr>
-              <a:t>programming</a:t>
-            </a:r>
-            <a:endParaRPr sz="1600" dirty="0">
-              <a:latin typeface="Times New Roman" panose="02020603050405020304" pitchFamily="18" charset="0"/>
-              <a:cs typeface="Times New Roman" panose="02020603050405020304" pitchFamily="18" charset="0"/>
+                <a:latin typeface="Arial"/>
+                <a:cs typeface="Arial"/>
+              </a:rPr>
+              <a:t>structures</a:t>
+            </a:r>
+            <a:endParaRPr sz="1400" dirty="0">
+              <a:latin typeface="Arial"/>
+              <a:cs typeface="Arial"/>
             </a:endParaRPr>
           </a:p>
         </p:txBody>
@@ -8555,8 +11241,8 @@
         </p:nvSpPr>
         <p:spPr>
           <a:xfrm>
-            <a:off x="3281268" y="1954570"/>
-            <a:ext cx="1529715" cy="1516441"/>
+            <a:off x="2840877" y="1898167"/>
+            <a:ext cx="1651340" cy="1270220"/>
           </a:xfrm>
           <a:prstGeom prst="rect">
             <a:avLst/>
@@ -8581,8 +11267,8 @@
                 <a:solidFill>
                   <a:srgbClr val="585858"/>
                 </a:solidFill>
-                <a:latin typeface="Times New Roman" panose="02020603050405020304" pitchFamily="18" charset="0"/>
-                <a:cs typeface="Times New Roman" panose="02020603050405020304" pitchFamily="18" charset="0"/>
+                <a:latin typeface="Arial"/>
+                <a:cs typeface="Arial"/>
               </a:rPr>
               <a:t>3</a:t>
             </a:r>
@@ -8591,8 +11277,8 @@
                 <a:solidFill>
                   <a:srgbClr val="585858"/>
                 </a:solidFill>
-                <a:latin typeface="Times New Roman" panose="02020603050405020304" pitchFamily="18" charset="0"/>
-                <a:cs typeface="Times New Roman" panose="02020603050405020304" pitchFamily="18" charset="0"/>
+                <a:latin typeface="Arial"/>
+                <a:cs typeface="Arial"/>
               </a:rPr>
               <a:t>rd</a:t>
             </a:r>
@@ -8601,8 +11287,8 @@
                 <a:solidFill>
                   <a:srgbClr val="585858"/>
                 </a:solidFill>
-                <a:latin typeface="Times New Roman" panose="02020603050405020304" pitchFamily="18" charset="0"/>
-                <a:cs typeface="Times New Roman" panose="02020603050405020304" pitchFamily="18" charset="0"/>
+                <a:latin typeface="Arial"/>
+                <a:cs typeface="Arial"/>
               </a:rPr>
               <a:t> </a:t>
             </a:r>
@@ -8611,14 +11297,14 @@
                 <a:solidFill>
                   <a:srgbClr val="585858"/>
                 </a:solidFill>
-                <a:latin typeface="Times New Roman" panose="02020603050405020304" pitchFamily="18" charset="0"/>
-                <a:cs typeface="Times New Roman" panose="02020603050405020304" pitchFamily="18" charset="0"/>
+                <a:latin typeface="Arial"/>
+                <a:cs typeface="Arial"/>
               </a:rPr>
               <a:t>week</a:t>
             </a:r>
             <a:endParaRPr sz="2400" dirty="0">
-              <a:latin typeface="Times New Roman" panose="02020603050405020304" pitchFamily="18" charset="0"/>
-              <a:cs typeface="Times New Roman" panose="02020603050405020304" pitchFamily="18" charset="0"/>
+              <a:latin typeface="Arial"/>
+              <a:cs typeface="Arial"/>
             </a:endParaRPr>
           </a:p>
           <a:p>
@@ -8632,62 +11318,18 @@
               </a:tabLst>
             </a:pPr>
             <a:r>
-              <a:rPr sz="1600" spc="20" dirty="0">
+              <a:rPr lang="en-US" sz="1400" spc="20" dirty="0" smtClean="0">
                 <a:solidFill>
                   <a:srgbClr val="404040"/>
                 </a:solidFill>
-                <a:latin typeface="Times New Roman" panose="02020603050405020304" pitchFamily="18" charset="0"/>
-                <a:cs typeface="Times New Roman" panose="02020603050405020304" pitchFamily="18" charset="0"/>
-              </a:rPr>
-              <a:t>Project</a:t>
-            </a:r>
-            <a:r>
-              <a:rPr sz="1600" spc="-204" dirty="0">
-                <a:solidFill>
-                  <a:srgbClr val="404040"/>
-                </a:solidFill>
-                <a:latin typeface="Times New Roman" panose="02020603050405020304" pitchFamily="18" charset="0"/>
-                <a:cs typeface="Times New Roman" panose="02020603050405020304" pitchFamily="18" charset="0"/>
-              </a:rPr>
-              <a:t> </a:t>
-            </a:r>
-            <a:r>
-              <a:rPr sz="1600" spc="-10" dirty="0">
-                <a:solidFill>
-                  <a:srgbClr val="404040"/>
-                </a:solidFill>
-                <a:latin typeface="Times New Roman" panose="02020603050405020304" pitchFamily="18" charset="0"/>
-                <a:cs typeface="Times New Roman" panose="02020603050405020304" pitchFamily="18" charset="0"/>
-              </a:rPr>
-              <a:t>banking</a:t>
-            </a:r>
-            <a:endParaRPr sz="1600" dirty="0">
-              <a:latin typeface="Times New Roman" panose="02020603050405020304" pitchFamily="18" charset="0"/>
-              <a:cs typeface="Times New Roman" panose="02020603050405020304" pitchFamily="18" charset="0"/>
-            </a:endParaRPr>
-          </a:p>
-          <a:p>
-            <a:pPr marL="209550">
-              <a:lnSpc>
-                <a:spcPts val="1664"/>
-              </a:lnSpc>
-              <a:spcBef>
-                <a:spcPts val="45"/>
-              </a:spcBef>
-            </a:pPr>
-            <a:r>
-              <a:rPr sz="1600" dirty="0">
-                <a:solidFill>
-                  <a:srgbClr val="404040"/>
-                </a:solidFill>
-                <a:latin typeface="Times New Roman" panose="02020603050405020304" pitchFamily="18" charset="0"/>
-                <a:cs typeface="Times New Roman" panose="02020603050405020304" pitchFamily="18" charset="0"/>
-              </a:rPr>
-              <a:t>application.</a:t>
-            </a:r>
-            <a:endParaRPr sz="1600" dirty="0">
-              <a:latin typeface="Times New Roman" panose="02020603050405020304" pitchFamily="18" charset="0"/>
-              <a:cs typeface="Times New Roman" panose="02020603050405020304" pitchFamily="18" charset="0"/>
+                <a:latin typeface="Arial"/>
+                <a:cs typeface="Arial"/>
+              </a:rPr>
+              <a:t>Data model and DB applications.</a:t>
+            </a:r>
+            <a:endParaRPr sz="1400" dirty="0">
+              <a:latin typeface="Arial"/>
+              <a:cs typeface="Arial"/>
             </a:endParaRPr>
           </a:p>
           <a:p>
@@ -8704,79 +11346,18 @@
               </a:tabLst>
             </a:pPr>
             <a:r>
-              <a:rPr sz="1600" spc="30" dirty="0">
+              <a:rPr lang="en-US" sz="1400" spc="30" dirty="0" smtClean="0">
                 <a:solidFill>
                   <a:srgbClr val="404040"/>
                 </a:solidFill>
-                <a:latin typeface="Times New Roman" panose="02020603050405020304" pitchFamily="18" charset="0"/>
-                <a:cs typeface="Times New Roman" panose="02020603050405020304" pitchFamily="18" charset="0"/>
-              </a:rPr>
-              <a:t>JDBC </a:t>
-            </a:r>
-            <a:r>
-              <a:rPr sz="1600" spc="-15" dirty="0">
-                <a:solidFill>
-                  <a:srgbClr val="404040"/>
-                </a:solidFill>
-                <a:latin typeface="Times New Roman" panose="02020603050405020304" pitchFamily="18" charset="0"/>
-                <a:cs typeface="Times New Roman" panose="02020603050405020304" pitchFamily="18" charset="0"/>
-              </a:rPr>
-              <a:t>and</a:t>
-            </a:r>
-            <a:r>
-              <a:rPr sz="1600" spc="-235" dirty="0">
-                <a:solidFill>
-                  <a:srgbClr val="404040"/>
-                </a:solidFill>
-                <a:latin typeface="Times New Roman" panose="02020603050405020304" pitchFamily="18" charset="0"/>
-                <a:cs typeface="Times New Roman" panose="02020603050405020304" pitchFamily="18" charset="0"/>
-              </a:rPr>
-              <a:t> </a:t>
-            </a:r>
-            <a:r>
-              <a:rPr sz="1600" spc="50" dirty="0">
-                <a:solidFill>
-                  <a:srgbClr val="404040"/>
-                </a:solidFill>
-                <a:latin typeface="Times New Roman" panose="02020603050405020304" pitchFamily="18" charset="0"/>
-                <a:cs typeface="Times New Roman" panose="02020603050405020304" pitchFamily="18" charset="0"/>
-              </a:rPr>
-              <a:t>WEB  </a:t>
-            </a:r>
-            <a:r>
-              <a:rPr sz="1600" spc="30" dirty="0">
-                <a:solidFill>
-                  <a:srgbClr val="404040"/>
-                </a:solidFill>
-                <a:latin typeface="Times New Roman" panose="02020603050405020304" pitchFamily="18" charset="0"/>
-                <a:cs typeface="Times New Roman" panose="02020603050405020304" pitchFamily="18" charset="0"/>
-              </a:rPr>
-              <a:t>design</a:t>
-            </a:r>
-            <a:endParaRPr sz="1600" dirty="0">
-              <a:latin typeface="Times New Roman" panose="02020603050405020304" pitchFamily="18" charset="0"/>
-              <a:cs typeface="Times New Roman" panose="02020603050405020304" pitchFamily="18" charset="0"/>
-            </a:endParaRPr>
-          </a:p>
-          <a:p>
-            <a:pPr marL="209550">
-              <a:lnSpc>
-                <a:spcPct val="100000"/>
-              </a:lnSpc>
-            </a:pPr>
-            <a:r>
-              <a:rPr sz="1600" dirty="0">
-                <a:solidFill>
-                  <a:srgbClr val="404040"/>
-                </a:solidFill>
-                <a:latin typeface="Times New Roman" panose="02020603050405020304" pitchFamily="18" charset="0"/>
-                <a:cs typeface="Times New Roman" panose="02020603050405020304" pitchFamily="18" charset="0"/>
-              </a:rPr>
-              <a:t>fundamentals</a:t>
-            </a:r>
-            <a:endParaRPr sz="1600" dirty="0">
-              <a:latin typeface="Times New Roman" panose="02020603050405020304" pitchFamily="18" charset="0"/>
-              <a:cs typeface="Times New Roman" panose="02020603050405020304" pitchFamily="18" charset="0"/>
+                <a:latin typeface="Arial"/>
+                <a:cs typeface="Arial"/>
+              </a:rPr>
+              <a:t>Core Java Programming</a:t>
+            </a:r>
+            <a:endParaRPr sz="1400" dirty="0">
+              <a:latin typeface="Arial"/>
+              <a:cs typeface="Arial"/>
             </a:endParaRPr>
           </a:p>
         </p:txBody>
@@ -8789,8 +11370,8 @@
         </p:nvSpPr>
         <p:spPr>
           <a:xfrm>
-            <a:off x="5848269" y="1749107"/>
-            <a:ext cx="1462405" cy="1797287"/>
+            <a:off x="5087377" y="1683224"/>
+            <a:ext cx="1557083" cy="1543371"/>
           </a:xfrm>
           <a:prstGeom prst="rect">
             <a:avLst/>
@@ -8815,8 +11396,8 @@
                 <a:solidFill>
                   <a:srgbClr val="585858"/>
                 </a:solidFill>
-                <a:latin typeface="Times New Roman" panose="02020603050405020304" pitchFamily="18" charset="0"/>
-                <a:cs typeface="Times New Roman" panose="02020603050405020304" pitchFamily="18" charset="0"/>
+                <a:latin typeface="Arial"/>
+                <a:cs typeface="Arial"/>
               </a:rPr>
               <a:t>5</a:t>
             </a:r>
@@ -8825,8 +11406,8 @@
                 <a:solidFill>
                   <a:srgbClr val="585858"/>
                 </a:solidFill>
-                <a:latin typeface="Times New Roman" panose="02020603050405020304" pitchFamily="18" charset="0"/>
-                <a:cs typeface="Times New Roman" panose="02020603050405020304" pitchFamily="18" charset="0"/>
+                <a:latin typeface="Arial"/>
+                <a:cs typeface="Arial"/>
               </a:rPr>
               <a:t>th</a:t>
             </a:r>
@@ -8835,8 +11416,8 @@
                 <a:solidFill>
                   <a:srgbClr val="585858"/>
                 </a:solidFill>
-                <a:latin typeface="Times New Roman" panose="02020603050405020304" pitchFamily="18" charset="0"/>
-                <a:cs typeface="Times New Roman" panose="02020603050405020304" pitchFamily="18" charset="0"/>
+                <a:latin typeface="Arial"/>
+                <a:cs typeface="Arial"/>
               </a:rPr>
               <a:t> </a:t>
             </a:r>
@@ -8845,14 +11426,14 @@
                 <a:solidFill>
                   <a:srgbClr val="585858"/>
                 </a:solidFill>
-                <a:latin typeface="Times New Roman" panose="02020603050405020304" pitchFamily="18" charset="0"/>
-                <a:cs typeface="Times New Roman" panose="02020603050405020304" pitchFamily="18" charset="0"/>
+                <a:latin typeface="Arial"/>
+                <a:cs typeface="Arial"/>
               </a:rPr>
               <a:t>week</a:t>
             </a:r>
             <a:endParaRPr sz="2400" dirty="0">
-              <a:latin typeface="Times New Roman" panose="02020603050405020304" pitchFamily="18" charset="0"/>
-              <a:cs typeface="Times New Roman" panose="02020603050405020304" pitchFamily="18" charset="0"/>
+              <a:latin typeface="Arial"/>
+              <a:cs typeface="Arial"/>
             </a:endParaRPr>
           </a:p>
           <a:p>
@@ -8869,66 +11450,18 @@
               </a:tabLst>
             </a:pPr>
             <a:r>
-              <a:rPr sz="1600" dirty="0">
+              <a:rPr lang="en-US" sz="1400" dirty="0" smtClean="0">
                 <a:solidFill>
                   <a:srgbClr val="404040"/>
                 </a:solidFill>
-                <a:latin typeface="Times New Roman" panose="02020603050405020304" pitchFamily="18" charset="0"/>
-                <a:cs typeface="Times New Roman" panose="02020603050405020304" pitchFamily="18" charset="0"/>
-              </a:rPr>
-              <a:t>Java</a:t>
-            </a:r>
-            <a:r>
-              <a:rPr sz="1600" spc="-65" dirty="0">
-                <a:solidFill>
-                  <a:srgbClr val="404040"/>
-                </a:solidFill>
-                <a:latin typeface="Times New Roman" panose="02020603050405020304" pitchFamily="18" charset="0"/>
-                <a:cs typeface="Times New Roman" panose="02020603050405020304" pitchFamily="18" charset="0"/>
-              </a:rPr>
-              <a:t> </a:t>
-            </a:r>
-            <a:r>
-              <a:rPr sz="1600" spc="15" dirty="0">
-                <a:solidFill>
-                  <a:srgbClr val="404040"/>
-                </a:solidFill>
-                <a:latin typeface="Times New Roman" panose="02020603050405020304" pitchFamily="18" charset="0"/>
-                <a:cs typeface="Times New Roman" panose="02020603050405020304" pitchFamily="18" charset="0"/>
-              </a:rPr>
-              <a:t>script</a:t>
-            </a:r>
-            <a:endParaRPr sz="1600" dirty="0">
-              <a:latin typeface="Times New Roman" panose="02020603050405020304" pitchFamily="18" charset="0"/>
-              <a:cs typeface="Times New Roman" panose="02020603050405020304" pitchFamily="18" charset="0"/>
-            </a:endParaRPr>
-          </a:p>
-          <a:p>
-            <a:pPr marL="209550" indent="-171450">
-              <a:lnSpc>
-                <a:spcPts val="1664"/>
-              </a:lnSpc>
-              <a:spcBef>
-                <a:spcPts val="45"/>
-              </a:spcBef>
-              <a:buChar char="•"/>
-              <a:tabLst>
-                <a:tab pos="209550" algn="l"/>
-              </a:tabLst>
-            </a:pPr>
-            <a:r>
-              <a:rPr sz="1600" spc="25" dirty="0">
-                <a:solidFill>
-                  <a:srgbClr val="404040"/>
-                </a:solidFill>
-                <a:latin typeface="Times New Roman" panose="02020603050405020304" pitchFamily="18" charset="0"/>
-                <a:cs typeface="Times New Roman" panose="02020603050405020304" pitchFamily="18" charset="0"/>
-              </a:rPr>
-              <a:t>ES5,ES6</a:t>
-            </a:r>
-            <a:endParaRPr sz="1600" dirty="0">
-              <a:latin typeface="Times New Roman" panose="02020603050405020304" pitchFamily="18" charset="0"/>
-              <a:cs typeface="Times New Roman" panose="02020603050405020304" pitchFamily="18" charset="0"/>
+                <a:latin typeface="Arial"/>
+                <a:cs typeface="Arial"/>
+              </a:rPr>
+              <a:t>JDBC and Web Design fundamentals</a:t>
+            </a:r>
+            <a:endParaRPr sz="1400" dirty="0">
+              <a:latin typeface="Arial"/>
+              <a:cs typeface="Arial"/>
             </a:endParaRPr>
           </a:p>
           <a:p>
@@ -8942,69 +11475,14 @@
               </a:tabLst>
             </a:pPr>
             <a:r>
-              <a:rPr sz="1600" spc="-5" dirty="0">
-                <a:solidFill>
-                  <a:srgbClr val="404040"/>
-                </a:solidFill>
-                <a:latin typeface="Times New Roman" panose="02020603050405020304" pitchFamily="18" charset="0"/>
-                <a:cs typeface="Times New Roman" panose="02020603050405020304" pitchFamily="18" charset="0"/>
-              </a:rPr>
-              <a:t>Angular7</a:t>
-            </a:r>
-            <a:endParaRPr sz="1600" dirty="0">
-              <a:latin typeface="Times New Roman" panose="02020603050405020304" pitchFamily="18" charset="0"/>
-              <a:cs typeface="Times New Roman" panose="02020603050405020304" pitchFamily="18" charset="0"/>
-            </a:endParaRPr>
-          </a:p>
-          <a:p>
-            <a:pPr marL="209550" indent="-171450">
-              <a:lnSpc>
-                <a:spcPts val="1664"/>
-              </a:lnSpc>
-              <a:buChar char="•"/>
-              <a:tabLst>
-                <a:tab pos="209550" algn="l"/>
-              </a:tabLst>
-            </a:pPr>
-            <a:r>
-              <a:rPr sz="1600" spc="-25" dirty="0">
-                <a:solidFill>
-                  <a:srgbClr val="404040"/>
-                </a:solidFill>
-                <a:latin typeface="Times New Roman" panose="02020603050405020304" pitchFamily="18" charset="0"/>
-                <a:cs typeface="Times New Roman" panose="02020603050405020304" pitchFamily="18" charset="0"/>
-              </a:rPr>
-              <a:t>UML</a:t>
-            </a:r>
-            <a:r>
-              <a:rPr sz="1600" spc="-15" dirty="0">
-                <a:solidFill>
-                  <a:srgbClr val="404040"/>
-                </a:solidFill>
-                <a:latin typeface="Times New Roman" panose="02020603050405020304" pitchFamily="18" charset="0"/>
-                <a:cs typeface="Times New Roman" panose="02020603050405020304" pitchFamily="18" charset="0"/>
-              </a:rPr>
-              <a:t> </a:t>
-            </a:r>
-            <a:r>
-              <a:rPr sz="1600" spc="5" dirty="0">
-                <a:solidFill>
-                  <a:srgbClr val="404040"/>
-                </a:solidFill>
-                <a:latin typeface="Times New Roman" panose="02020603050405020304" pitchFamily="18" charset="0"/>
-                <a:cs typeface="Times New Roman" panose="02020603050405020304" pitchFamily="18" charset="0"/>
-              </a:rPr>
-              <a:t>diagrams</a:t>
-            </a:r>
-            <a:r>
-              <a:rPr sz="1400" spc="5" dirty="0">
+              <a:rPr lang="en-US" sz="1400" spc="5" dirty="0" smtClean="0">
                 <a:solidFill>
                   <a:srgbClr val="404040"/>
                 </a:solidFill>
                 <a:latin typeface="Arial"/>
                 <a:cs typeface="Arial"/>
               </a:rPr>
-              <a:t>.</a:t>
+              <a:t>Bootstrap</a:t>
             </a:r>
             <a:endParaRPr sz="1400" dirty="0">
               <a:latin typeface="Arial"/>
@@ -9021,8 +11499,8 @@
         </p:nvSpPr>
         <p:spPr>
           <a:xfrm>
-            <a:off x="4046125" y="4133850"/>
-            <a:ext cx="1275080" cy="1396365"/>
+            <a:off x="3483173" y="4346753"/>
+            <a:ext cx="1275080" cy="1594026"/>
           </a:xfrm>
           <a:prstGeom prst="rect">
             <a:avLst/>
@@ -9047,8 +11525,8 @@
                 <a:solidFill>
                   <a:srgbClr val="585858"/>
                 </a:solidFill>
-                <a:latin typeface="Times New Roman" panose="02020603050405020304" pitchFamily="18" charset="0"/>
-                <a:cs typeface="Times New Roman" panose="02020603050405020304" pitchFamily="18" charset="0"/>
+                <a:latin typeface="Arial"/>
+                <a:cs typeface="Arial"/>
               </a:rPr>
               <a:t>4</a:t>
             </a:r>
@@ -9057,8 +11535,8 @@
                 <a:solidFill>
                   <a:srgbClr val="585858"/>
                 </a:solidFill>
-                <a:latin typeface="Times New Roman" panose="02020603050405020304" pitchFamily="18" charset="0"/>
-                <a:cs typeface="Times New Roman" panose="02020603050405020304" pitchFamily="18" charset="0"/>
+                <a:latin typeface="Arial"/>
+                <a:cs typeface="Arial"/>
               </a:rPr>
               <a:t>th</a:t>
             </a:r>
@@ -9067,8 +11545,8 @@
                 <a:solidFill>
                   <a:srgbClr val="585858"/>
                 </a:solidFill>
-                <a:latin typeface="Times New Roman" panose="02020603050405020304" pitchFamily="18" charset="0"/>
-                <a:cs typeface="Times New Roman" panose="02020603050405020304" pitchFamily="18" charset="0"/>
+                <a:latin typeface="Arial"/>
+                <a:cs typeface="Arial"/>
               </a:rPr>
               <a:t> </a:t>
             </a:r>
@@ -9077,14 +11555,14 @@
                 <a:solidFill>
                   <a:srgbClr val="585858"/>
                 </a:solidFill>
-                <a:latin typeface="Times New Roman" panose="02020603050405020304" pitchFamily="18" charset="0"/>
-                <a:cs typeface="Times New Roman" panose="02020603050405020304" pitchFamily="18" charset="0"/>
+                <a:latin typeface="Arial"/>
+                <a:cs typeface="Arial"/>
               </a:rPr>
               <a:t>week</a:t>
             </a:r>
             <a:endParaRPr sz="2400" dirty="0">
-              <a:latin typeface="Times New Roman" panose="02020603050405020304" pitchFamily="18" charset="0"/>
-              <a:cs typeface="Times New Roman" panose="02020603050405020304" pitchFamily="18" charset="0"/>
+              <a:latin typeface="Arial"/>
+              <a:cs typeface="Arial"/>
             </a:endParaRPr>
           </a:p>
           <a:p>
@@ -9101,27 +11579,23 @@
               </a:tabLst>
             </a:pPr>
             <a:r>
-              <a:rPr sz="1400" spc="-10" dirty="0">
+              <a:rPr lang="en-US" sz="1400" spc="-10" dirty="0" smtClean="0">
                 <a:solidFill>
                   <a:srgbClr val="404040"/>
                 </a:solidFill>
-                <a:latin typeface="Times New Roman" panose="02020603050405020304" pitchFamily="18" charset="0"/>
-                <a:cs typeface="Times New Roman" panose="02020603050405020304" pitchFamily="18" charset="0"/>
-              </a:rPr>
-              <a:t>HTML</a:t>
-            </a:r>
-            <a:endParaRPr sz="1400" dirty="0">
-              <a:latin typeface="Times New Roman" panose="02020603050405020304" pitchFamily="18" charset="0"/>
-              <a:cs typeface="Times New Roman" panose="02020603050405020304" pitchFamily="18" charset="0"/>
-            </a:endParaRPr>
+                <a:latin typeface="Arial"/>
+                <a:cs typeface="Arial"/>
+              </a:rPr>
+              <a:t>Exceptions</a:t>
+            </a:r>
           </a:p>
           <a:p>
             <a:pPr marL="240665" indent="-172085">
               <a:lnSpc>
-                <a:spcPts val="1664"/>
+                <a:spcPct val="100000"/>
               </a:lnSpc>
               <a:spcBef>
-                <a:spcPts val="45"/>
+                <a:spcPts val="464"/>
               </a:spcBef>
               <a:buChar char="•"/>
               <a:tabLst>
@@ -9129,267 +11603,74 @@
               </a:tabLst>
             </a:pPr>
             <a:r>
-              <a:rPr sz="1400" spc="30" dirty="0">
+              <a:rPr lang="en-US" sz="1400" spc="-10" dirty="0" smtClean="0">
                 <a:solidFill>
                   <a:srgbClr val="404040"/>
                 </a:solidFill>
-                <a:latin typeface="Times New Roman" panose="02020603050405020304" pitchFamily="18" charset="0"/>
-                <a:cs typeface="Times New Roman" panose="02020603050405020304" pitchFamily="18" charset="0"/>
-              </a:rPr>
-              <a:t>CSS</a:t>
-            </a:r>
-            <a:endParaRPr sz="1400" dirty="0">
-              <a:latin typeface="Times New Roman" panose="02020603050405020304" pitchFamily="18" charset="0"/>
-              <a:cs typeface="Times New Roman" panose="02020603050405020304" pitchFamily="18" charset="0"/>
+                <a:latin typeface="Arial"/>
+                <a:cs typeface="Arial"/>
+              </a:rPr>
+              <a:t>Collections</a:t>
+            </a:r>
+            <a:endParaRPr lang="en-US" sz="1400" spc="-10" dirty="0" smtClean="0">
+              <a:solidFill>
+                <a:srgbClr val="404040"/>
+              </a:solidFill>
+              <a:latin typeface="Arial"/>
+              <a:cs typeface="Arial"/>
             </a:endParaRPr>
           </a:p>
           <a:p>
             <a:pPr marL="240665" indent="-172085">
               <a:lnSpc>
-                <a:spcPts val="1650"/>
+                <a:spcPct val="100000"/>
               </a:lnSpc>
+              <a:spcBef>
+                <a:spcPts val="464"/>
+              </a:spcBef>
               <a:buChar char="•"/>
               <a:tabLst>
                 <a:tab pos="241300" algn="l"/>
               </a:tabLst>
             </a:pPr>
             <a:r>
-              <a:rPr sz="1400" spc="10" dirty="0">
+              <a:rPr sz="1400" spc="-10" dirty="0" smtClean="0">
                 <a:solidFill>
                   <a:srgbClr val="404040"/>
                 </a:solidFill>
-                <a:latin typeface="Times New Roman" panose="02020603050405020304" pitchFamily="18" charset="0"/>
-                <a:cs typeface="Times New Roman" panose="02020603050405020304" pitchFamily="18" charset="0"/>
-              </a:rPr>
-              <a:t>Bootstrap</a:t>
-            </a:r>
-            <a:endParaRPr sz="1400" dirty="0">
-              <a:latin typeface="Times New Roman" panose="02020603050405020304" pitchFamily="18" charset="0"/>
-              <a:cs typeface="Times New Roman" panose="02020603050405020304" pitchFamily="18" charset="0"/>
+                <a:latin typeface="Arial"/>
+                <a:cs typeface="Arial"/>
+              </a:rPr>
+              <a:t>HTML</a:t>
+            </a:r>
+            <a:endParaRPr lang="en-US" sz="1400" dirty="0">
+              <a:latin typeface="Arial"/>
+              <a:cs typeface="Arial"/>
             </a:endParaRPr>
           </a:p>
           <a:p>
             <a:pPr marL="240665" indent="-172085">
               <a:lnSpc>
-                <a:spcPts val="1664"/>
+                <a:spcPct val="100000"/>
               </a:lnSpc>
+              <a:spcBef>
+                <a:spcPts val="464"/>
+              </a:spcBef>
               <a:buChar char="•"/>
               <a:tabLst>
                 <a:tab pos="241300" algn="l"/>
               </a:tabLst>
             </a:pPr>
             <a:r>
-              <a:rPr sz="1400" spc="30" dirty="0">
-                <a:solidFill>
-                  <a:srgbClr val="404040"/>
-                </a:solidFill>
-                <a:latin typeface="Times New Roman" panose="02020603050405020304" pitchFamily="18" charset="0"/>
-                <a:cs typeface="Times New Roman" panose="02020603050405020304" pitchFamily="18" charset="0"/>
-              </a:rPr>
-              <a:t>AJAX</a:t>
+              <a:rPr lang="en-US" sz="1400" dirty="0" smtClean="0">
+                <a:latin typeface="Arial"/>
+                <a:cs typeface="Arial"/>
+              </a:rPr>
+              <a:t>CSS</a:t>
             </a:r>
             <a:endParaRPr sz="1400" dirty="0">
-              <a:latin typeface="Times New Roman" panose="02020603050405020304" pitchFamily="18" charset="0"/>
-              <a:cs typeface="Times New Roman" panose="02020603050405020304" pitchFamily="18" charset="0"/>
-            </a:endParaRPr>
-          </a:p>
-        </p:txBody>
-      </p:sp>
-      <p:sp>
-        <p:nvSpPr>
-          <p:cNvPr id="26" name="object 26"/>
-          <p:cNvSpPr txBox="1"/>
-          <p:nvPr/>
-        </p:nvSpPr>
-        <p:spPr>
-          <a:xfrm>
-            <a:off x="6256557" y="4283138"/>
-            <a:ext cx="1576070" cy="1705210"/>
-          </a:xfrm>
-          <a:prstGeom prst="rect">
-            <a:avLst/>
-          </a:prstGeom>
-        </p:spPr>
-        <p:txBody>
-          <a:bodyPr vert="horz" wrap="square" lIns="0" tIns="12700" rIns="0" bIns="0" rtlCol="0">
-            <a:spAutoFit/>
-          </a:bodyPr>
-          <a:lstStyle/>
-          <a:p>
-            <a:pPr marL="158750">
-              <a:lnSpc>
-                <a:spcPct val="100000"/>
-              </a:lnSpc>
-              <a:spcBef>
-                <a:spcPts val="100"/>
-              </a:spcBef>
-            </a:pPr>
-            <a:r>
-              <a:rPr sz="2400" b="1" spc="10" dirty="0">
-                <a:solidFill>
-                  <a:srgbClr val="585858"/>
-                </a:solidFill>
-                <a:latin typeface="Times New Roman" panose="02020603050405020304" pitchFamily="18" charset="0"/>
-                <a:cs typeface="Times New Roman" panose="02020603050405020304" pitchFamily="18" charset="0"/>
-              </a:rPr>
-              <a:t>6</a:t>
-            </a:r>
-            <a:r>
-              <a:rPr sz="2325" b="1" spc="15" baseline="26881" dirty="0">
-                <a:solidFill>
-                  <a:srgbClr val="585858"/>
-                </a:solidFill>
-                <a:latin typeface="Times New Roman" panose="02020603050405020304" pitchFamily="18" charset="0"/>
-                <a:cs typeface="Times New Roman" panose="02020603050405020304" pitchFamily="18" charset="0"/>
-              </a:rPr>
-              <a:t>th</a:t>
-            </a:r>
-            <a:r>
-              <a:rPr sz="2325" b="1" spc="7" baseline="26881" dirty="0">
-                <a:solidFill>
-                  <a:srgbClr val="585858"/>
-                </a:solidFill>
-                <a:latin typeface="Times New Roman" panose="02020603050405020304" pitchFamily="18" charset="0"/>
-                <a:cs typeface="Times New Roman" panose="02020603050405020304" pitchFamily="18" charset="0"/>
-              </a:rPr>
-              <a:t> </a:t>
-            </a:r>
-            <a:r>
-              <a:rPr sz="2400" b="1" spc="5" dirty="0">
-                <a:solidFill>
-                  <a:srgbClr val="585858"/>
-                </a:solidFill>
-                <a:latin typeface="Times New Roman" panose="02020603050405020304" pitchFamily="18" charset="0"/>
-                <a:cs typeface="Times New Roman" panose="02020603050405020304" pitchFamily="18" charset="0"/>
-              </a:rPr>
-              <a:t>week</a:t>
-            </a:r>
-            <a:endParaRPr sz="2400" dirty="0">
-              <a:latin typeface="Times New Roman" panose="02020603050405020304" pitchFamily="18" charset="0"/>
-              <a:cs typeface="Times New Roman" panose="02020603050405020304" pitchFamily="18" charset="0"/>
-            </a:endParaRPr>
-          </a:p>
-          <a:p>
-            <a:pPr marL="209550" marR="77470" indent="-171450">
-              <a:lnSpc>
-                <a:spcPct val="100600"/>
-              </a:lnSpc>
-              <a:spcBef>
-                <a:spcPts val="1090"/>
-              </a:spcBef>
-              <a:buChar char="•"/>
-              <a:tabLst>
-                <a:tab pos="209550" algn="l"/>
-              </a:tabLst>
-            </a:pPr>
-            <a:r>
-              <a:rPr sz="1600" dirty="0">
-                <a:solidFill>
-                  <a:srgbClr val="404040"/>
-                </a:solidFill>
-                <a:latin typeface="Times New Roman" panose="02020603050405020304" pitchFamily="18" charset="0"/>
-                <a:cs typeface="Times New Roman" panose="02020603050405020304" pitchFamily="18" charset="0"/>
-              </a:rPr>
-              <a:t>Architecture</a:t>
-            </a:r>
-            <a:r>
-              <a:rPr sz="1600" spc="-190" dirty="0">
-                <a:solidFill>
-                  <a:srgbClr val="404040"/>
-                </a:solidFill>
-                <a:latin typeface="Times New Roman" panose="02020603050405020304" pitchFamily="18" charset="0"/>
-                <a:cs typeface="Times New Roman" panose="02020603050405020304" pitchFamily="18" charset="0"/>
-              </a:rPr>
-              <a:t> </a:t>
-            </a:r>
-            <a:r>
-              <a:rPr sz="1600" spc="-15" dirty="0">
-                <a:solidFill>
-                  <a:srgbClr val="404040"/>
-                </a:solidFill>
-                <a:latin typeface="Times New Roman" panose="02020603050405020304" pitchFamily="18" charset="0"/>
-                <a:cs typeface="Times New Roman" panose="02020603050405020304" pitchFamily="18" charset="0"/>
-              </a:rPr>
-              <a:t>and  </a:t>
-            </a:r>
-            <a:r>
-              <a:rPr sz="1600" spc="5" dirty="0">
-                <a:solidFill>
-                  <a:srgbClr val="404040"/>
-                </a:solidFill>
-                <a:latin typeface="Times New Roman" panose="02020603050405020304" pitchFamily="18" charset="0"/>
-                <a:cs typeface="Times New Roman" panose="02020603050405020304" pitchFamily="18" charset="0"/>
-              </a:rPr>
-              <a:t>framework </a:t>
-            </a:r>
-            <a:r>
-              <a:rPr sz="1600" spc="25" dirty="0">
-                <a:solidFill>
-                  <a:srgbClr val="404040"/>
-                </a:solidFill>
-                <a:latin typeface="Times New Roman" panose="02020603050405020304" pitchFamily="18" charset="0"/>
-                <a:cs typeface="Times New Roman" panose="02020603050405020304" pitchFamily="18" charset="0"/>
-              </a:rPr>
-              <a:t>of  </a:t>
-            </a:r>
-            <a:r>
-              <a:rPr sz="1600" spc="-15" dirty="0">
-                <a:solidFill>
-                  <a:srgbClr val="404040"/>
-                </a:solidFill>
-                <a:latin typeface="Times New Roman" panose="02020603050405020304" pitchFamily="18" charset="0"/>
-                <a:cs typeface="Times New Roman" panose="02020603050405020304" pitchFamily="18" charset="0"/>
-              </a:rPr>
-              <a:t>angular</a:t>
-            </a:r>
-            <a:endParaRPr sz="1600" dirty="0">
-              <a:latin typeface="Times New Roman" panose="02020603050405020304" pitchFamily="18" charset="0"/>
-              <a:cs typeface="Times New Roman" panose="02020603050405020304" pitchFamily="18" charset="0"/>
-            </a:endParaRPr>
-          </a:p>
-          <a:p>
-            <a:pPr marL="209550" indent="-171450">
-              <a:lnSpc>
-                <a:spcPts val="1650"/>
-              </a:lnSpc>
-              <a:buChar char="•"/>
-              <a:tabLst>
-                <a:tab pos="209550" algn="l"/>
-              </a:tabLst>
-            </a:pPr>
-            <a:r>
-              <a:rPr sz="1600" spc="30" dirty="0">
-                <a:solidFill>
-                  <a:srgbClr val="404040"/>
-                </a:solidFill>
-                <a:latin typeface="Times New Roman" panose="02020603050405020304" pitchFamily="18" charset="0"/>
-                <a:cs typeface="Times New Roman" panose="02020603050405020304" pitchFamily="18" charset="0"/>
-              </a:rPr>
-              <a:t>JEE</a:t>
-            </a:r>
-            <a:r>
-              <a:rPr sz="1600" spc="-170" dirty="0">
-                <a:solidFill>
-                  <a:srgbClr val="404040"/>
-                </a:solidFill>
-                <a:latin typeface="Times New Roman" panose="02020603050405020304" pitchFamily="18" charset="0"/>
-                <a:cs typeface="Times New Roman" panose="02020603050405020304" pitchFamily="18" charset="0"/>
-              </a:rPr>
-              <a:t> </a:t>
-            </a:r>
-            <a:r>
-              <a:rPr sz="1600" dirty="0">
-                <a:solidFill>
-                  <a:srgbClr val="404040"/>
-                </a:solidFill>
-                <a:latin typeface="Times New Roman" panose="02020603050405020304" pitchFamily="18" charset="0"/>
-                <a:cs typeface="Times New Roman" panose="02020603050405020304" pitchFamily="18" charset="0"/>
-              </a:rPr>
-              <a:t>Architecture</a:t>
-            </a:r>
-            <a:endParaRPr sz="1600" dirty="0">
-              <a:latin typeface="Times New Roman" panose="02020603050405020304" pitchFamily="18" charset="0"/>
-              <a:cs typeface="Times New Roman" panose="02020603050405020304" pitchFamily="18" charset="0"/>
+              <a:latin typeface="Arial"/>
+              <a:cs typeface="Arial"/>
             </a:endParaRPr>
           </a:p>
         </p:txBody>
@@ -9402,7 +11683,7 @@
         </p:nvSpPr>
         <p:spPr>
           <a:xfrm>
-            <a:off x="8541938" y="1890217"/>
+            <a:off x="7555781" y="1898167"/>
             <a:ext cx="1245870" cy="391795"/>
           </a:xfrm>
           <a:prstGeom prst="rect">
@@ -9424,48 +11705,48 @@
               </a:spcBef>
             </a:pPr>
             <a:r>
-              <a:rPr sz="2400" b="1" spc="10" dirty="0">
+              <a:rPr sz="2400" b="1" spc="10" dirty="0" smtClean="0">
                 <a:solidFill>
                   <a:srgbClr val="585858"/>
                 </a:solidFill>
-                <a:latin typeface="Times New Roman" panose="02020603050405020304" pitchFamily="18" charset="0"/>
-                <a:cs typeface="Times New Roman" panose="02020603050405020304" pitchFamily="18" charset="0"/>
+                <a:latin typeface="Arial"/>
+                <a:cs typeface="Arial"/>
               </a:rPr>
               <a:t>7</a:t>
             </a:r>
             <a:r>
-              <a:rPr sz="2325" b="1" spc="15" baseline="26881" dirty="0">
+              <a:rPr sz="2325" b="1" spc="15" baseline="26881" dirty="0" smtClean="0">
                 <a:solidFill>
                   <a:srgbClr val="585858"/>
                 </a:solidFill>
-                <a:latin typeface="Times New Roman" panose="02020603050405020304" pitchFamily="18" charset="0"/>
-                <a:cs typeface="Times New Roman" panose="02020603050405020304" pitchFamily="18" charset="0"/>
+                <a:latin typeface="Arial"/>
+                <a:cs typeface="Arial"/>
               </a:rPr>
               <a:t>th</a:t>
             </a:r>
             <a:r>
-              <a:rPr sz="2325" b="1" spc="-30" baseline="26881" dirty="0">
+              <a:rPr sz="2325" b="1" spc="-30" baseline="26881" dirty="0" smtClean="0">
                 <a:solidFill>
                   <a:srgbClr val="585858"/>
                 </a:solidFill>
-                <a:latin typeface="Times New Roman" panose="02020603050405020304" pitchFamily="18" charset="0"/>
-                <a:cs typeface="Times New Roman" panose="02020603050405020304" pitchFamily="18" charset="0"/>
+                <a:latin typeface="Arial"/>
+                <a:cs typeface="Arial"/>
               </a:rPr>
               <a:t> </a:t>
             </a:r>
             <a:r>
-              <a:rPr sz="2400" b="1" spc="5" dirty="0">
+              <a:rPr sz="2400" b="1" spc="5" dirty="0" smtClean="0">
                 <a:solidFill>
                   <a:srgbClr val="585858"/>
                 </a:solidFill>
-                <a:latin typeface="Times New Roman" panose="02020603050405020304" pitchFamily="18" charset="0"/>
-                <a:cs typeface="Times New Roman" panose="02020603050405020304" pitchFamily="18" charset="0"/>
+                <a:latin typeface="Arial"/>
+                <a:cs typeface="Arial"/>
               </a:rPr>
               <a:t>week</a:t>
             </a:r>
             <a:endParaRPr sz="2400" dirty="0">
-              <a:latin typeface="Times New Roman" panose="02020603050405020304" pitchFamily="18" charset="0"/>
-              <a:cs typeface="Times New Roman" panose="02020603050405020304" pitchFamily="18" charset="0"/>
+              <a:latin typeface="Arial"/>
+              <a:cs typeface="Arial"/>
             </a:endParaRPr>
           </a:p>
         </p:txBody>
@@ -9478,8 +11759,8 @@
         </p:nvSpPr>
         <p:spPr>
           <a:xfrm>
-            <a:off x="8347960" y="2229498"/>
-            <a:ext cx="1645249" cy="1017905"/>
+            <a:off x="7355308" y="1963877"/>
+            <a:ext cx="1647148" cy="1758815"/>
           </a:xfrm>
           <a:prstGeom prst="rect">
             <a:avLst/>
@@ -9491,43 +11772,21 @@
           </a:bodyPr>
           <a:lstStyle/>
           <a:p>
-            <a:pPr marL="298450" indent="-286385">
+            <a:pPr marL="12065">
               <a:lnSpc>
                 <a:spcPct val="100000"/>
               </a:lnSpc>
               <a:spcBef>
                 <a:spcPts val="515"/>
               </a:spcBef>
-              <a:buChar char="•"/>
               <a:tabLst>
                 <a:tab pos="298450" algn="l"/>
                 <a:tab pos="299085" algn="l"/>
               </a:tabLst>
             </a:pPr>
-            <a:r>
-              <a:rPr sz="1400" spc="30" dirty="0">
-                <a:latin typeface="Times New Roman" panose="02020603050405020304" pitchFamily="18" charset="0"/>
-                <a:cs typeface="Times New Roman" panose="02020603050405020304" pitchFamily="18" charset="0"/>
-              </a:rPr>
-              <a:t>JSP</a:t>
-            </a:r>
-            <a:r>
-              <a:rPr sz="1400" spc="-160" dirty="0">
-                <a:latin typeface="Times New Roman" panose="02020603050405020304" pitchFamily="18" charset="0"/>
-                <a:cs typeface="Times New Roman" panose="02020603050405020304" pitchFamily="18" charset="0"/>
-              </a:rPr>
-              <a:t> </a:t>
-            </a:r>
-            <a:r>
-              <a:rPr sz="1400" spc="10" dirty="0">
-                <a:latin typeface="Times New Roman" panose="02020603050405020304" pitchFamily="18" charset="0"/>
-                <a:cs typeface="Times New Roman" panose="02020603050405020304" pitchFamily="18" charset="0"/>
-              </a:rPr>
-              <a:t>Servlet</a:t>
-            </a:r>
-            <a:endParaRPr sz="1400" dirty="0">
-              <a:latin typeface="Times New Roman" panose="02020603050405020304" pitchFamily="18" charset="0"/>
-              <a:cs typeface="Times New Roman" panose="02020603050405020304" pitchFamily="18" charset="0"/>
+            <a:endParaRPr sz="1400" dirty="0" smtClean="0">
+              <a:latin typeface="Arial"/>
+              <a:cs typeface="Arial"/>
             </a:endParaRPr>
           </a:p>
           <a:p>
@@ -9546,49 +11805,77 @@
             </a:pPr>
             <a:r>
               <a:rPr sz="1400" spc="5" dirty="0">
-                <a:latin typeface="Times New Roman" panose="02020603050405020304" pitchFamily="18" charset="0"/>
-                <a:cs typeface="Times New Roman" panose="02020603050405020304" pitchFamily="18" charset="0"/>
+                <a:latin typeface="Arial"/>
+                <a:cs typeface="Arial"/>
               </a:rPr>
               <a:t>Spring</a:t>
             </a:r>
             <a:r>
               <a:rPr sz="1400" spc="-140" dirty="0">
-                <a:latin typeface="Times New Roman" panose="02020603050405020304" pitchFamily="18" charset="0"/>
-                <a:cs typeface="Times New Roman" panose="02020603050405020304" pitchFamily="18" charset="0"/>
+                <a:latin typeface="Arial"/>
+                <a:cs typeface="Arial"/>
               </a:rPr>
               <a:t> </a:t>
             </a:r>
             <a:r>
-              <a:rPr sz="1400" spc="30" dirty="0">
-                <a:latin typeface="Times New Roman" panose="02020603050405020304" pitchFamily="18" charset="0"/>
-                <a:cs typeface="Times New Roman" panose="02020603050405020304" pitchFamily="18" charset="0"/>
-              </a:rPr>
-              <a:t>REST(  </a:t>
+              <a:rPr sz="1400" spc="30" dirty="0" smtClean="0">
+                <a:latin typeface="Arial"/>
+                <a:cs typeface="Arial"/>
+              </a:rPr>
+              <a:t>REST</a:t>
+            </a:r>
+            <a:r>
+              <a:rPr lang="en-US" sz="1400" spc="30" dirty="0">
+                <a:latin typeface="Arial"/>
+                <a:cs typeface="Arial"/>
+              </a:rPr>
+              <a:t> </a:t>
+            </a:r>
+            <a:r>
+              <a:rPr lang="en-US" sz="1400" spc="30" dirty="0" smtClean="0">
+                <a:latin typeface="Arial"/>
+                <a:cs typeface="Arial"/>
+              </a:rPr>
+              <a:t>    </a:t>
+            </a:r>
+            <a:r>
+              <a:rPr sz="1400" spc="30" dirty="0" smtClean="0">
+                <a:latin typeface="Arial"/>
+                <a:cs typeface="Arial"/>
+              </a:rPr>
+              <a:t>(</a:t>
+            </a:r>
+            <a:r>
+              <a:rPr sz="1400" spc="15" dirty="0" smtClean="0">
+                <a:latin typeface="Arial"/>
+                <a:cs typeface="Arial"/>
+              </a:rPr>
+              <a:t>Core </a:t>
             </a:r>
             <a:r>
               <a:rPr sz="1400" spc="15" dirty="0">
-                <a:latin typeface="Times New Roman" panose="02020603050405020304" pitchFamily="18" charset="0"/>
-                <a:cs typeface="Times New Roman" panose="02020603050405020304" pitchFamily="18" charset="0"/>
-              </a:rPr>
-              <a:t>Core &amp;</a:t>
+                <a:latin typeface="Arial"/>
+                <a:cs typeface="Arial"/>
+              </a:rPr>
+              <a:t>&amp;</a:t>
             </a:r>
             <a:r>
               <a:rPr sz="1400" spc="-195" dirty="0">
-                <a:latin typeface="Times New Roman" panose="02020603050405020304" pitchFamily="18" charset="0"/>
-                <a:cs typeface="Times New Roman" panose="02020603050405020304" pitchFamily="18" charset="0"/>
+                <a:latin typeface="Arial"/>
+                <a:cs typeface="Arial"/>
               </a:rPr>
               <a:t> </a:t>
             </a:r>
             <a:r>
               <a:rPr sz="1400" spc="10" dirty="0">
-                <a:latin typeface="Times New Roman" panose="02020603050405020304" pitchFamily="18" charset="0"/>
-                <a:cs typeface="Times New Roman" panose="02020603050405020304" pitchFamily="18" charset="0"/>
+                <a:latin typeface="Arial"/>
+                <a:cs typeface="Arial"/>
               </a:rPr>
               <a:t>MVC)</a:t>
             </a:r>
             <a:endParaRPr sz="1400" dirty="0">
-              <a:latin typeface="Times New Roman" panose="02020603050405020304" pitchFamily="18" charset="0"/>
-              <a:cs typeface="Times New Roman" panose="02020603050405020304" pitchFamily="18" charset="0"/>
+              <a:latin typeface="Arial"/>
+              <a:cs typeface="Arial"/>
             </a:endParaRPr>
           </a:p>
           <a:p>
@@ -9606,15 +11893,60 @@
               </a:tabLst>
             </a:pPr>
             <a:r>
-              <a:rPr sz="1400" spc="-5" dirty="0">
-                <a:latin typeface="Times New Roman" panose="02020603050405020304" pitchFamily="18" charset="0"/>
-                <a:cs typeface="Times New Roman" panose="02020603050405020304" pitchFamily="18" charset="0"/>
+              <a:rPr sz="1400" spc="-5" dirty="0" err="1" smtClean="0">
+                <a:latin typeface="Arial"/>
+                <a:cs typeface="Arial"/>
               </a:rPr>
               <a:t>myBatis</a:t>
             </a:r>
+            <a:endParaRPr lang="en-US" sz="1400" spc="-5" dirty="0" smtClean="0">
+              <a:latin typeface="Arial"/>
+              <a:cs typeface="Arial"/>
+            </a:endParaRPr>
+          </a:p>
+          <a:p>
+            <a:pPr marL="298450" indent="-286385">
+              <a:lnSpc>
+                <a:spcPct val="100000"/>
+              </a:lnSpc>
+              <a:spcBef>
+                <a:spcPts val="405"/>
+              </a:spcBef>
+              <a:buChar char="•"/>
+              <a:tabLst>
+                <a:tab pos="298450" algn="l"/>
+                <a:tab pos="299085" algn="l"/>
+              </a:tabLst>
+            </a:pPr>
+            <a:r>
+              <a:rPr lang="en-US" sz="1400" spc="-5" dirty="0" smtClean="0">
+                <a:latin typeface="Arial"/>
+                <a:cs typeface="Arial"/>
+              </a:rPr>
+              <a:t>Framework of Angular</a:t>
+            </a:r>
+            <a:endParaRPr lang="en-US" sz="1400" spc="-5" dirty="0" smtClean="0">
+              <a:latin typeface="Arial"/>
+              <a:cs typeface="Arial"/>
+            </a:endParaRPr>
+          </a:p>
+          <a:p>
+            <a:pPr marL="298450" indent="-286385">
+              <a:lnSpc>
+                <a:spcPct val="100000"/>
+              </a:lnSpc>
+              <a:spcBef>
+                <a:spcPts val="405"/>
+              </a:spcBef>
+              <a:buChar char="•"/>
+              <a:tabLst>
+                <a:tab pos="298450" algn="l"/>
+                <a:tab pos="299085" algn="l"/>
+              </a:tabLst>
+            </a:pPr>
             <a:endParaRPr sz="1400" dirty="0">
-              <a:latin typeface="Times New Roman" panose="02020603050405020304" pitchFamily="18" charset="0"/>
-              <a:cs typeface="Times New Roman" panose="02020603050405020304" pitchFamily="18" charset="0"/>
+              <a:latin typeface="Arial"/>
+              <a:cs typeface="Arial"/>
             </a:endParaRPr>
           </a:p>
         </p:txBody>
@@ -9627,7 +11959,7 @@
         </p:nvSpPr>
         <p:spPr>
           <a:xfrm>
-            <a:off x="9236861" y="4319257"/>
+            <a:off x="8073886" y="4467617"/>
             <a:ext cx="1245870" cy="392430"/>
           </a:xfrm>
           <a:prstGeom prst="rect">
@@ -9653,8 +11985,8 @@
                 <a:solidFill>
                   <a:srgbClr val="585858"/>
                 </a:solidFill>
-                <a:latin typeface="Times New Roman" panose="02020603050405020304" pitchFamily="18" charset="0"/>
-                <a:cs typeface="Times New Roman" panose="02020603050405020304" pitchFamily="18" charset="0"/>
+                <a:latin typeface="Arial"/>
+                <a:cs typeface="Arial"/>
               </a:rPr>
               <a:t>8</a:t>
             </a:r>
@@ -9663,8 +11995,8 @@
                 <a:solidFill>
                   <a:srgbClr val="585858"/>
                 </a:solidFill>
-                <a:latin typeface="Times New Roman" panose="02020603050405020304" pitchFamily="18" charset="0"/>
-                <a:cs typeface="Times New Roman" panose="02020603050405020304" pitchFamily="18" charset="0"/>
+                <a:latin typeface="Arial"/>
+                <a:cs typeface="Arial"/>
               </a:rPr>
               <a:t>th</a:t>
             </a:r>
@@ -9673,8 +12005,8 @@
                 <a:solidFill>
                   <a:srgbClr val="585858"/>
                 </a:solidFill>
-                <a:latin typeface="Times New Roman" panose="02020603050405020304" pitchFamily="18" charset="0"/>
-                <a:cs typeface="Times New Roman" panose="02020603050405020304" pitchFamily="18" charset="0"/>
+                <a:latin typeface="Arial"/>
+                <a:cs typeface="Arial"/>
               </a:rPr>
               <a:t> </a:t>
             </a:r>
@@ -9683,14 +12015,14 @@
                 <a:solidFill>
                   <a:srgbClr val="585858"/>
                 </a:solidFill>
-                <a:latin typeface="Times New Roman" panose="02020603050405020304" pitchFamily="18" charset="0"/>
-                <a:cs typeface="Times New Roman" panose="02020603050405020304" pitchFamily="18" charset="0"/>
+                <a:latin typeface="Arial"/>
+                <a:cs typeface="Arial"/>
               </a:rPr>
               <a:t>week</a:t>
             </a:r>
             <a:endParaRPr sz="2400" dirty="0">
-              <a:latin typeface="Times New Roman" panose="02020603050405020304" pitchFamily="18" charset="0"/>
-              <a:cs typeface="Times New Roman" panose="02020603050405020304" pitchFamily="18" charset="0"/>
+              <a:latin typeface="Arial"/>
+              <a:cs typeface="Arial"/>
             </a:endParaRPr>
           </a:p>
         </p:txBody>
@@ -9703,8 +12035,8 @@
         </p:nvSpPr>
         <p:spPr>
           <a:xfrm>
-            <a:off x="9110897" y="4693030"/>
-            <a:ext cx="2176227" cy="1813958"/>
+            <a:off x="7827174" y="4842850"/>
+            <a:ext cx="1552629" cy="1770356"/>
           </a:xfrm>
           <a:prstGeom prst="rect">
             <a:avLst/>
@@ -9730,15 +12062,15 @@
               </a:tabLst>
             </a:pPr>
             <a:r>
-              <a:rPr sz="1600" spc="10" dirty="0">
-                <a:latin typeface="Times New Roman" panose="02020603050405020304" pitchFamily="18" charset="0"/>
-                <a:cs typeface="Times New Roman" panose="02020603050405020304" pitchFamily="18" charset="0"/>
+              <a:rPr sz="1400" spc="10" dirty="0">
+                <a:latin typeface="Arial"/>
+                <a:cs typeface="Arial"/>
               </a:rPr>
               <a:t>Agile</a:t>
             </a:r>
-            <a:endParaRPr sz="1600" dirty="0">
-              <a:latin typeface="Times New Roman" panose="02020603050405020304" pitchFamily="18" charset="0"/>
-              <a:cs typeface="Times New Roman" panose="02020603050405020304" pitchFamily="18" charset="0"/>
+            <a:endParaRPr sz="1400" dirty="0">
+              <a:latin typeface="Arial"/>
+              <a:cs typeface="Arial"/>
             </a:endParaRPr>
           </a:p>
           <a:p>
@@ -9751,64 +12083,64 @@
               </a:spcBef>
             </a:pPr>
             <a:r>
-              <a:rPr sz="1600" spc="-45" dirty="0">
-                <a:latin typeface="Times New Roman" panose="02020603050405020304" pitchFamily="18" charset="0"/>
-                <a:cs typeface="Times New Roman" panose="02020603050405020304" pitchFamily="18" charset="0"/>
+              <a:rPr sz="1400" spc="-45" dirty="0">
+                <a:latin typeface="Arial"/>
+                <a:cs typeface="Arial"/>
               </a:rPr>
               <a:t>M</a:t>
             </a:r>
             <a:r>
-              <a:rPr sz="1600" spc="45" dirty="0">
-                <a:latin typeface="Times New Roman" panose="02020603050405020304" pitchFamily="18" charset="0"/>
-                <a:cs typeface="Times New Roman" panose="02020603050405020304" pitchFamily="18" charset="0"/>
+              <a:rPr sz="1400" spc="45" dirty="0">
+                <a:latin typeface="Arial"/>
+                <a:cs typeface="Arial"/>
               </a:rPr>
               <a:t>e</a:t>
             </a:r>
             <a:r>
-              <a:rPr sz="1600" spc="-20" dirty="0">
-                <a:latin typeface="Times New Roman" panose="02020603050405020304" pitchFamily="18" charset="0"/>
-                <a:cs typeface="Times New Roman" panose="02020603050405020304" pitchFamily="18" charset="0"/>
+              <a:rPr sz="1400" spc="-20" dirty="0">
+                <a:latin typeface="Arial"/>
+                <a:cs typeface="Arial"/>
               </a:rPr>
               <a:t>t</a:t>
             </a:r>
             <a:r>
-              <a:rPr sz="1600" spc="-30" dirty="0">
-                <a:latin typeface="Times New Roman" panose="02020603050405020304" pitchFamily="18" charset="0"/>
-                <a:cs typeface="Times New Roman" panose="02020603050405020304" pitchFamily="18" charset="0"/>
+              <a:rPr sz="1400" spc="-30" dirty="0">
+                <a:latin typeface="Arial"/>
+                <a:cs typeface="Arial"/>
               </a:rPr>
               <a:t>h</a:t>
             </a:r>
             <a:r>
-              <a:rPr sz="1600" spc="45" dirty="0">
-                <a:latin typeface="Times New Roman" panose="02020603050405020304" pitchFamily="18" charset="0"/>
-                <a:cs typeface="Times New Roman" panose="02020603050405020304" pitchFamily="18" charset="0"/>
+              <a:rPr sz="1400" spc="45" dirty="0">
+                <a:latin typeface="Arial"/>
+                <a:cs typeface="Arial"/>
               </a:rPr>
               <a:t>odo</a:t>
             </a:r>
             <a:r>
-              <a:rPr sz="1600" spc="-15" dirty="0">
-                <a:latin typeface="Times New Roman" panose="02020603050405020304" pitchFamily="18" charset="0"/>
-                <a:cs typeface="Times New Roman" panose="02020603050405020304" pitchFamily="18" charset="0"/>
+              <a:rPr sz="1400" spc="-15" dirty="0">
+                <a:latin typeface="Arial"/>
+                <a:cs typeface="Arial"/>
               </a:rPr>
               <a:t>l</a:t>
             </a:r>
             <a:r>
-              <a:rPr sz="1600" spc="45" dirty="0">
-                <a:latin typeface="Times New Roman" panose="02020603050405020304" pitchFamily="18" charset="0"/>
-                <a:cs typeface="Times New Roman" panose="02020603050405020304" pitchFamily="18" charset="0"/>
+              <a:rPr sz="1400" spc="45" dirty="0">
+                <a:latin typeface="Arial"/>
+                <a:cs typeface="Arial"/>
               </a:rPr>
               <a:t>og</a:t>
             </a:r>
             <a:r>
-              <a:rPr sz="1600" spc="10" dirty="0">
-                <a:latin typeface="Times New Roman" panose="02020603050405020304" pitchFamily="18" charset="0"/>
-                <a:cs typeface="Times New Roman" panose="02020603050405020304" pitchFamily="18" charset="0"/>
+              <a:rPr sz="1400" spc="10" dirty="0">
+                <a:latin typeface="Arial"/>
+                <a:cs typeface="Arial"/>
               </a:rPr>
               <a:t>y</a:t>
             </a:r>
-            <a:endParaRPr sz="1600" dirty="0">
-              <a:latin typeface="Times New Roman" panose="02020603050405020304" pitchFamily="18" charset="0"/>
-              <a:cs typeface="Times New Roman" panose="02020603050405020304" pitchFamily="18" charset="0"/>
+            <a:endParaRPr sz="1400" dirty="0">
+              <a:latin typeface="Arial"/>
+              <a:cs typeface="Arial"/>
             </a:endParaRPr>
           </a:p>
           <a:p>
@@ -9816,6 +12148,7 @@
               <a:lnSpc>
                 <a:spcPts val="1650"/>
               </a:lnSpc>
+              <a:buFontTx/>
               <a:buChar char="•"/>
               <a:tabLst>
                 <a:tab pos="298450" algn="l"/>
@@ -9823,15 +12156,43 @@
               </a:tabLst>
             </a:pPr>
             <a:r>
-              <a:rPr sz="1600" spc="-10" dirty="0">
-                <a:latin typeface="Times New Roman" panose="02020603050405020304" pitchFamily="18" charset="0"/>
-                <a:cs typeface="Times New Roman" panose="02020603050405020304" pitchFamily="18" charset="0"/>
-              </a:rPr>
-              <a:t>JUnit</a:t>
-            </a:r>
-            <a:endParaRPr sz="1600" dirty="0">
-              <a:latin typeface="Times New Roman" panose="02020603050405020304" pitchFamily="18" charset="0"/>
-              <a:cs typeface="Times New Roman" panose="02020603050405020304" pitchFamily="18" charset="0"/>
+              <a:rPr sz="1400" spc="-10" dirty="0" err="1" smtClean="0">
+                <a:latin typeface="Arial"/>
+                <a:cs typeface="Arial"/>
+              </a:rPr>
+              <a:t>J</a:t>
+            </a:r>
+            <a:r>
+              <a:rPr lang="en-US" sz="1400" spc="-10" dirty="0" err="1" smtClean="0">
+                <a:latin typeface="Arial"/>
+                <a:cs typeface="Arial"/>
+              </a:rPr>
+              <a:t>u</a:t>
+            </a:r>
+            <a:r>
+              <a:rPr sz="1400" spc="-10" dirty="0" err="1" smtClean="0">
+                <a:latin typeface="Arial"/>
+                <a:cs typeface="Arial"/>
+              </a:rPr>
+              <a:t>nit</a:t>
+            </a:r>
+            <a:r>
+              <a:rPr lang="en-US" sz="1400" spc="-10" dirty="0" smtClean="0">
+                <a:latin typeface="Arial"/>
+                <a:cs typeface="Arial"/>
+              </a:rPr>
+              <a:t>, </a:t>
+            </a:r>
+            <a:r>
+              <a:rPr lang="en-US" sz="1400" dirty="0" smtClean="0">
+                <a:latin typeface="Arial"/>
+                <a:cs typeface="Arial"/>
+              </a:rPr>
+              <a:t>Jenkins</a:t>
+            </a:r>
+            <a:endParaRPr sz="1400" dirty="0">
+              <a:latin typeface="Arial"/>
+              <a:cs typeface="Arial"/>
             </a:endParaRPr>
           </a:p>
           <a:p>
@@ -9846,15 +12207,15 @@
               </a:tabLst>
             </a:pPr>
             <a:r>
-              <a:rPr sz="1600" spc="-10" dirty="0">
-                <a:latin typeface="Times New Roman" panose="02020603050405020304" pitchFamily="18" charset="0"/>
-                <a:cs typeface="Times New Roman" panose="02020603050405020304" pitchFamily="18" charset="0"/>
+              <a:rPr sz="1400" spc="-10" dirty="0">
+                <a:latin typeface="Arial"/>
+                <a:cs typeface="Arial"/>
               </a:rPr>
               <a:t>GitHub</a:t>
             </a:r>
-            <a:endParaRPr sz="1600" dirty="0">
-              <a:latin typeface="Times New Roman" panose="02020603050405020304" pitchFamily="18" charset="0"/>
-              <a:cs typeface="Times New Roman" panose="02020603050405020304" pitchFamily="18" charset="0"/>
+            <a:endParaRPr sz="1400" dirty="0">
+              <a:latin typeface="Arial"/>
+              <a:cs typeface="Arial"/>
             </a:endParaRPr>
           </a:p>
           <a:p>
@@ -9872,15 +12233,15 @@
               </a:tabLst>
             </a:pPr>
             <a:r>
-              <a:rPr sz="1600" spc="-10" dirty="0">
-                <a:latin typeface="Times New Roman" panose="02020603050405020304" pitchFamily="18" charset="0"/>
-                <a:cs typeface="Times New Roman" panose="02020603050405020304" pitchFamily="18" charset="0"/>
+              <a:rPr sz="1400" spc="-10" dirty="0">
+                <a:latin typeface="Arial"/>
+                <a:cs typeface="Arial"/>
               </a:rPr>
               <a:t>Maven</a:t>
             </a:r>
-            <a:endParaRPr sz="1600" dirty="0">
-              <a:latin typeface="Times New Roman" panose="02020603050405020304" pitchFamily="18" charset="0"/>
-              <a:cs typeface="Times New Roman" panose="02020603050405020304" pitchFamily="18" charset="0"/>
+            <a:endParaRPr sz="1400" dirty="0">
+              <a:latin typeface="Arial"/>
+              <a:cs typeface="Arial"/>
             </a:endParaRPr>
           </a:p>
           <a:p>
@@ -9895,38 +12256,16 @@
               </a:tabLst>
             </a:pPr>
             <a:r>
-              <a:rPr sz="1600" spc="-5" dirty="0">
-                <a:latin typeface="Times New Roman" panose="02020603050405020304" pitchFamily="18" charset="0"/>
-                <a:cs typeface="Times New Roman" panose="02020603050405020304" pitchFamily="18" charset="0"/>
+              <a:rPr sz="1400" spc="-5" dirty="0">
+                <a:latin typeface="Arial"/>
+                <a:cs typeface="Arial"/>
               </a:rPr>
               <a:t>Tomcat</a:t>
             </a:r>
-            <a:endParaRPr sz="1600" dirty="0">
-              <a:latin typeface="Times New Roman" panose="02020603050405020304" pitchFamily="18" charset="0"/>
-              <a:cs typeface="Times New Roman" panose="02020603050405020304" pitchFamily="18" charset="0"/>
+            <a:endParaRPr sz="1400" dirty="0">
+              <a:latin typeface="Arial"/>
+              <a:cs typeface="Arial"/>
             </a:endParaRPr>
-          </a:p>
-          <a:p>
-            <a:pPr marL="298450" indent="-286385">
-              <a:lnSpc>
-                <a:spcPts val="1664"/>
-              </a:lnSpc>
-              <a:spcBef>
-                <a:spcPts val="50"/>
-              </a:spcBef>
-              <a:buChar char="•"/>
-              <a:tabLst>
-                <a:tab pos="298450" algn="l"/>
-                <a:tab pos="299085" algn="l"/>
-              </a:tabLst>
-            </a:pPr>
-            <a:r>
-              <a:rPr sz="1600" dirty="0">
-                <a:latin typeface="Times New Roman" panose="02020603050405020304" pitchFamily="18" charset="0"/>
-                <a:cs typeface="Times New Roman" panose="02020603050405020304" pitchFamily="18" charset="0"/>
-              </a:rPr>
-              <a:t>Jenkins</a:t>
-            </a:r>
           </a:p>
           <a:p>
             <a:pPr marL="298450" marR="118110" indent="-286385">
@@ -9943,85 +12282,85 @@
               </a:tabLst>
             </a:pPr>
             <a:r>
-              <a:rPr sz="1600" spc="20" dirty="0">
-                <a:latin typeface="Times New Roman" panose="02020603050405020304" pitchFamily="18" charset="0"/>
-                <a:cs typeface="Times New Roman" panose="02020603050405020304" pitchFamily="18" charset="0"/>
+              <a:rPr sz="1400" spc="20" dirty="0" smtClean="0">
+                <a:latin typeface="Arial"/>
+                <a:cs typeface="Arial"/>
               </a:rPr>
               <a:t>Project  </a:t>
             </a:r>
             <a:r>
-              <a:rPr sz="1600" spc="30" dirty="0">
-                <a:latin typeface="Times New Roman" panose="02020603050405020304" pitchFamily="18" charset="0"/>
-                <a:cs typeface="Times New Roman" panose="02020603050405020304" pitchFamily="18" charset="0"/>
+              <a:rPr sz="1400" spc="30" dirty="0">
+                <a:latin typeface="Arial"/>
+                <a:cs typeface="Arial"/>
               </a:rPr>
               <a:t>C</a:t>
             </a:r>
             <a:r>
-              <a:rPr sz="1600" spc="45" dirty="0">
-                <a:latin typeface="Times New Roman" panose="02020603050405020304" pitchFamily="18" charset="0"/>
-                <a:cs typeface="Times New Roman" panose="02020603050405020304" pitchFamily="18" charset="0"/>
+              <a:rPr sz="1400" spc="45" dirty="0">
+                <a:latin typeface="Arial"/>
+                <a:cs typeface="Arial"/>
               </a:rPr>
               <a:t>o</a:t>
             </a:r>
             <a:r>
-              <a:rPr sz="1600" spc="30" dirty="0">
-                <a:latin typeface="Times New Roman" panose="02020603050405020304" pitchFamily="18" charset="0"/>
-                <a:cs typeface="Times New Roman" panose="02020603050405020304" pitchFamily="18" charset="0"/>
+              <a:rPr sz="1400" spc="30" dirty="0">
+                <a:latin typeface="Arial"/>
+                <a:cs typeface="Arial"/>
               </a:rPr>
               <a:t>m</a:t>
             </a:r>
             <a:r>
-              <a:rPr sz="1600" spc="45" dirty="0">
-                <a:latin typeface="Times New Roman" panose="02020603050405020304" pitchFamily="18" charset="0"/>
-                <a:cs typeface="Times New Roman" panose="02020603050405020304" pitchFamily="18" charset="0"/>
+              <a:rPr sz="1400" spc="45" dirty="0">
+                <a:latin typeface="Arial"/>
+                <a:cs typeface="Arial"/>
               </a:rPr>
               <a:t>p</a:t>
             </a:r>
             <a:r>
-              <a:rPr sz="1600" spc="-15" dirty="0">
-                <a:latin typeface="Times New Roman" panose="02020603050405020304" pitchFamily="18" charset="0"/>
-                <a:cs typeface="Times New Roman" panose="02020603050405020304" pitchFamily="18" charset="0"/>
+              <a:rPr sz="1400" spc="-15" dirty="0">
+                <a:latin typeface="Arial"/>
+                <a:cs typeface="Arial"/>
               </a:rPr>
               <a:t>l</a:t>
             </a:r>
             <a:r>
-              <a:rPr sz="1600" spc="45" dirty="0">
-                <a:latin typeface="Times New Roman" panose="02020603050405020304" pitchFamily="18" charset="0"/>
-                <a:cs typeface="Times New Roman" panose="02020603050405020304" pitchFamily="18" charset="0"/>
+              <a:rPr sz="1400" spc="45" dirty="0">
+                <a:latin typeface="Arial"/>
+                <a:cs typeface="Arial"/>
               </a:rPr>
               <a:t>e</a:t>
             </a:r>
             <a:r>
-              <a:rPr sz="1600" spc="-20" dirty="0">
-                <a:latin typeface="Times New Roman" panose="02020603050405020304" pitchFamily="18" charset="0"/>
-                <a:cs typeface="Times New Roman" panose="02020603050405020304" pitchFamily="18" charset="0"/>
+              <a:rPr sz="1400" spc="-20" dirty="0">
+                <a:latin typeface="Arial"/>
+                <a:cs typeface="Arial"/>
               </a:rPr>
               <a:t>t</a:t>
             </a:r>
             <a:r>
-              <a:rPr sz="1600" spc="-15" dirty="0">
-                <a:latin typeface="Times New Roman" panose="02020603050405020304" pitchFamily="18" charset="0"/>
-                <a:cs typeface="Times New Roman" panose="02020603050405020304" pitchFamily="18" charset="0"/>
+              <a:rPr sz="1400" spc="-15" dirty="0">
+                <a:latin typeface="Arial"/>
+                <a:cs typeface="Arial"/>
               </a:rPr>
               <a:t>i</a:t>
             </a:r>
             <a:r>
-              <a:rPr sz="1600" spc="45" dirty="0">
-                <a:latin typeface="Times New Roman" panose="02020603050405020304" pitchFamily="18" charset="0"/>
-                <a:cs typeface="Times New Roman" panose="02020603050405020304" pitchFamily="18" charset="0"/>
+              <a:rPr sz="1400" spc="45" dirty="0">
+                <a:latin typeface="Arial"/>
+                <a:cs typeface="Arial"/>
               </a:rPr>
               <a:t>o</a:t>
             </a:r>
             <a:r>
-              <a:rPr sz="1600" spc="15" dirty="0">
-                <a:latin typeface="Times New Roman" panose="02020603050405020304" pitchFamily="18" charset="0"/>
-                <a:cs typeface="Times New Roman" panose="02020603050405020304" pitchFamily="18" charset="0"/>
+              <a:rPr sz="1400" spc="15" dirty="0">
+                <a:latin typeface="Arial"/>
+                <a:cs typeface="Arial"/>
               </a:rPr>
               <a:t>n</a:t>
             </a:r>
-            <a:endParaRPr sz="1600" dirty="0">
-              <a:latin typeface="Times New Roman" panose="02020603050405020304" pitchFamily="18" charset="0"/>
-              <a:cs typeface="Times New Roman" panose="02020603050405020304" pitchFamily="18" charset="0"/>
+            <a:endParaRPr sz="1400" dirty="0">
+              <a:latin typeface="Arial"/>
+              <a:cs typeface="Arial"/>
             </a:endParaRPr>
           </a:p>
         </p:txBody>
@@ -10055,16 +12394,214 @@
           </a:p>
         </p:txBody>
       </p:sp>
+      <p:sp>
+        <p:nvSpPr>
+          <p:cNvPr id="20" name="object 16"/>
+          <p:cNvSpPr txBox="1"/>
+          <p:nvPr/>
+        </p:nvSpPr>
+        <p:spPr>
+          <a:xfrm>
+            <a:off x="5637528" y="4346753"/>
+            <a:ext cx="1557083" cy="1771639"/>
+          </a:xfrm>
+          <a:prstGeom prst="rect">
+            <a:avLst/>
+          </a:prstGeom>
+        </p:spPr>
+        <p:txBody>
+          <a:bodyPr vert="horz" wrap="square" lIns="0" tIns="192405" rIns="0" bIns="0" rtlCol="0">
+            <a:spAutoFit/>
+          </a:bodyPr>
+          <a:lstStyle/>
+          <a:p>
+            <a:pPr marL="116205">
+              <a:lnSpc>
+                <a:spcPct val="100000"/>
+              </a:lnSpc>
+              <a:spcBef>
+                <a:spcPts val="1515"/>
+              </a:spcBef>
+            </a:pPr>
+            <a:r>
+              <a:rPr lang="en-US" sz="2400" b="1" spc="10" dirty="0">
+                <a:solidFill>
+                  <a:srgbClr val="585858"/>
+                </a:solidFill>
+                <a:latin typeface="Arial"/>
+                <a:cs typeface="Arial"/>
+              </a:rPr>
+              <a:t>6</a:t>
+            </a:r>
+            <a:r>
+              <a:rPr sz="2325" b="1" spc="15" baseline="26881" dirty="0" smtClean="0">
+                <a:solidFill>
+                  <a:srgbClr val="585858"/>
+                </a:solidFill>
+                <a:latin typeface="Arial"/>
+                <a:cs typeface="Arial"/>
+              </a:rPr>
+              <a:t>th</a:t>
+            </a:r>
+            <a:r>
+              <a:rPr sz="2325" b="1" spc="337" baseline="26881" dirty="0" smtClean="0">
+                <a:solidFill>
+                  <a:srgbClr val="585858"/>
+                </a:solidFill>
+                <a:latin typeface="Arial"/>
+                <a:cs typeface="Arial"/>
+              </a:rPr>
+              <a:t> </a:t>
+            </a:r>
+            <a:r>
+              <a:rPr sz="2400" b="1" spc="5" dirty="0">
+                <a:solidFill>
+                  <a:srgbClr val="585858"/>
+                </a:solidFill>
+                <a:latin typeface="Arial"/>
+                <a:cs typeface="Arial"/>
+              </a:rPr>
+              <a:t>week</a:t>
+            </a:r>
+            <a:endParaRPr sz="2400" dirty="0">
+              <a:latin typeface="Arial"/>
+              <a:cs typeface="Arial"/>
+            </a:endParaRPr>
+          </a:p>
+          <a:p>
+            <a:pPr marL="209550" indent="-171450">
+              <a:lnSpc>
+                <a:spcPct val="100000"/>
+              </a:lnSpc>
+              <a:spcBef>
+                <a:spcPts val="870"/>
+              </a:spcBef>
+              <a:buChar char="•"/>
+              <a:tabLst>
+                <a:tab pos="209550" algn="l"/>
+              </a:tabLst>
+            </a:pPr>
+            <a:r>
+              <a:rPr lang="en-US" sz="1400" dirty="0" err="1" smtClean="0">
+                <a:solidFill>
+                  <a:srgbClr val="404040"/>
+                </a:solidFill>
+                <a:latin typeface="Arial"/>
+                <a:cs typeface="Arial"/>
+              </a:rPr>
+              <a:t>Javascript</a:t>
+            </a:r>
+            <a:endParaRPr lang="en-US" sz="1400" dirty="0" smtClean="0">
+              <a:solidFill>
+                <a:srgbClr val="404040"/>
+              </a:solidFill>
+              <a:latin typeface="Arial"/>
+              <a:cs typeface="Arial"/>
+            </a:endParaRPr>
+          </a:p>
+          <a:p>
+            <a:pPr marL="209550" indent="-171450">
+              <a:lnSpc>
+                <a:spcPct val="100000"/>
+              </a:lnSpc>
+              <a:spcBef>
+                <a:spcPts val="870"/>
+              </a:spcBef>
+              <a:buChar char="•"/>
+              <a:tabLst>
+                <a:tab pos="209550" algn="l"/>
+              </a:tabLst>
+            </a:pPr>
+            <a:r>
+              <a:rPr lang="en-US" sz="1400" dirty="0" smtClean="0">
+                <a:solidFill>
+                  <a:srgbClr val="404040"/>
+                </a:solidFill>
+                <a:latin typeface="Arial"/>
+                <a:cs typeface="Arial"/>
+              </a:rPr>
+              <a:t>Angular </a:t>
+            </a:r>
+          </a:p>
+          <a:p>
+            <a:pPr marL="209550" indent="-171450">
+              <a:lnSpc>
+                <a:spcPct val="100000"/>
+              </a:lnSpc>
+              <a:spcBef>
+                <a:spcPts val="870"/>
+              </a:spcBef>
+              <a:buChar char="•"/>
+              <a:tabLst>
+                <a:tab pos="209550" algn="l"/>
+              </a:tabLst>
+            </a:pPr>
+            <a:r>
+              <a:rPr lang="en-US" sz="1400" smtClean="0">
+                <a:solidFill>
+                  <a:srgbClr val="404040"/>
+                </a:solidFill>
+                <a:latin typeface="Arial"/>
+                <a:cs typeface="Arial"/>
+              </a:rPr>
+              <a:t>J2EE </a:t>
+            </a:r>
+            <a:r>
+              <a:rPr lang="en-US" sz="1400" dirty="0" smtClean="0">
+                <a:solidFill>
+                  <a:srgbClr val="404040"/>
+                </a:solidFill>
+                <a:latin typeface="Arial"/>
+                <a:cs typeface="Arial"/>
+              </a:rPr>
+              <a:t>Architecture</a:t>
+            </a:r>
+            <a:endParaRPr sz="1400" dirty="0">
+              <a:latin typeface="Arial"/>
+              <a:cs typeface="Arial"/>
+            </a:endParaRPr>
+          </a:p>
+        </p:txBody>
+      </p:sp>
+      <p:graphicFrame>
+        <p:nvGraphicFramePr>
+          <p:cNvPr id="9" name="Diagram 8"/>
+          <p:cNvGraphicFramePr/>
+          <p:nvPr>
+            <p:extLst>
+              <p:ext uri="{D42A27DB-BD31-4B8C-83A1-F6EECF244321}">
+                <p14:modId xmlns:p14="http://schemas.microsoft.com/office/powerpoint/2010/main" val="286839586"/>
+              </p:ext>
+            </p:extLst>
+          </p:nvPr>
+        </p:nvGraphicFramePr>
+        <p:xfrm>
+          <a:off x="859362" y="3750188"/>
+          <a:ext cx="9977811" cy="569069"/>
+        </p:xfrm>
+        <a:graphic>
+          <a:graphicData uri="http://schemas.openxmlformats.org/drawingml/2006/diagram">
+            <dgm:relIds xmlns:dgm="http://schemas.openxmlformats.org/drawingml/2006/diagram" xmlns:r="http://schemas.openxmlformats.org/officeDocument/2006/relationships" r:dm="rId3" r:lo="rId4" r:qs="rId5" r:cs="rId6"/>
+          </a:graphicData>
+        </a:graphic>
+      </p:graphicFrame>
     </p:spTree>
     <p:extLst>
       <p:ext uri="{BB962C8B-B14F-4D97-AF65-F5344CB8AC3E}">
-        <p14:creationId xmlns:p14="http://schemas.microsoft.com/office/powerpoint/2010/main" val="1755795209"/>
+        <p14:creationId xmlns:p14="http://schemas.microsoft.com/office/powerpoint/2010/main" val="600540194"/>
       </p:ext>
     </p:extLst>
   </p:cSld>
   <p:clrMapOvr>
     <a:masterClrMapping/>
   </p:clrMapOvr>
+  <p:timing>
+    <p:tnLst>
+      <p:par>
+        <p:cTn id="1" dur="indefinite" restart="never" nodeType="tmRoot"/>
+      </p:par>
+    </p:tnLst>
+  </p:timing>
 </p:sld>
 </file>
 
@@ -10175,7 +12712,7 @@
         </p:blipFill>
         <p:spPr>
           <a:xfrm>
-            <a:off x="2876050" y="2626438"/>
+            <a:off x="2767101" y="2855562"/>
             <a:ext cx="1500546" cy="1304284"/>
           </a:xfrm>
           <a:prstGeom prst="rect">
@@ -10205,8 +12742,8 @@
         </p:blipFill>
         <p:spPr>
           <a:xfrm>
-            <a:off x="5429209" y="5351090"/>
-            <a:ext cx="1333580" cy="1206298"/>
+            <a:off x="4912074" y="4731222"/>
+            <a:ext cx="2305317" cy="1563952"/>
           </a:xfrm>
           <a:prstGeom prst="rect">
             <a:avLst/>
@@ -10311,8 +12848,8 @@
         </p:nvSpPr>
         <p:spPr>
           <a:xfrm>
-            <a:off x="489396" y="1196449"/>
-            <a:ext cx="1700011" cy="965915"/>
+            <a:off x="517066" y="1302725"/>
+            <a:ext cx="1841680" cy="965915"/>
           </a:xfrm>
           <a:prstGeom prst="roundRect">
             <a:avLst/>
@@ -10412,8 +12949,8 @@
         </p:nvSpPr>
         <p:spPr>
           <a:xfrm>
-            <a:off x="489396" y="2654039"/>
-            <a:ext cx="1700011" cy="965915"/>
+            <a:off x="507228" y="3193648"/>
+            <a:ext cx="1823848" cy="965915"/>
           </a:xfrm>
           <a:prstGeom prst="roundRect">
             <a:avLst/>
@@ -10467,7 +13004,7 @@
         </p:blipFill>
         <p:spPr>
           <a:xfrm>
-            <a:off x="4592657" y="2632939"/>
+            <a:off x="4520082" y="2926427"/>
             <a:ext cx="1544651" cy="1297783"/>
           </a:xfrm>
           <a:prstGeom prst="rect">
@@ -10497,7 +13034,7 @@
         </p:blipFill>
         <p:spPr>
           <a:xfrm>
-            <a:off x="5575657" y="1829275"/>
+            <a:off x="5541213" y="1945627"/>
             <a:ext cx="2898610" cy="2898610"/>
           </a:xfrm>
           <a:prstGeom prst="rect">
@@ -10527,7 +13064,7 @@
         </p:blipFill>
         <p:spPr>
           <a:xfrm>
-            <a:off x="7916302" y="2626438"/>
+            <a:off x="7992395" y="2784228"/>
             <a:ext cx="1284178" cy="1315122"/>
           </a:xfrm>
           <a:prstGeom prst="rect">
@@ -10537,14 +13074,14 @@
       </p:pic>
       <p:sp>
         <p:nvSpPr>
-          <p:cNvPr id="18" name="Rounded Rectangle 17"/>
+          <p:cNvPr id="21" name="Rounded Rectangle 20"/>
           <p:cNvSpPr/>
           <p:nvPr/>
         </p:nvSpPr>
         <p:spPr>
           <a:xfrm>
-            <a:off x="489395" y="4111629"/>
-            <a:ext cx="1700011" cy="965915"/>
+            <a:off x="517066" y="5190847"/>
+            <a:ext cx="1814010" cy="965915"/>
           </a:xfrm>
           <a:prstGeom prst="roundRect">
             <a:avLst/>
@@ -10571,77 +13108,6 @@
             <a:pPr algn="ctr"/>
             <a:r>
               <a:rPr lang="en-US" sz="2400" dirty="0"/>
-              <a:t>DEVOPS</a:t>
-            </a:r>
-          </a:p>
-        </p:txBody>
-      </p:sp>
-      <p:pic>
-        <p:nvPicPr>
-          <p:cNvPr id="19" name="Picture 18"/>
-          <p:cNvPicPr>
-            <a:picLocks noChangeAspect="1"/>
-          </p:cNvPicPr>
-          <p:nvPr/>
-        </p:nvPicPr>
-        <p:blipFill>
-          <a:blip r:embed="rId12" cstate="print">
-            <a:extLst>
-              <a:ext uri="{28A0092B-C50C-407E-A947-70E740481C1C}">
-                <a14:useLocalDpi xmlns:a14="http://schemas.microsoft.com/office/drawing/2010/main" val="0"/>
-              </a:ext>
-            </a:extLst>
-          </a:blip>
-          <a:stretch>
-            <a:fillRect/>
-          </a:stretch>
-        </p:blipFill>
-        <p:spPr>
-          <a:xfrm>
-            <a:off x="6695896" y="4076914"/>
-            <a:ext cx="1778371" cy="1000630"/>
-          </a:xfrm>
-          <a:prstGeom prst="rect">
-            <a:avLst/>
-          </a:prstGeom>
-        </p:spPr>
-      </p:pic>
-      <p:sp>
-        <p:nvSpPr>
-          <p:cNvPr id="21" name="Rounded Rectangle 20"/>
-          <p:cNvSpPr/>
-          <p:nvPr/>
-        </p:nvSpPr>
-        <p:spPr>
-          <a:xfrm>
-            <a:off x="489395" y="5572072"/>
-            <a:ext cx="1700011" cy="965915"/>
-          </a:xfrm>
-          <a:prstGeom prst="roundRect">
-            <a:avLst/>
-          </a:prstGeom>
-        </p:spPr>
-        <p:style>
-          <a:lnRef idx="1">
-            <a:schemeClr val="accent1"/>
-          </a:lnRef>
-          <a:fillRef idx="2">
-            <a:schemeClr val="accent1"/>
-          </a:fillRef>
-          <a:effectRef idx="1">
-            <a:schemeClr val="accent1"/>
-          </a:effectRef>
-          <a:fontRef idx="minor">
-            <a:schemeClr val="dk1"/>
-          </a:fontRef>
-        </p:style>
-        <p:txBody>
-          <a:bodyPr rtlCol="0" anchor="ctr"/>
-          <a:lstStyle/>
-          <a:p>
-            <a:pPr algn="ctr"/>
-            <a:r>
-              <a:rPr lang="en-US" sz="2400" dirty="0"/>
               <a:t>DATA</a:t>
             </a:r>
           </a:p>
@@ -10662,7 +13128,7 @@
             <a:avLst/>
           </a:prstGeom>
           <a:blipFill>
-            <a:blip r:embed="rId13" cstate="print"/>
+            <a:blip r:embed="rId12" cstate="print"/>
             <a:stretch>
               <a:fillRect/>
             </a:stretch>
@@ -10676,42 +13142,6 @@
           </a:p>
         </p:txBody>
       </p:sp>
-      <p:pic>
-        <p:nvPicPr>
-          <p:cNvPr id="10" name="Picture 9">
-            <a:extLst>
-              <a:ext uri="{FF2B5EF4-FFF2-40B4-BE49-F238E27FC236}">
-                <a16:creationId xmlns:a16="http://schemas.microsoft.com/office/drawing/2014/main" id="{33C8ED0B-577C-42E5-82B4-C9AB9A5887D3}"/>
-              </a:ext>
-            </a:extLst>
-          </p:cNvPr>
-          <p:cNvPicPr>
-            <a:picLocks noChangeAspect="1"/>
-          </p:cNvPicPr>
-          <p:nvPr/>
-        </p:nvPicPr>
-        <p:blipFill>
-          <a:blip r:embed="rId14" cstate="print">
-            <a:extLst>
-              <a:ext uri="{28A0092B-C50C-407E-A947-70E740481C1C}">
-                <a14:useLocalDpi xmlns:a14="http://schemas.microsoft.com/office/drawing/2010/main" val="0"/>
-              </a:ext>
-            </a:extLst>
-          </a:blip>
-          <a:stretch>
-            <a:fillRect/>
-          </a:stretch>
-        </p:blipFill>
-        <p:spPr>
-          <a:xfrm>
-            <a:off x="4214871" y="4365332"/>
-            <a:ext cx="1989298" cy="639862"/>
-          </a:xfrm>
-          <a:prstGeom prst="rect">
-            <a:avLst/>
-          </a:prstGeom>
-        </p:spPr>
-      </p:pic>
     </p:spTree>
     <p:extLst>
       <p:ext uri="{BB962C8B-B14F-4D97-AF65-F5344CB8AC3E}">
@@ -10722,6 +13152,13 @@
   <p:clrMapOvr>
     <a:masterClrMapping/>
   </p:clrMapOvr>
+  <p:timing>
+    <p:tnLst>
+      <p:par>
+        <p:cTn id="1" dur="indefinite" restart="never" nodeType="tmRoot"/>
+      </p:par>
+    </p:tnLst>
+  </p:timing>
 </p:sld>
 </file>
 
@@ -10854,6 +13291,13 @@
   <p:clrMapOvr>
     <a:masterClrMapping/>
   </p:clrMapOvr>
+  <p:timing>
+    <p:tnLst>
+      <p:par>
+        <p:cTn id="1" dur="indefinite" restart="never" nodeType="tmRoot"/>
+      </p:par>
+    </p:tnLst>
+  </p:timing>
 </p:sld>
 </file>
 
@@ -10898,13 +13342,29 @@
           <a:p>
             <a:pPr algn="ctr"/>
             <a:r>
-              <a:rPr lang="en-US" sz="5400" dirty="0">
+              <a:rPr lang="en-US" sz="5400" dirty="0" smtClean="0">
+                <a:solidFill>
+                  <a:schemeClr val="accent1"/>
+                </a:solidFill>
                 <a:latin typeface="Aharoni" panose="02010803020104030203" pitchFamily="2" charset="-79"/>
                 <a:cs typeface="Aharoni" panose="02010803020104030203" pitchFamily="2" charset="-79"/>
               </a:rPr>
-              <a:t>ER DIAGRAM</a:t>
+              <a:t>					ER </a:t>
+            </a:r>
+            <a:r>
+              <a:rPr lang="en-US" sz="5400" dirty="0">
+                <a:solidFill>
+                  <a:schemeClr val="accent1"/>
+                </a:solidFill>
+                <a:latin typeface="Aharoni" panose="02010803020104030203" pitchFamily="2" charset="-79"/>
+                <a:cs typeface="Aharoni" panose="02010803020104030203" pitchFamily="2" charset="-79"/>
+              </a:rPr>
+              <a:t>DIAGRAM</a:t>
             </a:r>
             <a:endParaRPr lang="en-IN" sz="5400" dirty="0">
+              <a:solidFill>
+                <a:schemeClr val="accent1"/>
+              </a:solidFill>
               <a:latin typeface="Aharoni" panose="02010803020104030203" pitchFamily="2" charset="-79"/>
               <a:cs typeface="Aharoni" panose="02010803020104030203" pitchFamily="2" charset="-79"/>
             </a:endParaRPr>
@@ -10951,6 +13411,13 @@
   <p:clrMapOvr>
     <a:masterClrMapping/>
   </p:clrMapOvr>
+  <p:timing>
+    <p:tnLst>
+      <p:par>
+        <p:cTn id="1" dur="indefinite" restart="never" nodeType="tmRoot"/>
+      </p:par>
+    </p:tnLst>
+  </p:timing>
 </p:sld>
 </file>
 
